--- a/presentation/presentation.pptx
+++ b/presentation/presentation.pptx
@@ -18,8 +18,9 @@
     <p:sldId id="266" r:id="rId12"/>
     <p:sldId id="267" r:id="rId13"/>
     <p:sldId id="268" r:id="rId14"/>
-    <p:sldId id="269" r:id="rId15"/>
-    <p:sldId id="270" r:id="rId16"/>
+    <p:sldId id="271" r:id="rId15"/>
+    <p:sldId id="269" r:id="rId16"/>
+    <p:sldId id="270" r:id="rId17"/>
   </p:sldIdLst>
   <p:sldSz cx="12192000" cy="6858000"/>
   <p:notesSz cx="6858000" cy="9144000"/>
@@ -126,6 +127,2855 @@
 </p:presentation>
 </file>
 
+<file path=ppt/diagrams/colors1.xml><?xml version="1.0" encoding="utf-8"?>
+<dgm:colorsDef xmlns:dgm="http://schemas.openxmlformats.org/drawingml/2006/diagram" xmlns:a="http://schemas.openxmlformats.org/drawingml/2006/main" uniqueId="urn:microsoft.com/office/officeart/2018/5/colors/Iconchunking_neutralbg_colorful2">
+  <dgm:title val=""/>
+  <dgm:desc val=""/>
+  <dgm:catLst>
+    <dgm:cat type="colorful" pri="10200"/>
+  </dgm:catLst>
+  <dgm:styleLbl name="node0">
+    <dgm:fillClrLst meth="repeat">
+      <a:schemeClr val="accent1"/>
+    </dgm:fillClrLst>
+    <dgm:linClrLst meth="repeat">
+      <a:schemeClr val="lt1"/>
+    </dgm:linClrLst>
+    <dgm:effectClrLst/>
+    <dgm:txLinClrLst/>
+    <dgm:txFillClrLst/>
+    <dgm:txEffectClrLst/>
+  </dgm:styleLbl>
+  <dgm:styleLbl name="node1">
+    <dgm:fillClrLst>
+      <a:schemeClr val="accent2"/>
+      <a:schemeClr val="accent3"/>
+    </dgm:fillClrLst>
+    <dgm:linClrLst meth="repeat">
+      <a:schemeClr val="lt1">
+        <a:alpha val="0"/>
+      </a:schemeClr>
+    </dgm:linClrLst>
+    <dgm:effectClrLst/>
+    <dgm:txLinClrLst/>
+    <dgm:txFillClrLst/>
+    <dgm:txEffectClrLst/>
+  </dgm:styleLbl>
+  <dgm:styleLbl name="alignNode1">
+    <dgm:fillClrLst>
+      <a:schemeClr val="accent2"/>
+      <a:schemeClr val="accent3"/>
+    </dgm:fillClrLst>
+    <dgm:linClrLst>
+      <a:schemeClr val="accent2"/>
+      <a:schemeClr val="accent3"/>
+    </dgm:linClrLst>
+    <dgm:effectClrLst/>
+    <dgm:txLinClrLst/>
+    <dgm:txFillClrLst/>
+    <dgm:txEffectClrLst/>
+  </dgm:styleLbl>
+  <dgm:styleLbl name="lnNode1">
+    <dgm:fillClrLst>
+      <a:schemeClr val="accent2"/>
+      <a:schemeClr val="accent3"/>
+    </dgm:fillClrLst>
+    <dgm:linClrLst meth="repeat">
+      <a:schemeClr val="lt1"/>
+    </dgm:linClrLst>
+    <dgm:effectClrLst/>
+    <dgm:txLinClrLst/>
+    <dgm:txFillClrLst/>
+    <dgm:txEffectClrLst/>
+  </dgm:styleLbl>
+  <dgm:styleLbl name="vennNode1">
+    <dgm:fillClrLst>
+      <a:schemeClr val="accent2">
+        <a:alpha val="50000"/>
+      </a:schemeClr>
+      <a:schemeClr val="accent3">
+        <a:alpha val="50000"/>
+      </a:schemeClr>
+    </dgm:fillClrLst>
+    <dgm:linClrLst meth="repeat">
+      <a:schemeClr val="lt1"/>
+    </dgm:linClrLst>
+    <dgm:effectClrLst/>
+    <dgm:txLinClrLst/>
+    <dgm:txFillClrLst/>
+    <dgm:txEffectClrLst/>
+  </dgm:styleLbl>
+  <dgm:styleLbl name="node2">
+    <dgm:fillClrLst>
+      <a:schemeClr val="accent3"/>
+    </dgm:fillClrLst>
+    <dgm:linClrLst meth="repeat">
+      <a:schemeClr val="lt1"/>
+    </dgm:linClrLst>
+    <dgm:effectClrLst/>
+    <dgm:txLinClrLst/>
+    <dgm:txFillClrLst/>
+    <dgm:txEffectClrLst/>
+  </dgm:styleLbl>
+  <dgm:styleLbl name="node3">
+    <dgm:fillClrLst>
+      <a:schemeClr val="accent4"/>
+    </dgm:fillClrLst>
+    <dgm:linClrLst meth="repeat">
+      <a:schemeClr val="lt1"/>
+    </dgm:linClrLst>
+    <dgm:effectClrLst/>
+    <dgm:txLinClrLst/>
+    <dgm:txFillClrLst/>
+    <dgm:txEffectClrLst/>
+  </dgm:styleLbl>
+  <dgm:styleLbl name="node4">
+    <dgm:fillClrLst>
+      <a:schemeClr val="accent5"/>
+    </dgm:fillClrLst>
+    <dgm:linClrLst meth="repeat">
+      <a:schemeClr val="lt1"/>
+    </dgm:linClrLst>
+    <dgm:effectClrLst/>
+    <dgm:txLinClrLst/>
+    <dgm:txFillClrLst/>
+    <dgm:txEffectClrLst/>
+  </dgm:styleLbl>
+  <dgm:styleLbl name="fgImgPlace1">
+    <dgm:fillClrLst>
+      <a:schemeClr val="accent2">
+        <a:tint val="50000"/>
+      </a:schemeClr>
+      <a:schemeClr val="accent3">
+        <a:tint val="50000"/>
+      </a:schemeClr>
+    </dgm:fillClrLst>
+    <dgm:linClrLst meth="repeat">
+      <a:schemeClr val="lt1"/>
+    </dgm:linClrLst>
+    <dgm:effectClrLst/>
+    <dgm:txLinClrLst/>
+    <dgm:txFillClrLst meth="repeat">
+      <a:schemeClr val="lt1"/>
+    </dgm:txFillClrLst>
+    <dgm:txEffectClrLst/>
+  </dgm:styleLbl>
+  <dgm:styleLbl name="alignImgPlace1">
+    <dgm:fillClrLst>
+      <a:schemeClr val="accent2">
+        <a:tint val="50000"/>
+      </a:schemeClr>
+      <a:schemeClr val="accent3">
+        <a:tint val="20000"/>
+      </a:schemeClr>
+    </dgm:fillClrLst>
+    <dgm:linClrLst meth="repeat">
+      <a:schemeClr val="lt1"/>
+    </dgm:linClrLst>
+    <dgm:effectClrLst/>
+    <dgm:txLinClrLst/>
+    <dgm:txFillClrLst meth="repeat">
+      <a:schemeClr val="lt1"/>
+    </dgm:txFillClrLst>
+    <dgm:txEffectClrLst/>
+  </dgm:styleLbl>
+  <dgm:styleLbl name="bgImgPlace1">
+    <dgm:fillClrLst>
+      <a:schemeClr val="accent2">
+        <a:tint val="50000"/>
+      </a:schemeClr>
+      <a:schemeClr val="accent3">
+        <a:tint val="20000"/>
+      </a:schemeClr>
+    </dgm:fillClrLst>
+    <dgm:linClrLst meth="repeat">
+      <a:schemeClr val="lt1"/>
+    </dgm:linClrLst>
+    <dgm:effectClrLst/>
+    <dgm:txLinClrLst/>
+    <dgm:txFillClrLst meth="repeat">
+      <a:schemeClr val="lt1"/>
+    </dgm:txFillClrLst>
+    <dgm:txEffectClrLst/>
+  </dgm:styleLbl>
+  <dgm:styleLbl name="sibTrans2D1">
+    <dgm:fillClrLst>
+      <a:schemeClr val="accent2"/>
+      <a:schemeClr val="accent3"/>
+    </dgm:fillClrLst>
+    <dgm:linClrLst meth="repeat">
+      <a:schemeClr val="lt1"/>
+    </dgm:linClrLst>
+    <dgm:effectClrLst/>
+    <dgm:txLinClrLst/>
+    <dgm:txFillClrLst/>
+    <dgm:txEffectClrLst/>
+  </dgm:styleLbl>
+  <dgm:styleLbl name="fgSibTrans2D1">
+    <dgm:fillClrLst>
+      <a:schemeClr val="accent2"/>
+      <a:schemeClr val="accent3"/>
+    </dgm:fillClrLst>
+    <dgm:linClrLst meth="repeat">
+      <a:schemeClr val="lt1"/>
+    </dgm:linClrLst>
+    <dgm:effectClrLst/>
+    <dgm:txLinClrLst/>
+    <dgm:txFillClrLst meth="repeat">
+      <a:schemeClr val="lt1"/>
+    </dgm:txFillClrLst>
+    <dgm:txEffectClrLst/>
+  </dgm:styleLbl>
+  <dgm:styleLbl name="bgSibTrans2D1">
+    <dgm:fillClrLst>
+      <a:schemeClr val="accent2"/>
+      <a:schemeClr val="accent3"/>
+    </dgm:fillClrLst>
+    <dgm:linClrLst meth="repeat">
+      <a:schemeClr val="lt1"/>
+    </dgm:linClrLst>
+    <dgm:effectClrLst/>
+    <dgm:txLinClrLst/>
+    <dgm:txFillClrLst meth="repeat">
+      <a:schemeClr val="lt1"/>
+    </dgm:txFillClrLst>
+    <dgm:txEffectClrLst/>
+  </dgm:styleLbl>
+  <dgm:styleLbl name="sibTrans1D1">
+    <dgm:fillClrLst/>
+    <dgm:linClrLst>
+      <a:schemeClr val="accent2"/>
+      <a:schemeClr val="accent3"/>
+    </dgm:linClrLst>
+    <dgm:effectClrLst/>
+    <dgm:txLinClrLst/>
+    <dgm:txFillClrLst meth="repeat">
+      <a:schemeClr val="tx1"/>
+    </dgm:txFillClrLst>
+    <dgm:txEffectClrLst/>
+  </dgm:styleLbl>
+  <dgm:styleLbl name="callout">
+    <dgm:fillClrLst meth="repeat">
+      <a:schemeClr val="accent2"/>
+    </dgm:fillClrLst>
+    <dgm:linClrLst meth="repeat">
+      <a:schemeClr val="accent2">
+        <a:tint val="50000"/>
+      </a:schemeClr>
+    </dgm:linClrLst>
+    <dgm:effectClrLst/>
+    <dgm:txLinClrLst/>
+    <dgm:txFillClrLst meth="repeat">
+      <a:schemeClr val="tx1"/>
+    </dgm:txFillClrLst>
+    <dgm:txEffectClrLst/>
+  </dgm:styleLbl>
+  <dgm:styleLbl name="asst0">
+    <dgm:fillClrLst meth="repeat">
+      <a:schemeClr val="accent2"/>
+    </dgm:fillClrLst>
+    <dgm:linClrLst meth="repeat">
+      <a:schemeClr val="lt1">
+        <a:shade val="80000"/>
+      </a:schemeClr>
+    </dgm:linClrLst>
+    <dgm:effectClrLst/>
+    <dgm:txLinClrLst/>
+    <dgm:txFillClrLst/>
+    <dgm:txEffectClrLst/>
+  </dgm:styleLbl>
+  <dgm:styleLbl name="asst1">
+    <dgm:fillClrLst meth="repeat">
+      <a:schemeClr val="accent3"/>
+    </dgm:fillClrLst>
+    <dgm:linClrLst meth="repeat">
+      <a:schemeClr val="lt1">
+        <a:shade val="80000"/>
+      </a:schemeClr>
+    </dgm:linClrLst>
+    <dgm:effectClrLst/>
+    <dgm:txLinClrLst/>
+    <dgm:txFillClrLst/>
+    <dgm:txEffectClrLst/>
+  </dgm:styleLbl>
+  <dgm:styleLbl name="asst2">
+    <dgm:fillClrLst>
+      <a:schemeClr val="accent4"/>
+    </dgm:fillClrLst>
+    <dgm:linClrLst meth="repeat">
+      <a:schemeClr val="lt1"/>
+    </dgm:linClrLst>
+    <dgm:effectClrLst/>
+    <dgm:txLinClrLst/>
+    <dgm:txFillClrLst/>
+    <dgm:txEffectClrLst/>
+  </dgm:styleLbl>
+  <dgm:styleLbl name="asst3">
+    <dgm:fillClrLst>
+      <a:schemeClr val="accent5"/>
+    </dgm:fillClrLst>
+    <dgm:linClrLst meth="repeat">
+      <a:schemeClr val="lt1"/>
+    </dgm:linClrLst>
+    <dgm:effectClrLst/>
+    <dgm:txLinClrLst/>
+    <dgm:txFillClrLst/>
+    <dgm:txEffectClrLst/>
+  </dgm:styleLbl>
+  <dgm:styleLbl name="asst4">
+    <dgm:fillClrLst>
+      <a:schemeClr val="accent6"/>
+    </dgm:fillClrLst>
+    <dgm:linClrLst meth="repeat">
+      <a:schemeClr val="lt1"/>
+    </dgm:linClrLst>
+    <dgm:effectClrLst/>
+    <dgm:txLinClrLst/>
+    <dgm:txFillClrLst/>
+    <dgm:txEffectClrLst/>
+  </dgm:styleLbl>
+  <dgm:styleLbl name="parChTrans2D1">
+    <dgm:fillClrLst meth="repeat">
+      <a:schemeClr val="accent2"/>
+    </dgm:fillClrLst>
+    <dgm:linClrLst meth="repeat">
+      <a:schemeClr val="lt1"/>
+    </dgm:linClrLst>
+    <dgm:effectClrLst/>
+    <dgm:txLinClrLst/>
+    <dgm:txFillClrLst meth="repeat">
+      <a:schemeClr val="lt1"/>
+    </dgm:txFillClrLst>
+    <dgm:txEffectClrLst/>
+  </dgm:styleLbl>
+  <dgm:styleLbl name="parChTrans2D2">
+    <dgm:fillClrLst meth="repeat">
+      <a:schemeClr val="accent3"/>
+    </dgm:fillClrLst>
+    <dgm:linClrLst meth="repeat">
+      <a:schemeClr val="lt1"/>
+    </dgm:linClrLst>
+    <dgm:effectClrLst/>
+    <dgm:txLinClrLst/>
+    <dgm:txFillClrLst/>
+    <dgm:txEffectClrLst/>
+  </dgm:styleLbl>
+  <dgm:styleLbl name="parChTrans2D3">
+    <dgm:fillClrLst meth="repeat">
+      <a:schemeClr val="accent4"/>
+    </dgm:fillClrLst>
+    <dgm:linClrLst meth="repeat">
+      <a:schemeClr val="lt1"/>
+    </dgm:linClrLst>
+    <dgm:effectClrLst/>
+    <dgm:txLinClrLst/>
+    <dgm:txFillClrLst/>
+    <dgm:txEffectClrLst/>
+  </dgm:styleLbl>
+  <dgm:styleLbl name="parChTrans2D4">
+    <dgm:fillClrLst meth="repeat">
+      <a:schemeClr val="accent5"/>
+    </dgm:fillClrLst>
+    <dgm:linClrLst meth="repeat">
+      <a:schemeClr val="lt1"/>
+    </dgm:linClrLst>
+    <dgm:effectClrLst/>
+    <dgm:txLinClrLst/>
+    <dgm:txFillClrLst meth="repeat">
+      <a:schemeClr val="lt1"/>
+    </dgm:txFillClrLst>
+    <dgm:txEffectClrLst/>
+  </dgm:styleLbl>
+  <dgm:styleLbl name="parChTrans1D1">
+    <dgm:fillClrLst meth="repeat">
+      <a:schemeClr val="accent2"/>
+    </dgm:fillClrLst>
+    <dgm:linClrLst meth="repeat">
+      <a:schemeClr val="accent2"/>
+    </dgm:linClrLst>
+    <dgm:effectClrLst/>
+    <dgm:txLinClrLst/>
+    <dgm:txFillClrLst meth="repeat">
+      <a:schemeClr val="tx1"/>
+    </dgm:txFillClrLst>
+    <dgm:txEffectClrLst/>
+  </dgm:styleLbl>
+  <dgm:styleLbl name="parChTrans1D2">
+    <dgm:fillClrLst meth="repeat">
+      <a:schemeClr val="accent2">
+        <a:tint val="90000"/>
+      </a:schemeClr>
+    </dgm:fillClrLst>
+    <dgm:linClrLst meth="repeat">
+      <a:schemeClr val="accent3"/>
+    </dgm:linClrLst>
+    <dgm:effectClrLst/>
+    <dgm:txLinClrLst/>
+    <dgm:txFillClrLst meth="repeat">
+      <a:schemeClr val="tx1"/>
+    </dgm:txFillClrLst>
+    <dgm:txEffectClrLst/>
+  </dgm:styleLbl>
+  <dgm:styleLbl name="parChTrans1D3">
+    <dgm:fillClrLst meth="repeat">
+      <a:schemeClr val="accent2">
+        <a:tint val="70000"/>
+      </a:schemeClr>
+    </dgm:fillClrLst>
+    <dgm:linClrLst meth="repeat">
+      <a:schemeClr val="accent4"/>
+    </dgm:linClrLst>
+    <dgm:effectClrLst/>
+    <dgm:txLinClrLst/>
+    <dgm:txFillClrLst meth="repeat">
+      <a:schemeClr val="tx1"/>
+    </dgm:txFillClrLst>
+    <dgm:txEffectClrLst/>
+  </dgm:styleLbl>
+  <dgm:styleLbl name="parChTrans1D4">
+    <dgm:fillClrLst meth="repeat">
+      <a:schemeClr val="accent2">
+        <a:tint val="50000"/>
+      </a:schemeClr>
+    </dgm:fillClrLst>
+    <dgm:linClrLst meth="repeat">
+      <a:schemeClr val="accent5"/>
+    </dgm:linClrLst>
+    <dgm:effectClrLst/>
+    <dgm:txLinClrLst/>
+    <dgm:txFillClrLst meth="repeat">
+      <a:schemeClr val="tx1"/>
+    </dgm:txFillClrLst>
+    <dgm:txEffectClrLst/>
+  </dgm:styleLbl>
+  <dgm:styleLbl name="fgAcc1">
+    <dgm:fillClrLst meth="repeat">
+      <a:schemeClr val="lt1">
+        <a:alpha val="90000"/>
+      </a:schemeClr>
+    </dgm:fillClrLst>
+    <dgm:linClrLst>
+      <a:schemeClr val="accent2"/>
+      <a:schemeClr val="accent3"/>
+    </dgm:linClrLst>
+    <dgm:effectClrLst/>
+    <dgm:txLinClrLst/>
+    <dgm:txFillClrLst meth="repeat">
+      <a:schemeClr val="dk1"/>
+    </dgm:txFillClrLst>
+    <dgm:txEffectClrLst/>
+  </dgm:styleLbl>
+  <dgm:styleLbl name="conFgAcc1">
+    <dgm:fillClrLst meth="repeat">
+      <a:schemeClr val="lt1">
+        <a:alpha val="90000"/>
+      </a:schemeClr>
+    </dgm:fillClrLst>
+    <dgm:linClrLst>
+      <a:schemeClr val="accent2"/>
+      <a:schemeClr val="accent3"/>
+    </dgm:linClrLst>
+    <dgm:effectClrLst/>
+    <dgm:txLinClrLst/>
+    <dgm:txFillClrLst meth="repeat">
+      <a:schemeClr val="dk1"/>
+    </dgm:txFillClrLst>
+    <dgm:txEffectClrLst/>
+  </dgm:styleLbl>
+  <dgm:styleLbl name="alignAcc1">
+    <dgm:fillClrLst meth="repeat">
+      <a:schemeClr val="lt1">
+        <a:alpha val="90000"/>
+      </a:schemeClr>
+    </dgm:fillClrLst>
+    <dgm:linClrLst>
+      <a:schemeClr val="accent2"/>
+      <a:schemeClr val="accent3"/>
+    </dgm:linClrLst>
+    <dgm:effectClrLst/>
+    <dgm:txLinClrLst/>
+    <dgm:txFillClrLst meth="repeat">
+      <a:schemeClr val="dk1"/>
+    </dgm:txFillClrLst>
+    <dgm:txEffectClrLst/>
+  </dgm:styleLbl>
+  <dgm:styleLbl name="trAlignAcc1">
+    <dgm:fillClrLst meth="repeat">
+      <a:schemeClr val="lt1">
+        <a:alpha val="40000"/>
+      </a:schemeClr>
+    </dgm:fillClrLst>
+    <dgm:linClrLst meth="repeat">
+      <a:schemeClr val="accent2"/>
+    </dgm:linClrLst>
+    <dgm:effectClrLst/>
+    <dgm:txLinClrLst/>
+    <dgm:txFillClrLst meth="repeat">
+      <a:schemeClr val="dk1"/>
+    </dgm:txFillClrLst>
+    <dgm:txEffectClrLst/>
+  </dgm:styleLbl>
+  <dgm:styleLbl name="bgAcc1">
+    <dgm:fillClrLst meth="repeat">
+      <a:schemeClr val="lt1">
+        <a:alpha val="90000"/>
+      </a:schemeClr>
+    </dgm:fillClrLst>
+    <dgm:linClrLst>
+      <a:schemeClr val="accent2"/>
+      <a:schemeClr val="accent3"/>
+    </dgm:linClrLst>
+    <dgm:effectClrLst/>
+    <dgm:txLinClrLst/>
+    <dgm:txFillClrLst meth="repeat">
+      <a:schemeClr val="dk1"/>
+    </dgm:txFillClrLst>
+    <dgm:txEffectClrLst/>
+  </dgm:styleLbl>
+  <dgm:styleLbl name="solidFgAcc1">
+    <dgm:fillClrLst meth="repeat">
+      <a:schemeClr val="lt1"/>
+    </dgm:fillClrLst>
+    <dgm:linClrLst>
+      <a:schemeClr val="accent2"/>
+      <a:schemeClr val="accent3"/>
+    </dgm:linClrLst>
+    <dgm:effectClrLst/>
+    <dgm:txLinClrLst/>
+    <dgm:txFillClrLst meth="repeat">
+      <a:schemeClr val="dk1"/>
+    </dgm:txFillClrLst>
+    <dgm:txEffectClrLst/>
+  </dgm:styleLbl>
+  <dgm:styleLbl name="solidAlignAcc1">
+    <dgm:fillClrLst meth="repeat">
+      <a:schemeClr val="lt1"/>
+    </dgm:fillClrLst>
+    <dgm:linClrLst>
+      <a:schemeClr val="accent2"/>
+      <a:schemeClr val="accent3"/>
+    </dgm:linClrLst>
+    <dgm:effectClrLst/>
+    <dgm:txLinClrLst/>
+    <dgm:txFillClrLst meth="repeat">
+      <a:schemeClr val="dk1"/>
+    </dgm:txFillClrLst>
+    <dgm:txEffectClrLst/>
+  </dgm:styleLbl>
+  <dgm:styleLbl name="solidBgAcc1">
+    <dgm:fillClrLst meth="repeat">
+      <a:schemeClr val="lt1"/>
+    </dgm:fillClrLst>
+    <dgm:linClrLst>
+      <a:schemeClr val="accent2"/>
+      <a:schemeClr val="accent3"/>
+    </dgm:linClrLst>
+    <dgm:effectClrLst/>
+    <dgm:txLinClrLst/>
+    <dgm:txFillClrLst meth="repeat">
+      <a:schemeClr val="dk1"/>
+    </dgm:txFillClrLst>
+    <dgm:txEffectClrLst/>
+  </dgm:styleLbl>
+  <dgm:styleLbl name="fgAccFollowNode1">
+    <dgm:fillClrLst>
+      <a:schemeClr val="accent2">
+        <a:tint val="40000"/>
+        <a:alpha val="90000"/>
+      </a:schemeClr>
+      <a:schemeClr val="accent3">
+        <a:tint val="40000"/>
+        <a:alpha val="90000"/>
+      </a:schemeClr>
+    </dgm:fillClrLst>
+    <dgm:linClrLst>
+      <a:schemeClr val="accent2">
+        <a:tint val="40000"/>
+        <a:alpha val="90000"/>
+      </a:schemeClr>
+      <a:schemeClr val="accent3">
+        <a:tint val="40000"/>
+        <a:alpha val="90000"/>
+      </a:schemeClr>
+    </dgm:linClrLst>
+    <dgm:effectClrLst/>
+    <dgm:txLinClrLst/>
+    <dgm:txFillClrLst meth="repeat">
+      <a:schemeClr val="dk1"/>
+    </dgm:txFillClrLst>
+    <dgm:txEffectClrLst/>
+  </dgm:styleLbl>
+  <dgm:styleLbl name="alignAccFollowNode1">
+    <dgm:fillClrLst>
+      <a:schemeClr val="accent2">
+        <a:tint val="40000"/>
+        <a:alpha val="90000"/>
+      </a:schemeClr>
+      <a:schemeClr val="accent3">
+        <a:tint val="40000"/>
+        <a:alpha val="90000"/>
+      </a:schemeClr>
+    </dgm:fillClrLst>
+    <dgm:linClrLst>
+      <a:schemeClr val="accent2">
+        <a:tint val="40000"/>
+        <a:alpha val="90000"/>
+      </a:schemeClr>
+      <a:schemeClr val="accent3">
+        <a:tint val="40000"/>
+        <a:alpha val="90000"/>
+      </a:schemeClr>
+    </dgm:linClrLst>
+    <dgm:effectClrLst/>
+    <dgm:txLinClrLst/>
+    <dgm:txFillClrLst meth="repeat">
+      <a:schemeClr val="dk1"/>
+    </dgm:txFillClrLst>
+    <dgm:txEffectClrLst/>
+  </dgm:styleLbl>
+  <dgm:styleLbl name="bgAccFollowNode1">
+    <dgm:fillClrLst>
+      <a:schemeClr val="accent2">
+        <a:tint val="40000"/>
+        <a:alpha val="90000"/>
+      </a:schemeClr>
+      <a:schemeClr val="accent3">
+        <a:tint val="40000"/>
+        <a:alpha val="90000"/>
+      </a:schemeClr>
+    </dgm:fillClrLst>
+    <dgm:linClrLst>
+      <a:schemeClr val="accent2">
+        <a:tint val="40000"/>
+        <a:alpha val="90000"/>
+      </a:schemeClr>
+      <a:schemeClr val="accent3">
+        <a:tint val="40000"/>
+        <a:alpha val="90000"/>
+      </a:schemeClr>
+    </dgm:linClrLst>
+    <dgm:effectClrLst/>
+    <dgm:txLinClrLst/>
+    <dgm:txFillClrLst meth="repeat">
+      <a:schemeClr val="dk1"/>
+    </dgm:txFillClrLst>
+    <dgm:txEffectClrLst/>
+  </dgm:styleLbl>
+  <dgm:styleLbl name="fgAcc0">
+    <dgm:fillClrLst meth="repeat">
+      <a:schemeClr val="lt1">
+        <a:alpha val="90000"/>
+      </a:schemeClr>
+    </dgm:fillClrLst>
+    <dgm:linClrLst>
+      <a:schemeClr val="accent1"/>
+    </dgm:linClrLst>
+    <dgm:effectClrLst/>
+    <dgm:txLinClrLst/>
+    <dgm:txFillClrLst meth="repeat">
+      <a:schemeClr val="dk1"/>
+    </dgm:txFillClrLst>
+    <dgm:txEffectClrLst/>
+  </dgm:styleLbl>
+  <dgm:styleLbl name="fgAcc2">
+    <dgm:fillClrLst meth="repeat">
+      <a:schemeClr val="lt1">
+        <a:alpha val="90000"/>
+      </a:schemeClr>
+    </dgm:fillClrLst>
+    <dgm:linClrLst>
+      <a:schemeClr val="accent3"/>
+    </dgm:linClrLst>
+    <dgm:effectClrLst/>
+    <dgm:txLinClrLst/>
+    <dgm:txFillClrLst meth="repeat">
+      <a:schemeClr val="dk1"/>
+    </dgm:txFillClrLst>
+    <dgm:txEffectClrLst/>
+  </dgm:styleLbl>
+  <dgm:styleLbl name="fgAcc3">
+    <dgm:fillClrLst meth="repeat">
+      <a:schemeClr val="lt1">
+        <a:alpha val="90000"/>
+      </a:schemeClr>
+    </dgm:fillClrLst>
+    <dgm:linClrLst>
+      <a:schemeClr val="accent4"/>
+    </dgm:linClrLst>
+    <dgm:effectClrLst/>
+    <dgm:txLinClrLst/>
+    <dgm:txFillClrLst meth="repeat">
+      <a:schemeClr val="dk1"/>
+    </dgm:txFillClrLst>
+    <dgm:txEffectClrLst/>
+  </dgm:styleLbl>
+  <dgm:styleLbl name="fgAcc4">
+    <dgm:fillClrLst meth="repeat">
+      <a:schemeClr val="lt1">
+        <a:alpha val="90000"/>
+      </a:schemeClr>
+    </dgm:fillClrLst>
+    <dgm:linClrLst>
+      <a:schemeClr val="accent5"/>
+    </dgm:linClrLst>
+    <dgm:effectClrLst/>
+    <dgm:txLinClrLst/>
+    <dgm:txFillClrLst meth="repeat">
+      <a:schemeClr val="dk1"/>
+    </dgm:txFillClrLst>
+    <dgm:txEffectClrLst/>
+  </dgm:styleLbl>
+  <dgm:styleLbl name="bgShp">
+    <dgm:fillClrLst meth="repeat">
+      <a:schemeClr val="bg1">
+        <a:lumMod val="95000"/>
+      </a:schemeClr>
+    </dgm:fillClrLst>
+    <dgm:linClrLst meth="repeat">
+      <a:schemeClr val="dk1"/>
+    </dgm:linClrLst>
+    <dgm:effectClrLst/>
+    <dgm:txLinClrLst/>
+    <dgm:txFillClrLst meth="repeat">
+      <a:schemeClr val="dk1"/>
+    </dgm:txFillClrLst>
+    <dgm:txEffectClrLst/>
+  </dgm:styleLbl>
+  <dgm:styleLbl name="dkBgShp">
+    <dgm:fillClrLst meth="repeat">
+      <a:schemeClr val="accent2">
+        <a:shade val="90000"/>
+      </a:schemeClr>
+    </dgm:fillClrLst>
+    <dgm:linClrLst meth="repeat">
+      <a:schemeClr val="dk1"/>
+    </dgm:linClrLst>
+    <dgm:effectClrLst/>
+    <dgm:txLinClrLst/>
+    <dgm:txFillClrLst meth="repeat">
+      <a:schemeClr val="lt1"/>
+    </dgm:txFillClrLst>
+    <dgm:txEffectClrLst/>
+  </dgm:styleLbl>
+  <dgm:styleLbl name="trBgShp">
+    <dgm:fillClrLst meth="repeat">
+      <a:schemeClr val="accent2">
+        <a:tint val="50000"/>
+        <a:alpha val="40000"/>
+      </a:schemeClr>
+    </dgm:fillClrLst>
+    <dgm:linClrLst meth="repeat">
+      <a:schemeClr val="accent2"/>
+    </dgm:linClrLst>
+    <dgm:effectClrLst/>
+    <dgm:txLinClrLst/>
+    <dgm:txFillClrLst meth="repeat">
+      <a:schemeClr val="lt1"/>
+    </dgm:txFillClrLst>
+    <dgm:txEffectClrLst/>
+  </dgm:styleLbl>
+  <dgm:styleLbl name="fgShp">
+    <dgm:fillClrLst meth="repeat">
+      <a:schemeClr val="accent2">
+        <a:tint val="40000"/>
+      </a:schemeClr>
+    </dgm:fillClrLst>
+    <dgm:linClrLst meth="repeat">
+      <a:schemeClr val="lt1"/>
+    </dgm:linClrLst>
+    <dgm:effectClrLst/>
+    <dgm:txLinClrLst/>
+    <dgm:txFillClrLst meth="repeat">
+      <a:schemeClr val="dk1"/>
+    </dgm:txFillClrLst>
+    <dgm:txEffectClrLst/>
+  </dgm:styleLbl>
+  <dgm:styleLbl name="revTx">
+    <dgm:fillClrLst meth="repeat">
+      <a:schemeClr val="lt1">
+        <a:alpha val="0"/>
+      </a:schemeClr>
+    </dgm:fillClrLst>
+    <dgm:linClrLst meth="repeat">
+      <a:schemeClr val="dk1">
+        <a:alpha val="0"/>
+      </a:schemeClr>
+    </dgm:linClrLst>
+    <dgm:effectClrLst/>
+    <dgm:txLinClrLst/>
+    <dgm:txFillClrLst meth="repeat">
+      <a:schemeClr val="tx1"/>
+    </dgm:txFillClrLst>
+    <dgm:txEffectClrLst/>
+  </dgm:styleLbl>
+</dgm:colorsDef>
+</file>
+
+<file path=ppt/diagrams/data1.xml><?xml version="1.0" encoding="utf-8"?>
+<dgm:dataModel xmlns:dgm="http://schemas.openxmlformats.org/drawingml/2006/diagram" xmlns:a="http://schemas.openxmlformats.org/drawingml/2006/main">
+  <dgm:ptLst>
+    <dgm:pt modelId="{C7DC4420-CB6E-4BFD-92D5-50299AE9A28E}" type="doc">
+      <dgm:prSet loTypeId="urn:microsoft.com/office/officeart/2018/2/layout/IconCircleList" loCatId="icon" qsTypeId="urn:microsoft.com/office/officeart/2005/8/quickstyle/simple1" qsCatId="simple" csTypeId="urn:microsoft.com/office/officeart/2018/5/colors/Iconchunking_neutralbg_colorful2" csCatId="colorful" phldr="1"/>
+      <dgm:spPr/>
+      <dgm:t>
+        <a:bodyPr/>
+        <a:lstStyle/>
+        <a:p>
+          <a:endParaRPr lang="en-US"/>
+        </a:p>
+      </dgm:t>
+    </dgm:pt>
+    <dgm:pt modelId="{3532D7CC-7B3D-4893-9753-E0A817C7D400}">
+      <dgm:prSet/>
+      <dgm:spPr/>
+      <dgm:t>
+        <a:bodyPr/>
+        <a:lstStyle/>
+        <a:p>
+          <a:pPr>
+            <a:lnSpc>
+              <a:spcPct val="100000"/>
+            </a:lnSpc>
+          </a:pPr>
+          <a:r>
+            <a:rPr lang="en-US" dirty="0"/>
+            <a:t>Explored enrollment rates vs graduation rates and how crime stats impact them</a:t>
+          </a:r>
+        </a:p>
+      </dgm:t>
+    </dgm:pt>
+    <dgm:pt modelId="{DB03ADF8-C504-4BED-BD07-16228B1F1567}" type="parTrans" cxnId="{EB73F19F-2D5C-4801-A0AD-7DB6251E4995}">
+      <dgm:prSet/>
+      <dgm:spPr/>
+      <dgm:t>
+        <a:bodyPr/>
+        <a:lstStyle/>
+        <a:p>
+          <a:endParaRPr lang="en-US"/>
+        </a:p>
+      </dgm:t>
+    </dgm:pt>
+    <dgm:pt modelId="{31754936-0369-439D-9939-2697D8073750}" type="sibTrans" cxnId="{EB73F19F-2D5C-4801-A0AD-7DB6251E4995}">
+      <dgm:prSet/>
+      <dgm:spPr/>
+      <dgm:t>
+        <a:bodyPr/>
+        <a:lstStyle/>
+        <a:p>
+          <a:pPr>
+            <a:lnSpc>
+              <a:spcPct val="100000"/>
+            </a:lnSpc>
+          </a:pPr>
+          <a:endParaRPr lang="en-US"/>
+        </a:p>
+      </dgm:t>
+    </dgm:pt>
+    <dgm:pt modelId="{34DDA5A9-A865-4195-A91D-13CC7F7F8EB5}">
+      <dgm:prSet/>
+      <dgm:spPr/>
+      <dgm:t>
+        <a:bodyPr/>
+        <a:lstStyle/>
+        <a:p>
+          <a:pPr>
+            <a:lnSpc>
+              <a:spcPct val="100000"/>
+            </a:lnSpc>
+          </a:pPr>
+          <a:r>
+            <a:rPr lang="en-US" dirty="0"/>
+            <a:t>Used Excel &amp; Python</a:t>
+          </a:r>
+        </a:p>
+      </dgm:t>
+    </dgm:pt>
+    <dgm:pt modelId="{9AE84677-C67C-4880-85C7-4E3B44A9E53C}" type="parTrans" cxnId="{9950022D-735A-451F-90FA-0454283AF713}">
+      <dgm:prSet/>
+      <dgm:spPr/>
+      <dgm:t>
+        <a:bodyPr/>
+        <a:lstStyle/>
+        <a:p>
+          <a:endParaRPr lang="en-US"/>
+        </a:p>
+      </dgm:t>
+    </dgm:pt>
+    <dgm:pt modelId="{02AA3D88-F0B8-4A05-9399-18889299E91B}" type="sibTrans" cxnId="{9950022D-735A-451F-90FA-0454283AF713}">
+      <dgm:prSet/>
+      <dgm:spPr/>
+      <dgm:t>
+        <a:bodyPr/>
+        <a:lstStyle/>
+        <a:p>
+          <a:pPr>
+            <a:lnSpc>
+              <a:spcPct val="100000"/>
+            </a:lnSpc>
+          </a:pPr>
+          <a:endParaRPr lang="en-US"/>
+        </a:p>
+      </dgm:t>
+    </dgm:pt>
+    <dgm:pt modelId="{298E09AC-EB5F-4DDB-BF71-168EBABA35F8}">
+      <dgm:prSet/>
+      <dgm:spPr/>
+      <dgm:t>
+        <a:bodyPr/>
+        <a:lstStyle/>
+        <a:p>
+          <a:pPr>
+            <a:lnSpc>
+              <a:spcPct val="100000"/>
+            </a:lnSpc>
+          </a:pPr>
+          <a:r>
+            <a:rPr lang="en-US" dirty="0"/>
+            <a:t>Tableau dashboard</a:t>
+          </a:r>
+        </a:p>
+      </dgm:t>
+    </dgm:pt>
+    <dgm:pt modelId="{6EFCD0FA-4D44-4D84-9E43-4FF9E7E955A6}" type="parTrans" cxnId="{608AB021-2C66-4EE4-AB96-C91695F50CE1}">
+      <dgm:prSet/>
+      <dgm:spPr/>
+      <dgm:t>
+        <a:bodyPr/>
+        <a:lstStyle/>
+        <a:p>
+          <a:endParaRPr lang="en-US"/>
+        </a:p>
+      </dgm:t>
+    </dgm:pt>
+    <dgm:pt modelId="{0DF2E186-BA74-4B58-8E9A-48DFFCF1E49B}" type="sibTrans" cxnId="{608AB021-2C66-4EE4-AB96-C91695F50CE1}">
+      <dgm:prSet/>
+      <dgm:spPr/>
+      <dgm:t>
+        <a:bodyPr/>
+        <a:lstStyle/>
+        <a:p>
+          <a:endParaRPr lang="en-US"/>
+        </a:p>
+      </dgm:t>
+    </dgm:pt>
+    <dgm:pt modelId="{61F74AE8-1C88-4BAF-BACC-EDBCD998A319}" type="pres">
+      <dgm:prSet presAssocID="{C7DC4420-CB6E-4BFD-92D5-50299AE9A28E}" presName="root" presStyleCnt="0">
+        <dgm:presLayoutVars>
+          <dgm:dir/>
+          <dgm:resizeHandles val="exact"/>
+        </dgm:presLayoutVars>
+      </dgm:prSet>
+      <dgm:spPr/>
+    </dgm:pt>
+    <dgm:pt modelId="{8C6A1BFB-FD32-4D4A-B4D0-C6491D52154E}" type="pres">
+      <dgm:prSet presAssocID="{C7DC4420-CB6E-4BFD-92D5-50299AE9A28E}" presName="container" presStyleCnt="0">
+        <dgm:presLayoutVars>
+          <dgm:dir/>
+          <dgm:resizeHandles val="exact"/>
+        </dgm:presLayoutVars>
+      </dgm:prSet>
+      <dgm:spPr/>
+    </dgm:pt>
+    <dgm:pt modelId="{B64F142F-B31D-4C25-A192-F6E9F46FDA5B}" type="pres">
+      <dgm:prSet presAssocID="{3532D7CC-7B3D-4893-9753-E0A817C7D400}" presName="compNode" presStyleCnt="0"/>
+      <dgm:spPr/>
+    </dgm:pt>
+    <dgm:pt modelId="{F1338998-8359-4C6D-85F6-1DBF2FE49FFA}" type="pres">
+      <dgm:prSet presAssocID="{3532D7CC-7B3D-4893-9753-E0A817C7D400}" presName="iconBgRect" presStyleLbl="bgShp" presStyleIdx="0" presStyleCnt="3"/>
+      <dgm:spPr/>
+    </dgm:pt>
+    <dgm:pt modelId="{A773A692-8818-4117-B763-1FAD6B6796E5}" type="pres">
+      <dgm:prSet presAssocID="{3532D7CC-7B3D-4893-9753-E0A817C7D400}" presName="iconRect" presStyleLbl="node1" presStyleIdx="0" presStyleCnt="3"/>
+      <dgm:spPr>
+        <a:blipFill>
+          <a:blip xmlns:r="http://schemas.openxmlformats.org/officeDocument/2006/relationships" r:embed="rId1">
+            <a:extLst>
+              <a:ext uri="{28A0092B-C50C-407E-A947-70E740481C1C}">
+                <a14:useLocalDpi xmlns:a14="http://schemas.microsoft.com/office/drawing/2010/main" val="0"/>
+              </a:ext>
+              <a:ext uri="{96DAC541-7B7A-43D3-8B79-37D633B846F1}">
+                <asvg:svgBlip xmlns:asvg="http://schemas.microsoft.com/office/drawing/2016/SVG/main" r:embed="rId2"/>
+              </a:ext>
+            </a:extLst>
+          </a:blip>
+          <a:stretch>
+            <a:fillRect/>
+          </a:stretch>
+        </a:blipFill>
+        <a:ln>
+          <a:noFill/>
+        </a:ln>
+      </dgm:spPr>
+      <dgm:extLst>
+        <a:ext uri="{E40237B7-FDA0-4F09-8148-C483321AD2D9}">
+          <dgm14:cNvPr xmlns:dgm14="http://schemas.microsoft.com/office/drawing/2010/diagram" id="0" name="" descr="Upward trend"/>
+        </a:ext>
+      </dgm:extLst>
+    </dgm:pt>
+    <dgm:pt modelId="{2C8F758E-0126-4382-AE0C-406C81BA2F2E}" type="pres">
+      <dgm:prSet presAssocID="{3532D7CC-7B3D-4893-9753-E0A817C7D400}" presName="spaceRect" presStyleCnt="0"/>
+      <dgm:spPr/>
+    </dgm:pt>
+    <dgm:pt modelId="{3FAEEF5E-9C2A-4C5F-89C5-4AB472053CC6}" type="pres">
+      <dgm:prSet presAssocID="{3532D7CC-7B3D-4893-9753-E0A817C7D400}" presName="textRect" presStyleLbl="revTx" presStyleIdx="0" presStyleCnt="3">
+        <dgm:presLayoutVars>
+          <dgm:chMax val="1"/>
+          <dgm:chPref val="1"/>
+        </dgm:presLayoutVars>
+      </dgm:prSet>
+      <dgm:spPr/>
+    </dgm:pt>
+    <dgm:pt modelId="{41E4FA1E-5120-4239-9A46-90B903FECD30}" type="pres">
+      <dgm:prSet presAssocID="{31754936-0369-439D-9939-2697D8073750}" presName="sibTrans" presStyleLbl="sibTrans2D1" presStyleIdx="0" presStyleCnt="0"/>
+      <dgm:spPr/>
+    </dgm:pt>
+    <dgm:pt modelId="{A80BD481-E796-4F12-B7EA-2608BF3D0AF2}" type="pres">
+      <dgm:prSet presAssocID="{34DDA5A9-A865-4195-A91D-13CC7F7F8EB5}" presName="compNode" presStyleCnt="0"/>
+      <dgm:spPr/>
+    </dgm:pt>
+    <dgm:pt modelId="{E56372D1-6833-424C-9CCF-6CAC325536CE}" type="pres">
+      <dgm:prSet presAssocID="{34DDA5A9-A865-4195-A91D-13CC7F7F8EB5}" presName="iconBgRect" presStyleLbl="bgShp" presStyleIdx="1" presStyleCnt="3"/>
+      <dgm:spPr/>
+    </dgm:pt>
+    <dgm:pt modelId="{09C74CE0-52A7-4656-B6CB-6818165FF89F}" type="pres">
+      <dgm:prSet presAssocID="{34DDA5A9-A865-4195-A91D-13CC7F7F8EB5}" presName="iconRect" presStyleLbl="node1" presStyleIdx="1" presStyleCnt="3"/>
+      <dgm:spPr>
+        <a:blipFill>
+          <a:blip xmlns:r="http://schemas.openxmlformats.org/officeDocument/2006/relationships" r:embed="rId3">
+            <a:extLst>
+              <a:ext uri="{28A0092B-C50C-407E-A947-70E740481C1C}">
+                <a14:useLocalDpi xmlns:a14="http://schemas.microsoft.com/office/drawing/2010/main" val="0"/>
+              </a:ext>
+              <a:ext uri="{96DAC541-7B7A-43D3-8B79-37D633B846F1}">
+                <asvg:svgBlip xmlns:asvg="http://schemas.microsoft.com/office/drawing/2016/SVG/main" r:embed="rId4"/>
+              </a:ext>
+            </a:extLst>
+          </a:blip>
+          <a:stretch>
+            <a:fillRect/>
+          </a:stretch>
+        </a:blipFill>
+        <a:ln>
+          <a:noFill/>
+        </a:ln>
+      </dgm:spPr>
+      <dgm:extLst>
+        <a:ext uri="{E40237B7-FDA0-4F09-8148-C483321AD2D9}">
+          <dgm14:cNvPr xmlns:dgm14="http://schemas.microsoft.com/office/drawing/2010/diagram" id="0" name="" descr="Computer"/>
+        </a:ext>
+      </dgm:extLst>
+    </dgm:pt>
+    <dgm:pt modelId="{5BCF02D3-0808-4011-B19C-8A3C037F6B8A}" type="pres">
+      <dgm:prSet presAssocID="{34DDA5A9-A865-4195-A91D-13CC7F7F8EB5}" presName="spaceRect" presStyleCnt="0"/>
+      <dgm:spPr/>
+    </dgm:pt>
+    <dgm:pt modelId="{84A80D39-7013-4E87-949E-BA1707A819A3}" type="pres">
+      <dgm:prSet presAssocID="{34DDA5A9-A865-4195-A91D-13CC7F7F8EB5}" presName="textRect" presStyleLbl="revTx" presStyleIdx="1" presStyleCnt="3">
+        <dgm:presLayoutVars>
+          <dgm:chMax val="1"/>
+          <dgm:chPref val="1"/>
+        </dgm:presLayoutVars>
+      </dgm:prSet>
+      <dgm:spPr/>
+    </dgm:pt>
+    <dgm:pt modelId="{50E4B611-5B29-40EC-BC69-CC9D4F8C08B8}" type="pres">
+      <dgm:prSet presAssocID="{02AA3D88-F0B8-4A05-9399-18889299E91B}" presName="sibTrans" presStyleLbl="sibTrans2D1" presStyleIdx="0" presStyleCnt="0"/>
+      <dgm:spPr/>
+    </dgm:pt>
+    <dgm:pt modelId="{F1EA2149-EAFF-46AE-B225-0B593D7638D2}" type="pres">
+      <dgm:prSet presAssocID="{298E09AC-EB5F-4DDB-BF71-168EBABA35F8}" presName="compNode" presStyleCnt="0"/>
+      <dgm:spPr/>
+    </dgm:pt>
+    <dgm:pt modelId="{2DE6E73A-01C4-4512-8E7F-9D66FF4CB773}" type="pres">
+      <dgm:prSet presAssocID="{298E09AC-EB5F-4DDB-BF71-168EBABA35F8}" presName="iconBgRect" presStyleLbl="bgShp" presStyleIdx="2" presStyleCnt="3"/>
+      <dgm:spPr/>
+    </dgm:pt>
+    <dgm:pt modelId="{16FDAF56-CC92-4F60-80BD-CACBA76A5D86}" type="pres">
+      <dgm:prSet presAssocID="{298E09AC-EB5F-4DDB-BF71-168EBABA35F8}" presName="iconRect" presStyleLbl="node1" presStyleIdx="2" presStyleCnt="3"/>
+      <dgm:spPr>
+        <a:blipFill>
+          <a:blip xmlns:r="http://schemas.openxmlformats.org/officeDocument/2006/relationships" r:embed="rId5">
+            <a:extLst>
+              <a:ext uri="{28A0092B-C50C-407E-A947-70E740481C1C}">
+                <a14:useLocalDpi xmlns:a14="http://schemas.microsoft.com/office/drawing/2010/main" val="0"/>
+              </a:ext>
+              <a:ext uri="{96DAC541-7B7A-43D3-8B79-37D633B846F1}">
+                <asvg:svgBlip xmlns:asvg="http://schemas.microsoft.com/office/drawing/2016/SVG/main" r:embed="rId6"/>
+              </a:ext>
+            </a:extLst>
+          </a:blip>
+          <a:stretch>
+            <a:fillRect/>
+          </a:stretch>
+        </a:blipFill>
+        <a:ln>
+          <a:noFill/>
+        </a:ln>
+      </dgm:spPr>
+      <dgm:extLst>
+        <a:ext uri="{E40237B7-FDA0-4F09-8148-C483321AD2D9}">
+          <dgm14:cNvPr xmlns:dgm14="http://schemas.microsoft.com/office/drawing/2010/diagram" id="0" name="" descr="Bar chart"/>
+        </a:ext>
+      </dgm:extLst>
+    </dgm:pt>
+    <dgm:pt modelId="{001C2B8F-F8C6-410C-ACEB-FAA64FC5C918}" type="pres">
+      <dgm:prSet presAssocID="{298E09AC-EB5F-4DDB-BF71-168EBABA35F8}" presName="spaceRect" presStyleCnt="0"/>
+      <dgm:spPr/>
+    </dgm:pt>
+    <dgm:pt modelId="{B59E4B7B-6208-4B79-9224-517664605760}" type="pres">
+      <dgm:prSet presAssocID="{298E09AC-EB5F-4DDB-BF71-168EBABA35F8}" presName="textRect" presStyleLbl="revTx" presStyleIdx="2" presStyleCnt="3">
+        <dgm:presLayoutVars>
+          <dgm:chMax val="1"/>
+          <dgm:chPref val="1"/>
+        </dgm:presLayoutVars>
+      </dgm:prSet>
+      <dgm:spPr/>
+    </dgm:pt>
+  </dgm:ptLst>
+  <dgm:cxnLst>
+    <dgm:cxn modelId="{608AB021-2C66-4EE4-AB96-C91695F50CE1}" srcId="{C7DC4420-CB6E-4BFD-92D5-50299AE9A28E}" destId="{298E09AC-EB5F-4DDB-BF71-168EBABA35F8}" srcOrd="2" destOrd="0" parTransId="{6EFCD0FA-4D44-4D84-9E43-4FF9E7E955A6}" sibTransId="{0DF2E186-BA74-4B58-8E9A-48DFFCF1E49B}"/>
+    <dgm:cxn modelId="{9950022D-735A-451F-90FA-0454283AF713}" srcId="{C7DC4420-CB6E-4BFD-92D5-50299AE9A28E}" destId="{34DDA5A9-A865-4195-A91D-13CC7F7F8EB5}" srcOrd="1" destOrd="0" parTransId="{9AE84677-C67C-4880-85C7-4E3B44A9E53C}" sibTransId="{02AA3D88-F0B8-4A05-9399-18889299E91B}"/>
+    <dgm:cxn modelId="{5B46A486-1F98-48F9-9E53-6AF400DEDF86}" type="presOf" srcId="{3532D7CC-7B3D-4893-9753-E0A817C7D400}" destId="{3FAEEF5E-9C2A-4C5F-89C5-4AB472053CC6}" srcOrd="0" destOrd="0" presId="urn:microsoft.com/office/officeart/2018/2/layout/IconCircleList"/>
+    <dgm:cxn modelId="{EB73F19F-2D5C-4801-A0AD-7DB6251E4995}" srcId="{C7DC4420-CB6E-4BFD-92D5-50299AE9A28E}" destId="{3532D7CC-7B3D-4893-9753-E0A817C7D400}" srcOrd="0" destOrd="0" parTransId="{DB03ADF8-C504-4BED-BD07-16228B1F1567}" sibTransId="{31754936-0369-439D-9939-2697D8073750}"/>
+    <dgm:cxn modelId="{90DF50A3-E0D6-4798-875D-AC7BCA0DF032}" type="presOf" srcId="{34DDA5A9-A865-4195-A91D-13CC7F7F8EB5}" destId="{84A80D39-7013-4E87-949E-BA1707A819A3}" srcOrd="0" destOrd="0" presId="urn:microsoft.com/office/officeart/2018/2/layout/IconCircleList"/>
+    <dgm:cxn modelId="{446387BE-7DC4-42A6-AB1C-87FFCB9ABF3E}" type="presOf" srcId="{298E09AC-EB5F-4DDB-BF71-168EBABA35F8}" destId="{B59E4B7B-6208-4B79-9224-517664605760}" srcOrd="0" destOrd="0" presId="urn:microsoft.com/office/officeart/2018/2/layout/IconCircleList"/>
+    <dgm:cxn modelId="{18138DC0-BC3E-484E-8875-92863BD2CA34}" type="presOf" srcId="{02AA3D88-F0B8-4A05-9399-18889299E91B}" destId="{50E4B611-5B29-40EC-BC69-CC9D4F8C08B8}" srcOrd="0" destOrd="0" presId="urn:microsoft.com/office/officeart/2018/2/layout/IconCircleList"/>
+    <dgm:cxn modelId="{647EC8E0-6AC1-4B1A-9F0B-8E5BD5537E01}" type="presOf" srcId="{C7DC4420-CB6E-4BFD-92D5-50299AE9A28E}" destId="{61F74AE8-1C88-4BAF-BACC-EDBCD998A319}" srcOrd="0" destOrd="0" presId="urn:microsoft.com/office/officeart/2018/2/layout/IconCircleList"/>
+    <dgm:cxn modelId="{DBED35E8-D5F2-4370-83A2-7B63F68A7CBD}" type="presOf" srcId="{31754936-0369-439D-9939-2697D8073750}" destId="{41E4FA1E-5120-4239-9A46-90B903FECD30}" srcOrd="0" destOrd="0" presId="urn:microsoft.com/office/officeart/2018/2/layout/IconCircleList"/>
+    <dgm:cxn modelId="{5DFA812B-9A55-474D-BF22-3D8A63B931D3}" type="presParOf" srcId="{61F74AE8-1C88-4BAF-BACC-EDBCD998A319}" destId="{8C6A1BFB-FD32-4D4A-B4D0-C6491D52154E}" srcOrd="0" destOrd="0" presId="urn:microsoft.com/office/officeart/2018/2/layout/IconCircleList"/>
+    <dgm:cxn modelId="{C3D33047-8EDC-4813-AE6C-70480BB850F5}" type="presParOf" srcId="{8C6A1BFB-FD32-4D4A-B4D0-C6491D52154E}" destId="{B64F142F-B31D-4C25-A192-F6E9F46FDA5B}" srcOrd="0" destOrd="0" presId="urn:microsoft.com/office/officeart/2018/2/layout/IconCircleList"/>
+    <dgm:cxn modelId="{A911ACBD-E6C3-4FD9-AFEB-646891E0DB86}" type="presParOf" srcId="{B64F142F-B31D-4C25-A192-F6E9F46FDA5B}" destId="{F1338998-8359-4C6D-85F6-1DBF2FE49FFA}" srcOrd="0" destOrd="0" presId="urn:microsoft.com/office/officeart/2018/2/layout/IconCircleList"/>
+    <dgm:cxn modelId="{C2B72423-9BBF-4404-BF2A-CEF5B4A00FB8}" type="presParOf" srcId="{B64F142F-B31D-4C25-A192-F6E9F46FDA5B}" destId="{A773A692-8818-4117-B763-1FAD6B6796E5}" srcOrd="1" destOrd="0" presId="urn:microsoft.com/office/officeart/2018/2/layout/IconCircleList"/>
+    <dgm:cxn modelId="{13CAC69A-A35B-4F5B-946B-89AE2A38B745}" type="presParOf" srcId="{B64F142F-B31D-4C25-A192-F6E9F46FDA5B}" destId="{2C8F758E-0126-4382-AE0C-406C81BA2F2E}" srcOrd="2" destOrd="0" presId="urn:microsoft.com/office/officeart/2018/2/layout/IconCircleList"/>
+    <dgm:cxn modelId="{48FE56E1-E99D-4B64-90F7-C4B03D194A20}" type="presParOf" srcId="{B64F142F-B31D-4C25-A192-F6E9F46FDA5B}" destId="{3FAEEF5E-9C2A-4C5F-89C5-4AB472053CC6}" srcOrd="3" destOrd="0" presId="urn:microsoft.com/office/officeart/2018/2/layout/IconCircleList"/>
+    <dgm:cxn modelId="{7B5A2B83-29DC-4F26-9EF1-C3404E768D2C}" type="presParOf" srcId="{8C6A1BFB-FD32-4D4A-B4D0-C6491D52154E}" destId="{41E4FA1E-5120-4239-9A46-90B903FECD30}" srcOrd="1" destOrd="0" presId="urn:microsoft.com/office/officeart/2018/2/layout/IconCircleList"/>
+    <dgm:cxn modelId="{B9F43E0F-09DE-449F-90F9-7E41E6105356}" type="presParOf" srcId="{8C6A1BFB-FD32-4D4A-B4D0-C6491D52154E}" destId="{A80BD481-E796-4F12-B7EA-2608BF3D0AF2}" srcOrd="2" destOrd="0" presId="urn:microsoft.com/office/officeart/2018/2/layout/IconCircleList"/>
+    <dgm:cxn modelId="{7B4BD82C-043A-4B43-A05C-4FB4EDF47F88}" type="presParOf" srcId="{A80BD481-E796-4F12-B7EA-2608BF3D0AF2}" destId="{E56372D1-6833-424C-9CCF-6CAC325536CE}" srcOrd="0" destOrd="0" presId="urn:microsoft.com/office/officeart/2018/2/layout/IconCircleList"/>
+    <dgm:cxn modelId="{C1B919B0-EA23-4E15-B0ED-2770143090F0}" type="presParOf" srcId="{A80BD481-E796-4F12-B7EA-2608BF3D0AF2}" destId="{09C74CE0-52A7-4656-B6CB-6818165FF89F}" srcOrd="1" destOrd="0" presId="urn:microsoft.com/office/officeart/2018/2/layout/IconCircleList"/>
+    <dgm:cxn modelId="{CD10B33F-9A45-499E-AF5C-8308EB7AE862}" type="presParOf" srcId="{A80BD481-E796-4F12-B7EA-2608BF3D0AF2}" destId="{5BCF02D3-0808-4011-B19C-8A3C037F6B8A}" srcOrd="2" destOrd="0" presId="urn:microsoft.com/office/officeart/2018/2/layout/IconCircleList"/>
+    <dgm:cxn modelId="{A93F955B-5BBE-4BEF-98E2-441CB86FBB66}" type="presParOf" srcId="{A80BD481-E796-4F12-B7EA-2608BF3D0AF2}" destId="{84A80D39-7013-4E87-949E-BA1707A819A3}" srcOrd="3" destOrd="0" presId="urn:microsoft.com/office/officeart/2018/2/layout/IconCircleList"/>
+    <dgm:cxn modelId="{EC8E59C9-CD9C-4F1C-927E-7D2B038384DC}" type="presParOf" srcId="{8C6A1BFB-FD32-4D4A-B4D0-C6491D52154E}" destId="{50E4B611-5B29-40EC-BC69-CC9D4F8C08B8}" srcOrd="3" destOrd="0" presId="urn:microsoft.com/office/officeart/2018/2/layout/IconCircleList"/>
+    <dgm:cxn modelId="{D0E5AEA1-938C-413D-8474-973BEC92743B}" type="presParOf" srcId="{8C6A1BFB-FD32-4D4A-B4D0-C6491D52154E}" destId="{F1EA2149-EAFF-46AE-B225-0B593D7638D2}" srcOrd="4" destOrd="0" presId="urn:microsoft.com/office/officeart/2018/2/layout/IconCircleList"/>
+    <dgm:cxn modelId="{76FD0E1C-2B13-4635-B284-EC9F8554B589}" type="presParOf" srcId="{F1EA2149-EAFF-46AE-B225-0B593D7638D2}" destId="{2DE6E73A-01C4-4512-8E7F-9D66FF4CB773}" srcOrd="0" destOrd="0" presId="urn:microsoft.com/office/officeart/2018/2/layout/IconCircleList"/>
+    <dgm:cxn modelId="{EE9521E2-AD21-4477-9A22-264D09F92C60}" type="presParOf" srcId="{F1EA2149-EAFF-46AE-B225-0B593D7638D2}" destId="{16FDAF56-CC92-4F60-80BD-CACBA76A5D86}" srcOrd="1" destOrd="0" presId="urn:microsoft.com/office/officeart/2018/2/layout/IconCircleList"/>
+    <dgm:cxn modelId="{D2A4377F-5F1D-4FC4-B41F-8CACE0F12F9A}" type="presParOf" srcId="{F1EA2149-EAFF-46AE-B225-0B593D7638D2}" destId="{001C2B8F-F8C6-410C-ACEB-FAA64FC5C918}" srcOrd="2" destOrd="0" presId="urn:microsoft.com/office/officeart/2018/2/layout/IconCircleList"/>
+    <dgm:cxn modelId="{796480B3-E663-45C8-8E7D-E31BFCC7A6A9}" type="presParOf" srcId="{F1EA2149-EAFF-46AE-B225-0B593D7638D2}" destId="{B59E4B7B-6208-4B79-9224-517664605760}" srcOrd="3" destOrd="0" presId="urn:microsoft.com/office/officeart/2018/2/layout/IconCircleList"/>
+  </dgm:cxnLst>
+  <dgm:bg/>
+  <dgm:whole/>
+  <dgm:extLst>
+    <a:ext uri="http://schemas.microsoft.com/office/drawing/2008/diagram">
+      <dsp:dataModelExt xmlns:dsp="http://schemas.microsoft.com/office/drawing/2008/diagram" relId="rId6" minVer="http://schemas.openxmlformats.org/drawingml/2006/diagram"/>
+    </a:ext>
+  </dgm:extLst>
+</dgm:dataModel>
+</file>
+
+<file path=ppt/diagrams/drawing1.xml><?xml version="1.0" encoding="utf-8"?>
+<dsp:drawing xmlns:dgm="http://schemas.openxmlformats.org/drawingml/2006/diagram" xmlns:dsp="http://schemas.microsoft.com/office/drawing/2008/diagram" xmlns:a="http://schemas.openxmlformats.org/drawingml/2006/main">
+  <dsp:spTree>
+    <dsp:nvGrpSpPr>
+      <dsp:cNvPr id="0" name=""/>
+      <dsp:cNvGrpSpPr/>
+    </dsp:nvGrpSpPr>
+    <dsp:grpSpPr/>
+    <dsp:sp modelId="{F1338998-8359-4C6D-85F6-1DBF2FE49FFA}">
+      <dsp:nvSpPr>
+        <dsp:cNvPr id="0" name=""/>
+        <dsp:cNvSpPr/>
+      </dsp:nvSpPr>
+      <dsp:spPr>
+        <a:xfrm>
+          <a:off x="235953" y="1449516"/>
+          <a:ext cx="915248" cy="915248"/>
+        </a:xfrm>
+        <a:prstGeom prst="ellipse">
+          <a:avLst/>
+        </a:prstGeom>
+        <a:solidFill>
+          <a:schemeClr val="bg1">
+            <a:lumMod val="95000"/>
+            <a:hueOff val="0"/>
+            <a:satOff val="0"/>
+            <a:lumOff val="0"/>
+            <a:alphaOff val="0"/>
+          </a:schemeClr>
+        </a:solidFill>
+        <a:ln>
+          <a:noFill/>
+        </a:ln>
+        <a:effectLst/>
+      </dsp:spPr>
+      <dsp:style>
+        <a:lnRef idx="0">
+          <a:scrgbClr r="0" g="0" b="0"/>
+        </a:lnRef>
+        <a:fillRef idx="1">
+          <a:scrgbClr r="0" g="0" b="0"/>
+        </a:fillRef>
+        <a:effectRef idx="0">
+          <a:scrgbClr r="0" g="0" b="0"/>
+        </a:effectRef>
+        <a:fontRef idx="minor"/>
+      </dsp:style>
+    </dsp:sp>
+    <dsp:sp modelId="{A773A692-8818-4117-B763-1FAD6B6796E5}">
+      <dsp:nvSpPr>
+        <dsp:cNvPr id="0" name=""/>
+        <dsp:cNvSpPr/>
+      </dsp:nvSpPr>
+      <dsp:spPr>
+        <a:xfrm>
+          <a:off x="428155" y="1641718"/>
+          <a:ext cx="530843" cy="530843"/>
+        </a:xfrm>
+        <a:prstGeom prst="rect">
+          <a:avLst/>
+        </a:prstGeom>
+        <a:blipFill>
+          <a:blip xmlns:r="http://schemas.openxmlformats.org/officeDocument/2006/relationships" r:embed="rId1">
+            <a:extLst>
+              <a:ext uri="{28A0092B-C50C-407E-A947-70E740481C1C}">
+                <a14:useLocalDpi xmlns:a14="http://schemas.microsoft.com/office/drawing/2010/main" val="0"/>
+              </a:ext>
+              <a:ext uri="{96DAC541-7B7A-43D3-8B79-37D633B846F1}">
+                <asvg:svgBlip xmlns:asvg="http://schemas.microsoft.com/office/drawing/2016/SVG/main" r:embed="rId2"/>
+              </a:ext>
+            </a:extLst>
+          </a:blip>
+          <a:stretch>
+            <a:fillRect/>
+          </a:stretch>
+        </a:blipFill>
+        <a:ln w="22225" cap="rnd" cmpd="sng" algn="ctr">
+          <a:noFill/>
+          <a:prstDash val="solid"/>
+        </a:ln>
+        <a:effectLst/>
+      </dsp:spPr>
+      <dsp:style>
+        <a:lnRef idx="2">
+          <a:scrgbClr r="0" g="0" b="0"/>
+        </a:lnRef>
+        <a:fillRef idx="1">
+          <a:scrgbClr r="0" g="0" b="0"/>
+        </a:fillRef>
+        <a:effectRef idx="0">
+          <a:scrgbClr r="0" g="0" b="0"/>
+        </a:effectRef>
+        <a:fontRef idx="minor">
+          <a:schemeClr val="lt1"/>
+        </a:fontRef>
+      </dsp:style>
+    </dsp:sp>
+    <dsp:sp modelId="{3FAEEF5E-9C2A-4C5F-89C5-4AB472053CC6}">
+      <dsp:nvSpPr>
+        <dsp:cNvPr id="0" name=""/>
+        <dsp:cNvSpPr/>
+      </dsp:nvSpPr>
+      <dsp:spPr>
+        <a:xfrm>
+          <a:off x="1347326" y="1449516"/>
+          <a:ext cx="2157370" cy="915248"/>
+        </a:xfrm>
+        <a:prstGeom prst="rect">
+          <a:avLst/>
+        </a:prstGeom>
+        <a:noFill/>
+        <a:ln>
+          <a:noFill/>
+        </a:ln>
+        <a:effectLst/>
+      </dsp:spPr>
+      <dsp:style>
+        <a:lnRef idx="0">
+          <a:scrgbClr r="0" g="0" b="0"/>
+        </a:lnRef>
+        <a:fillRef idx="0">
+          <a:scrgbClr r="0" g="0" b="0"/>
+        </a:fillRef>
+        <a:effectRef idx="0">
+          <a:scrgbClr r="0" g="0" b="0"/>
+        </a:effectRef>
+        <a:fontRef idx="minor"/>
+      </dsp:style>
+      <dsp:txBody>
+        <a:bodyPr spcFirstLastPara="0" vert="horz" wrap="square" lIns="0" tIns="0" rIns="0" bIns="0" numCol="1" spcCol="1270" anchor="ctr" anchorCtr="0">
+          <a:noAutofit/>
+        </a:bodyPr>
+        <a:lstStyle/>
+        <a:p>
+          <a:pPr marL="0" lvl="0" indent="0" algn="l" defTabSz="622300">
+            <a:lnSpc>
+              <a:spcPct val="100000"/>
+            </a:lnSpc>
+            <a:spcBef>
+              <a:spcPct val="0"/>
+            </a:spcBef>
+            <a:spcAft>
+              <a:spcPct val="35000"/>
+            </a:spcAft>
+            <a:buNone/>
+          </a:pPr>
+          <a:r>
+            <a:rPr lang="en-US" sz="1400" kern="1200" dirty="0"/>
+            <a:t>Explored enrollment rates vs graduation rates and how crime stats impact them</a:t>
+          </a:r>
+        </a:p>
+      </dsp:txBody>
+      <dsp:txXfrm>
+        <a:off x="1347326" y="1449516"/>
+        <a:ext cx="2157370" cy="915248"/>
+      </dsp:txXfrm>
+    </dsp:sp>
+    <dsp:sp modelId="{E56372D1-6833-424C-9CCF-6CAC325536CE}">
+      <dsp:nvSpPr>
+        <dsp:cNvPr id="0" name=""/>
+        <dsp:cNvSpPr/>
+      </dsp:nvSpPr>
+      <dsp:spPr>
+        <a:xfrm>
+          <a:off x="3880603" y="1449516"/>
+          <a:ext cx="915248" cy="915248"/>
+        </a:xfrm>
+        <a:prstGeom prst="ellipse">
+          <a:avLst/>
+        </a:prstGeom>
+        <a:solidFill>
+          <a:schemeClr val="bg1">
+            <a:lumMod val="95000"/>
+            <a:hueOff val="0"/>
+            <a:satOff val="0"/>
+            <a:lumOff val="0"/>
+            <a:alphaOff val="0"/>
+          </a:schemeClr>
+        </a:solidFill>
+        <a:ln>
+          <a:noFill/>
+        </a:ln>
+        <a:effectLst/>
+      </dsp:spPr>
+      <dsp:style>
+        <a:lnRef idx="0">
+          <a:scrgbClr r="0" g="0" b="0"/>
+        </a:lnRef>
+        <a:fillRef idx="1">
+          <a:scrgbClr r="0" g="0" b="0"/>
+        </a:fillRef>
+        <a:effectRef idx="0">
+          <a:scrgbClr r="0" g="0" b="0"/>
+        </a:effectRef>
+        <a:fontRef idx="minor"/>
+      </dsp:style>
+    </dsp:sp>
+    <dsp:sp modelId="{09C74CE0-52A7-4656-B6CB-6818165FF89F}">
+      <dsp:nvSpPr>
+        <dsp:cNvPr id="0" name=""/>
+        <dsp:cNvSpPr/>
+      </dsp:nvSpPr>
+      <dsp:spPr>
+        <a:xfrm>
+          <a:off x="4072805" y="1641718"/>
+          <a:ext cx="530843" cy="530843"/>
+        </a:xfrm>
+        <a:prstGeom prst="rect">
+          <a:avLst/>
+        </a:prstGeom>
+        <a:blipFill>
+          <a:blip xmlns:r="http://schemas.openxmlformats.org/officeDocument/2006/relationships" r:embed="rId3">
+            <a:extLst>
+              <a:ext uri="{28A0092B-C50C-407E-A947-70E740481C1C}">
+                <a14:useLocalDpi xmlns:a14="http://schemas.microsoft.com/office/drawing/2010/main" val="0"/>
+              </a:ext>
+              <a:ext uri="{96DAC541-7B7A-43D3-8B79-37D633B846F1}">
+                <asvg:svgBlip xmlns:asvg="http://schemas.microsoft.com/office/drawing/2016/SVG/main" r:embed="rId4"/>
+              </a:ext>
+            </a:extLst>
+          </a:blip>
+          <a:stretch>
+            <a:fillRect/>
+          </a:stretch>
+        </a:blipFill>
+        <a:ln w="22225" cap="rnd" cmpd="sng" algn="ctr">
+          <a:noFill/>
+          <a:prstDash val="solid"/>
+        </a:ln>
+        <a:effectLst/>
+      </dsp:spPr>
+      <dsp:style>
+        <a:lnRef idx="2">
+          <a:scrgbClr r="0" g="0" b="0"/>
+        </a:lnRef>
+        <a:fillRef idx="1">
+          <a:scrgbClr r="0" g="0" b="0"/>
+        </a:fillRef>
+        <a:effectRef idx="0">
+          <a:scrgbClr r="0" g="0" b="0"/>
+        </a:effectRef>
+        <a:fontRef idx="minor">
+          <a:schemeClr val="lt1"/>
+        </a:fontRef>
+      </dsp:style>
+    </dsp:sp>
+    <dsp:sp modelId="{84A80D39-7013-4E87-949E-BA1707A819A3}">
+      <dsp:nvSpPr>
+        <dsp:cNvPr id="0" name=""/>
+        <dsp:cNvSpPr/>
+      </dsp:nvSpPr>
+      <dsp:spPr>
+        <a:xfrm>
+          <a:off x="4991975" y="1449516"/>
+          <a:ext cx="2157370" cy="915248"/>
+        </a:xfrm>
+        <a:prstGeom prst="rect">
+          <a:avLst/>
+        </a:prstGeom>
+        <a:noFill/>
+        <a:ln>
+          <a:noFill/>
+        </a:ln>
+        <a:effectLst/>
+      </dsp:spPr>
+      <dsp:style>
+        <a:lnRef idx="0">
+          <a:scrgbClr r="0" g="0" b="0"/>
+        </a:lnRef>
+        <a:fillRef idx="0">
+          <a:scrgbClr r="0" g="0" b="0"/>
+        </a:fillRef>
+        <a:effectRef idx="0">
+          <a:scrgbClr r="0" g="0" b="0"/>
+        </a:effectRef>
+        <a:fontRef idx="minor"/>
+      </dsp:style>
+      <dsp:txBody>
+        <a:bodyPr spcFirstLastPara="0" vert="horz" wrap="square" lIns="0" tIns="0" rIns="0" bIns="0" numCol="1" spcCol="1270" anchor="ctr" anchorCtr="0">
+          <a:noAutofit/>
+        </a:bodyPr>
+        <a:lstStyle/>
+        <a:p>
+          <a:pPr marL="0" lvl="0" indent="0" algn="l" defTabSz="622300">
+            <a:lnSpc>
+              <a:spcPct val="100000"/>
+            </a:lnSpc>
+            <a:spcBef>
+              <a:spcPct val="0"/>
+            </a:spcBef>
+            <a:spcAft>
+              <a:spcPct val="35000"/>
+            </a:spcAft>
+            <a:buNone/>
+          </a:pPr>
+          <a:r>
+            <a:rPr lang="en-US" sz="1400" kern="1200" dirty="0"/>
+            <a:t>Used Excel &amp; Python</a:t>
+          </a:r>
+        </a:p>
+      </dsp:txBody>
+      <dsp:txXfrm>
+        <a:off x="4991975" y="1449516"/>
+        <a:ext cx="2157370" cy="915248"/>
+      </dsp:txXfrm>
+    </dsp:sp>
+    <dsp:sp modelId="{2DE6E73A-01C4-4512-8E7F-9D66FF4CB773}">
+      <dsp:nvSpPr>
+        <dsp:cNvPr id="0" name=""/>
+        <dsp:cNvSpPr/>
+      </dsp:nvSpPr>
+      <dsp:spPr>
+        <a:xfrm>
+          <a:off x="7525252" y="1449516"/>
+          <a:ext cx="915248" cy="915248"/>
+        </a:xfrm>
+        <a:prstGeom prst="ellipse">
+          <a:avLst/>
+        </a:prstGeom>
+        <a:solidFill>
+          <a:schemeClr val="bg1">
+            <a:lumMod val="95000"/>
+            <a:hueOff val="0"/>
+            <a:satOff val="0"/>
+            <a:lumOff val="0"/>
+            <a:alphaOff val="0"/>
+          </a:schemeClr>
+        </a:solidFill>
+        <a:ln>
+          <a:noFill/>
+        </a:ln>
+        <a:effectLst/>
+      </dsp:spPr>
+      <dsp:style>
+        <a:lnRef idx="0">
+          <a:scrgbClr r="0" g="0" b="0"/>
+        </a:lnRef>
+        <a:fillRef idx="1">
+          <a:scrgbClr r="0" g="0" b="0"/>
+        </a:fillRef>
+        <a:effectRef idx="0">
+          <a:scrgbClr r="0" g="0" b="0"/>
+        </a:effectRef>
+        <a:fontRef idx="minor"/>
+      </dsp:style>
+    </dsp:sp>
+    <dsp:sp modelId="{16FDAF56-CC92-4F60-80BD-CACBA76A5D86}">
+      <dsp:nvSpPr>
+        <dsp:cNvPr id="0" name=""/>
+        <dsp:cNvSpPr/>
+      </dsp:nvSpPr>
+      <dsp:spPr>
+        <a:xfrm>
+          <a:off x="7717454" y="1641718"/>
+          <a:ext cx="530843" cy="530843"/>
+        </a:xfrm>
+        <a:prstGeom prst="rect">
+          <a:avLst/>
+        </a:prstGeom>
+        <a:blipFill>
+          <a:blip xmlns:r="http://schemas.openxmlformats.org/officeDocument/2006/relationships" r:embed="rId5">
+            <a:extLst>
+              <a:ext uri="{28A0092B-C50C-407E-A947-70E740481C1C}">
+                <a14:useLocalDpi xmlns:a14="http://schemas.microsoft.com/office/drawing/2010/main" val="0"/>
+              </a:ext>
+              <a:ext uri="{96DAC541-7B7A-43D3-8B79-37D633B846F1}">
+                <asvg:svgBlip xmlns:asvg="http://schemas.microsoft.com/office/drawing/2016/SVG/main" r:embed="rId6"/>
+              </a:ext>
+            </a:extLst>
+          </a:blip>
+          <a:stretch>
+            <a:fillRect/>
+          </a:stretch>
+        </a:blipFill>
+        <a:ln w="22225" cap="rnd" cmpd="sng" algn="ctr">
+          <a:noFill/>
+          <a:prstDash val="solid"/>
+        </a:ln>
+        <a:effectLst/>
+      </dsp:spPr>
+      <dsp:style>
+        <a:lnRef idx="2">
+          <a:scrgbClr r="0" g="0" b="0"/>
+        </a:lnRef>
+        <a:fillRef idx="1">
+          <a:scrgbClr r="0" g="0" b="0"/>
+        </a:fillRef>
+        <a:effectRef idx="0">
+          <a:scrgbClr r="0" g="0" b="0"/>
+        </a:effectRef>
+        <a:fontRef idx="minor">
+          <a:schemeClr val="lt1"/>
+        </a:fontRef>
+      </dsp:style>
+    </dsp:sp>
+    <dsp:sp modelId="{B59E4B7B-6208-4B79-9224-517664605760}">
+      <dsp:nvSpPr>
+        <dsp:cNvPr id="0" name=""/>
+        <dsp:cNvSpPr/>
+      </dsp:nvSpPr>
+      <dsp:spPr>
+        <a:xfrm>
+          <a:off x="8636625" y="1449516"/>
+          <a:ext cx="2157370" cy="915248"/>
+        </a:xfrm>
+        <a:prstGeom prst="rect">
+          <a:avLst/>
+        </a:prstGeom>
+        <a:noFill/>
+        <a:ln>
+          <a:noFill/>
+        </a:ln>
+        <a:effectLst/>
+      </dsp:spPr>
+      <dsp:style>
+        <a:lnRef idx="0">
+          <a:scrgbClr r="0" g="0" b="0"/>
+        </a:lnRef>
+        <a:fillRef idx="0">
+          <a:scrgbClr r="0" g="0" b="0"/>
+        </a:fillRef>
+        <a:effectRef idx="0">
+          <a:scrgbClr r="0" g="0" b="0"/>
+        </a:effectRef>
+        <a:fontRef idx="minor"/>
+      </dsp:style>
+      <dsp:txBody>
+        <a:bodyPr spcFirstLastPara="0" vert="horz" wrap="square" lIns="0" tIns="0" rIns="0" bIns="0" numCol="1" spcCol="1270" anchor="ctr" anchorCtr="0">
+          <a:noAutofit/>
+        </a:bodyPr>
+        <a:lstStyle/>
+        <a:p>
+          <a:pPr marL="0" lvl="0" indent="0" algn="l" defTabSz="622300">
+            <a:lnSpc>
+              <a:spcPct val="100000"/>
+            </a:lnSpc>
+            <a:spcBef>
+              <a:spcPct val="0"/>
+            </a:spcBef>
+            <a:spcAft>
+              <a:spcPct val="35000"/>
+            </a:spcAft>
+            <a:buNone/>
+          </a:pPr>
+          <a:r>
+            <a:rPr lang="en-US" sz="1400" kern="1200" dirty="0"/>
+            <a:t>Tableau dashboard</a:t>
+          </a:r>
+        </a:p>
+      </dsp:txBody>
+      <dsp:txXfrm>
+        <a:off x="8636625" y="1449516"/>
+        <a:ext cx="2157370" cy="915248"/>
+      </dsp:txXfrm>
+    </dsp:sp>
+  </dsp:spTree>
+</dsp:drawing>
+</file>
+
+<file path=ppt/diagrams/layout1.xml><?xml version="1.0" encoding="utf-8"?>
+<dgm:layoutDef xmlns:dgm="http://schemas.openxmlformats.org/drawingml/2006/diagram" xmlns:a="http://schemas.openxmlformats.org/drawingml/2006/main" uniqueId="urn:microsoft.com/office/officeart/2018/2/layout/IconCircleList">
+  <dgm:title val="Icon Circle List"/>
+  <dgm:desc val="Use to show non-sequential or grouped chunks of information accompanied by related visuals. Circular shapes can hold an icon or small picture and corresponding text box shows Level 1 text. Works best for icons or small pictures with medium-length descriptions."/>
+  <dgm:catLst>
+    <dgm:cat type="icon" pri="500"/>
+  </dgm:catLst>
+  <dgm:sampData useDef="1">
+    <dgm:dataModel>
+      <dgm:ptLst/>
+      <dgm:bg/>
+      <dgm:whole/>
+    </dgm:dataModel>
+  </dgm:sampData>
+  <dgm:styleData useDef="1">
+    <dgm:dataModel>
+      <dgm:ptLst/>
+      <dgm:bg/>
+      <dgm:whole/>
+    </dgm:dataModel>
+  </dgm:styleData>
+  <dgm:clrData useDef="1">
+    <dgm:dataModel>
+      <dgm:ptLst/>
+      <dgm:bg/>
+      <dgm:whole/>
+    </dgm:dataModel>
+  </dgm:clrData>
+  <dgm:layoutNode name="root">
+    <dgm:varLst>
+      <dgm:dir/>
+      <dgm:resizeHandles val="exact"/>
+    </dgm:varLst>
+    <dgm:alg type="sp"/>
+    <dgm:shape xmlns:r="http://schemas.openxmlformats.org/officeDocument/2006/relationships" r:blip="">
+      <dgm:adjLst/>
+    </dgm:shape>
+    <dgm:presOf/>
+    <dgm:choose name="Name0">
+      <dgm:if name="Name1" axis="ch" ptType="node" func="cnt" op="lte" val="3">
+        <dgm:constrLst>
+          <dgm:constr type="w" for="ch" forName="container" refType="w"/>
+          <dgm:constr type="h" for="ch" forName="container" refType="h" fact="0.4"/>
+        </dgm:constrLst>
+      </dgm:if>
+      <dgm:else name="Name2">
+        <dgm:constrLst>
+          <dgm:constr type="w" for="ch" forName="container" refType="w"/>
+          <dgm:constr type="h" for="ch" forName="container" refType="h"/>
+        </dgm:constrLst>
+      </dgm:else>
+    </dgm:choose>
+    <dgm:ruleLst>
+      <dgm:rule type="h" for="ch" forName="container" val="INF" fact="NaN" max="NaN"/>
+    </dgm:ruleLst>
+    <dgm:layoutNode name="container">
+      <dgm:varLst>
+        <dgm:dir/>
+        <dgm:resizeHandles val="exact"/>
+      </dgm:varLst>
+      <dgm:choose name="Name3">
+        <dgm:if name="Name4" axis="self" func="var" arg="dir" op="equ" val="norm">
+          <dgm:alg type="snake">
+            <dgm:param type="grDir" val="tL"/>
+            <dgm:param type="flowDir" val="row"/>
+            <dgm:param type="contDir" val="sameDir"/>
+          </dgm:alg>
+        </dgm:if>
+        <dgm:else name="Name5">
+          <dgm:alg type="snake">
+            <dgm:param type="grDir" val="tR"/>
+            <dgm:param type="flowDir" val="row"/>
+            <dgm:param type="contDir" val="sameDir"/>
+          </dgm:alg>
+        </dgm:else>
+      </dgm:choose>
+      <dgm:shape xmlns:r="http://schemas.openxmlformats.org/officeDocument/2006/relationships" r:blip="">
+        <dgm:adjLst/>
+      </dgm:shape>
+      <dgm:presOf/>
+      <dgm:constrLst>
+        <dgm:constr type="w" for="ch" forName="compNode" refType="w"/>
+        <dgm:constr type="h" for="ch" forName="compNode" refType="w" fact="0.28"/>
+        <dgm:constr type="w" for="ch" forName="sibTrans" refType="w" refFor="ch" refForName="compNode" fact="0.115"/>
+        <dgm:constr type="sp" refType="h" op="equ" fact="0.17"/>
+        <dgm:constr type="primFontSz" for="des" ptType="node" op="equ" val="24"/>
+        <dgm:constr type="h" for="des" forName="compNode" op="equ"/>
+        <dgm:constr type="h" for="des" forName="iconBgRect" op="equ"/>
+      </dgm:constrLst>
+      <dgm:ruleLst>
+        <dgm:rule type="w" for="ch" forName="compNode" val="60" fact="NaN" max="NaN"/>
+      </dgm:ruleLst>
+      <dgm:forEach name="Name6" axis="ch" ptType="node">
+        <dgm:layoutNode name="compNode">
+          <dgm:alg type="composite"/>
+          <dgm:shape xmlns:r="http://schemas.openxmlformats.org/officeDocument/2006/relationships" r:blip="">
+            <dgm:adjLst/>
+          </dgm:shape>
+          <dgm:presOf axis="self"/>
+          <dgm:constrLst>
+            <dgm:constr type="w" for="ch" forName="iconBgRect" refType="w" fact="0.28"/>
+            <dgm:constr type="h" for="ch" forName="iconBgRect" refType="w" refFor="ch" refForName="iconBgRect"/>
+            <dgm:constr type="t" for="ch" forName="iconBgRect"/>
+            <dgm:constr type="l" for="ch" forName="iconBgRect"/>
+            <dgm:constr type="w" for="ch" forName="iconRect" refType="w" refFor="ch" refForName="iconBgRect" fact="0.58"/>
+            <dgm:constr type="h" for="ch" forName="iconRect" refType="w" refFor="ch" refForName="iconRect"/>
+            <dgm:constr type="ctrX" for="ch" forName="iconRect" refType="ctrX" refFor="ch" refForName="iconBgRect"/>
+            <dgm:constr type="ctrY" for="ch" forName="iconRect" refType="ctrY" refFor="ch" refForName="iconBgRect"/>
+            <dgm:constr type="w" for="ch" forName="spaceRect" refType="w" fact="0.06"/>
+            <dgm:constr type="h" for="ch" forName="spaceRect" refType="h" refFor="ch" refForName="iconBgRect"/>
+            <dgm:constr type="t" for="ch" forName="spaceRect" refType="t" refFor="ch" refForName="iconBgRect"/>
+            <dgm:constr type="l" for="ch" forName="spaceRect" refType="r" refFor="ch" refForName="iconBgRect"/>
+            <dgm:constr type="h" for="ch" forName="textRect" refType="h" refFor="ch" refForName="iconBgRect"/>
+            <dgm:constr type="t" for="ch" forName="textRect" refType="t" refFor="ch" refForName="iconBgRect"/>
+            <dgm:constr type="l" for="ch" forName="textRect" refType="r" refFor="ch" refForName="spaceRect"/>
+          </dgm:constrLst>
+          <dgm:ruleLst/>
+          <dgm:layoutNode name="iconBgRect" styleLbl="bgShp">
+            <dgm:alg type="sp"/>
+            <dgm:shape xmlns:r="http://schemas.openxmlformats.org/officeDocument/2006/relationships" type="ellipse" r:blip="">
+              <dgm:adjLst/>
+            </dgm:shape>
+            <dgm:presOf/>
+            <dgm:constrLst/>
+            <dgm:ruleLst/>
+          </dgm:layoutNode>
+          <dgm:layoutNode name="iconRect" styleLbl="node1">
+            <dgm:alg type="sp"/>
+            <dgm:shape xmlns:r="http://schemas.openxmlformats.org/officeDocument/2006/relationships" type="rect" r:blip="" blipPhldr="1">
+              <dgm:adjLst/>
+            </dgm:shape>
+            <dgm:presOf/>
+            <dgm:constrLst/>
+            <dgm:ruleLst/>
+          </dgm:layoutNode>
+          <dgm:layoutNode name="spaceRect">
+            <dgm:alg type="sp"/>
+            <dgm:shape xmlns:r="http://schemas.openxmlformats.org/officeDocument/2006/relationships" r:blip="">
+              <dgm:adjLst/>
+            </dgm:shape>
+            <dgm:presOf/>
+            <dgm:constrLst/>
+            <dgm:ruleLst/>
+          </dgm:layoutNode>
+          <dgm:layoutNode name="textRect" styleLbl="revTx">
+            <dgm:varLst>
+              <dgm:chMax val="1"/>
+              <dgm:chPref val="1"/>
+            </dgm:varLst>
+            <dgm:choose name="Name7">
+              <dgm:if name="Name8" func="var" arg="dir" op="equ" val="norm">
+                <dgm:alg type="tx">
+                  <dgm:param type="txAnchorVert" val="mid"/>
+                  <dgm:param type="parTxLTRAlign" val="l"/>
+                  <dgm:param type="shpTxLTRAlignCh" val="l"/>
+                  <dgm:param type="parTxRTLAlign" val="l"/>
+                  <dgm:param type="shpTxRTLAlignCh" val="l"/>
+                </dgm:alg>
+              </dgm:if>
+              <dgm:else name="Name9">
+                <dgm:alg type="tx">
+                  <dgm:param type="txAnchorVert" val="mid"/>
+                  <dgm:param type="parTxLTRAlign" val="r"/>
+                  <dgm:param type="shpTxLTRAlignCh" val="r"/>
+                  <dgm:param type="parTxRTLAlign" val="r"/>
+                  <dgm:param type="shpTxRTLAlignCh" val="r"/>
+                </dgm:alg>
+              </dgm:else>
+            </dgm:choose>
+            <dgm:shape xmlns:r="http://schemas.openxmlformats.org/officeDocument/2006/relationships" type="rect" r:blip="">
+              <dgm:adjLst/>
+            </dgm:shape>
+            <dgm:presOf axis="self" ptType="node"/>
+            <dgm:constrLst>
+              <dgm:constr type="lMarg"/>
+              <dgm:constr type="rMarg"/>
+              <dgm:constr type="tMarg"/>
+              <dgm:constr type="bMarg"/>
+            </dgm:constrLst>
+            <dgm:ruleLst>
+              <dgm:rule type="primFontSz" val="11" fact="NaN" max="NaN"/>
+            </dgm:ruleLst>
+          </dgm:layoutNode>
+        </dgm:layoutNode>
+        <dgm:forEach name="Name10" axis="followSib" ptType="sibTrans" cnt="1">
+          <dgm:layoutNode name="sibTrans">
+            <dgm:alg type="sp"/>
+            <dgm:shape xmlns:r="http://schemas.openxmlformats.org/officeDocument/2006/relationships" type="rect" r:blip="" hideGeom="1">
+              <dgm:adjLst/>
+            </dgm:shape>
+            <dgm:presOf axis="self"/>
+            <dgm:constrLst/>
+            <dgm:ruleLst/>
+          </dgm:layoutNode>
+        </dgm:forEach>
+      </dgm:forEach>
+    </dgm:layoutNode>
+  </dgm:layoutNode>
+  <dgm:extLst>
+    <a:ext uri="{68A01E43-0DF5-4B5B-8FA6-DAF915123BFB}">
+      <dgm1612:lstStyle xmlns:dgm1612="http://schemas.microsoft.com/office/drawing/2016/12/diagram">
+        <a:lvl1pPr>
+          <a:lnSpc>
+            <a:spcPct val="100000"/>
+          </a:lnSpc>
+        </a:lvl1pPr>
+      </dgm1612:lstStyle>
+    </a:ext>
+  </dgm:extLst>
+</dgm:layoutDef>
+</file>
+
+<file path=ppt/diagrams/quickStyle1.xml><?xml version="1.0" encoding="utf-8"?>
+<dgm:styleDef xmlns:dgm="http://schemas.openxmlformats.org/drawingml/2006/diagram" xmlns:a="http://schemas.openxmlformats.org/drawingml/2006/main" uniqueId="urn:microsoft.com/office/officeart/2005/8/quickstyle/simple1">
+  <dgm:title val=""/>
+  <dgm:desc val=""/>
+  <dgm:catLst>
+    <dgm:cat type="simple" pri="10100"/>
+  </dgm:catLst>
+  <dgm:scene3d>
+    <a:camera prst="orthographicFront"/>
+    <a:lightRig rig="threePt" dir="t"/>
+  </dgm:scene3d>
+  <dgm:styleLbl name="node0">
+    <dgm:scene3d>
+      <a:camera prst="orthographicFront"/>
+      <a:lightRig rig="threePt" dir="t"/>
+    </dgm:scene3d>
+    <dgm:sp3d/>
+    <dgm:txPr/>
+    <dgm:style>
+      <a:lnRef idx="2">
+        <a:scrgbClr r="0" g="0" b="0"/>
+      </a:lnRef>
+      <a:fillRef idx="1">
+        <a:scrgbClr r="0" g="0" b="0"/>
+      </a:fillRef>
+      <a:effectRef idx="0">
+        <a:scrgbClr r="0" g="0" b="0"/>
+      </a:effectRef>
+      <a:fontRef idx="minor">
+        <a:schemeClr val="lt1"/>
+      </a:fontRef>
+    </dgm:style>
+  </dgm:styleLbl>
+  <dgm:styleLbl name="lnNode1">
+    <dgm:scene3d>
+      <a:camera prst="orthographicFront"/>
+      <a:lightRig rig="threePt" dir="t"/>
+    </dgm:scene3d>
+    <dgm:sp3d/>
+    <dgm:txPr/>
+    <dgm:style>
+      <a:lnRef idx="2">
+        <a:scrgbClr r="0" g="0" b="0"/>
+      </a:lnRef>
+      <a:fillRef idx="1">
+        <a:scrgbClr r="0" g="0" b="0"/>
+      </a:fillRef>
+      <a:effectRef idx="0">
+        <a:scrgbClr r="0" g="0" b="0"/>
+      </a:effectRef>
+      <a:fontRef idx="minor">
+        <a:schemeClr val="lt1"/>
+      </a:fontRef>
+    </dgm:style>
+  </dgm:styleLbl>
+  <dgm:styleLbl name="vennNode1">
+    <dgm:scene3d>
+      <a:camera prst="orthographicFront"/>
+      <a:lightRig rig="threePt" dir="t"/>
+    </dgm:scene3d>
+    <dgm:sp3d/>
+    <dgm:txPr/>
+    <dgm:style>
+      <a:lnRef idx="2">
+        <a:scrgbClr r="0" g="0" b="0"/>
+      </a:lnRef>
+      <a:fillRef idx="1">
+        <a:scrgbClr r="0" g="0" b="0"/>
+      </a:fillRef>
+      <a:effectRef idx="0">
+        <a:scrgbClr r="0" g="0" b="0"/>
+      </a:effectRef>
+      <a:fontRef idx="minor">
+        <a:schemeClr val="tx1"/>
+      </a:fontRef>
+    </dgm:style>
+  </dgm:styleLbl>
+  <dgm:styleLbl name="alignNode1">
+    <dgm:scene3d>
+      <a:camera prst="orthographicFront"/>
+      <a:lightRig rig="threePt" dir="t"/>
+    </dgm:scene3d>
+    <dgm:sp3d/>
+    <dgm:txPr/>
+    <dgm:style>
+      <a:lnRef idx="2">
+        <a:scrgbClr r="0" g="0" b="0"/>
+      </a:lnRef>
+      <a:fillRef idx="1">
+        <a:scrgbClr r="0" g="0" b="0"/>
+      </a:fillRef>
+      <a:effectRef idx="0">
+        <a:scrgbClr r="0" g="0" b="0"/>
+      </a:effectRef>
+      <a:fontRef idx="minor">
+        <a:schemeClr val="lt1"/>
+      </a:fontRef>
+    </dgm:style>
+  </dgm:styleLbl>
+  <dgm:styleLbl name="node1">
+    <dgm:scene3d>
+      <a:camera prst="orthographicFront"/>
+      <a:lightRig rig="threePt" dir="t"/>
+    </dgm:scene3d>
+    <dgm:sp3d/>
+    <dgm:txPr/>
+    <dgm:style>
+      <a:lnRef idx="2">
+        <a:scrgbClr r="0" g="0" b="0"/>
+      </a:lnRef>
+      <a:fillRef idx="1">
+        <a:scrgbClr r="0" g="0" b="0"/>
+      </a:fillRef>
+      <a:effectRef idx="0">
+        <a:scrgbClr r="0" g="0" b="0"/>
+      </a:effectRef>
+      <a:fontRef idx="minor">
+        <a:schemeClr val="lt1"/>
+      </a:fontRef>
+    </dgm:style>
+  </dgm:styleLbl>
+  <dgm:styleLbl name="node2">
+    <dgm:scene3d>
+      <a:camera prst="orthographicFront"/>
+      <a:lightRig rig="threePt" dir="t"/>
+    </dgm:scene3d>
+    <dgm:sp3d/>
+    <dgm:txPr/>
+    <dgm:style>
+      <a:lnRef idx="2">
+        <a:scrgbClr r="0" g="0" b="0"/>
+      </a:lnRef>
+      <a:fillRef idx="1">
+        <a:scrgbClr r="0" g="0" b="0"/>
+      </a:fillRef>
+      <a:effectRef idx="0">
+        <a:scrgbClr r="0" g="0" b="0"/>
+      </a:effectRef>
+      <a:fontRef idx="minor">
+        <a:schemeClr val="lt1"/>
+      </a:fontRef>
+    </dgm:style>
+  </dgm:styleLbl>
+  <dgm:styleLbl name="node3">
+    <dgm:scene3d>
+      <a:camera prst="orthographicFront"/>
+      <a:lightRig rig="threePt" dir="t"/>
+    </dgm:scene3d>
+    <dgm:sp3d/>
+    <dgm:txPr/>
+    <dgm:style>
+      <a:lnRef idx="2">
+        <a:scrgbClr r="0" g="0" b="0"/>
+      </a:lnRef>
+      <a:fillRef idx="1">
+        <a:scrgbClr r="0" g="0" b="0"/>
+      </a:fillRef>
+      <a:effectRef idx="0">
+        <a:scrgbClr r="0" g="0" b="0"/>
+      </a:effectRef>
+      <a:fontRef idx="minor">
+        <a:schemeClr val="lt1"/>
+      </a:fontRef>
+    </dgm:style>
+  </dgm:styleLbl>
+  <dgm:styleLbl name="node4">
+    <dgm:scene3d>
+      <a:camera prst="orthographicFront"/>
+      <a:lightRig rig="threePt" dir="t"/>
+    </dgm:scene3d>
+    <dgm:sp3d/>
+    <dgm:txPr/>
+    <dgm:style>
+      <a:lnRef idx="2">
+        <a:scrgbClr r="0" g="0" b="0"/>
+      </a:lnRef>
+      <a:fillRef idx="1">
+        <a:scrgbClr r="0" g="0" b="0"/>
+      </a:fillRef>
+      <a:effectRef idx="0">
+        <a:scrgbClr r="0" g="0" b="0"/>
+      </a:effectRef>
+      <a:fontRef idx="minor">
+        <a:schemeClr val="lt1"/>
+      </a:fontRef>
+    </dgm:style>
+  </dgm:styleLbl>
+  <dgm:styleLbl name="fgImgPlace1">
+    <dgm:scene3d>
+      <a:camera prst="orthographicFront"/>
+      <a:lightRig rig="threePt" dir="t"/>
+    </dgm:scene3d>
+    <dgm:sp3d/>
+    <dgm:txPr/>
+    <dgm:style>
+      <a:lnRef idx="2">
+        <a:scrgbClr r="0" g="0" b="0"/>
+      </a:lnRef>
+      <a:fillRef idx="1">
+        <a:scrgbClr r="0" g="0" b="0"/>
+      </a:fillRef>
+      <a:effectRef idx="0">
+        <a:scrgbClr r="0" g="0" b="0"/>
+      </a:effectRef>
+      <a:fontRef idx="minor"/>
+    </dgm:style>
+  </dgm:styleLbl>
+  <dgm:styleLbl name="alignImgPlace1">
+    <dgm:scene3d>
+      <a:camera prst="orthographicFront"/>
+      <a:lightRig rig="threePt" dir="t"/>
+    </dgm:scene3d>
+    <dgm:sp3d/>
+    <dgm:txPr/>
+    <dgm:style>
+      <a:lnRef idx="2">
+        <a:scrgbClr r="0" g="0" b="0"/>
+      </a:lnRef>
+      <a:fillRef idx="1">
+        <a:scrgbClr r="0" g="0" b="0"/>
+      </a:fillRef>
+      <a:effectRef idx="0">
+        <a:scrgbClr r="0" g="0" b="0"/>
+      </a:effectRef>
+      <a:fontRef idx="minor"/>
+    </dgm:style>
+  </dgm:styleLbl>
+  <dgm:styleLbl name="bgImgPlace1">
+    <dgm:scene3d>
+      <a:camera prst="orthographicFront"/>
+      <a:lightRig rig="threePt" dir="t"/>
+    </dgm:scene3d>
+    <dgm:sp3d/>
+    <dgm:txPr/>
+    <dgm:style>
+      <a:lnRef idx="2">
+        <a:scrgbClr r="0" g="0" b="0"/>
+      </a:lnRef>
+      <a:fillRef idx="1">
+        <a:scrgbClr r="0" g="0" b="0"/>
+      </a:fillRef>
+      <a:effectRef idx="0">
+        <a:scrgbClr r="0" g="0" b="0"/>
+      </a:effectRef>
+      <a:fontRef idx="minor"/>
+    </dgm:style>
+  </dgm:styleLbl>
+  <dgm:styleLbl name="sibTrans2D1">
+    <dgm:scene3d>
+      <a:camera prst="orthographicFront"/>
+      <a:lightRig rig="threePt" dir="t"/>
+    </dgm:scene3d>
+    <dgm:sp3d/>
+    <dgm:txPr/>
+    <dgm:style>
+      <a:lnRef idx="0">
+        <a:scrgbClr r="0" g="0" b="0"/>
+      </a:lnRef>
+      <a:fillRef idx="1">
+        <a:scrgbClr r="0" g="0" b="0"/>
+      </a:fillRef>
+      <a:effectRef idx="0">
+        <a:scrgbClr r="0" g="0" b="0"/>
+      </a:effectRef>
+      <a:fontRef idx="minor">
+        <a:schemeClr val="lt1"/>
+      </a:fontRef>
+    </dgm:style>
+  </dgm:styleLbl>
+  <dgm:styleLbl name="fgSibTrans2D1">
+    <dgm:scene3d>
+      <a:camera prst="orthographicFront"/>
+      <a:lightRig rig="threePt" dir="t"/>
+    </dgm:scene3d>
+    <dgm:sp3d/>
+    <dgm:txPr/>
+    <dgm:style>
+      <a:lnRef idx="0">
+        <a:scrgbClr r="0" g="0" b="0"/>
+      </a:lnRef>
+      <a:fillRef idx="1">
+        <a:scrgbClr r="0" g="0" b="0"/>
+      </a:fillRef>
+      <a:effectRef idx="0">
+        <a:scrgbClr r="0" g="0" b="0"/>
+      </a:effectRef>
+      <a:fontRef idx="minor">
+        <a:schemeClr val="lt1"/>
+      </a:fontRef>
+    </dgm:style>
+  </dgm:styleLbl>
+  <dgm:styleLbl name="bgSibTrans2D1">
+    <dgm:scene3d>
+      <a:camera prst="orthographicFront"/>
+      <a:lightRig rig="threePt" dir="t"/>
+    </dgm:scene3d>
+    <dgm:sp3d/>
+    <dgm:txPr/>
+    <dgm:style>
+      <a:lnRef idx="0">
+        <a:scrgbClr r="0" g="0" b="0"/>
+      </a:lnRef>
+      <a:fillRef idx="1">
+        <a:scrgbClr r="0" g="0" b="0"/>
+      </a:fillRef>
+      <a:effectRef idx="0">
+        <a:scrgbClr r="0" g="0" b="0"/>
+      </a:effectRef>
+      <a:fontRef idx="minor">
+        <a:schemeClr val="lt1"/>
+      </a:fontRef>
+    </dgm:style>
+  </dgm:styleLbl>
+  <dgm:styleLbl name="sibTrans1D1">
+    <dgm:scene3d>
+      <a:camera prst="orthographicFront"/>
+      <a:lightRig rig="threePt" dir="t"/>
+    </dgm:scene3d>
+    <dgm:sp3d/>
+    <dgm:txPr/>
+    <dgm:style>
+      <a:lnRef idx="1">
+        <a:scrgbClr r="0" g="0" b="0"/>
+      </a:lnRef>
+      <a:fillRef idx="0">
+        <a:scrgbClr r="0" g="0" b="0"/>
+      </a:fillRef>
+      <a:effectRef idx="0">
+        <a:scrgbClr r="0" g="0" b="0"/>
+      </a:effectRef>
+      <a:fontRef idx="minor"/>
+    </dgm:style>
+  </dgm:styleLbl>
+  <dgm:styleLbl name="callout">
+    <dgm:scene3d>
+      <a:camera prst="orthographicFront"/>
+      <a:lightRig rig="threePt" dir="t"/>
+    </dgm:scene3d>
+    <dgm:sp3d/>
+    <dgm:txPr/>
+    <dgm:style>
+      <a:lnRef idx="2">
+        <a:scrgbClr r="0" g="0" b="0"/>
+      </a:lnRef>
+      <a:fillRef idx="1">
+        <a:scrgbClr r="0" g="0" b="0"/>
+      </a:fillRef>
+      <a:effectRef idx="0">
+        <a:scrgbClr r="0" g="0" b="0"/>
+      </a:effectRef>
+      <a:fontRef idx="minor"/>
+    </dgm:style>
+  </dgm:styleLbl>
+  <dgm:styleLbl name="asst0">
+    <dgm:scene3d>
+      <a:camera prst="orthographicFront"/>
+      <a:lightRig rig="threePt" dir="t"/>
+    </dgm:scene3d>
+    <dgm:sp3d/>
+    <dgm:txPr/>
+    <dgm:style>
+      <a:lnRef idx="2">
+        <a:scrgbClr r="0" g="0" b="0"/>
+      </a:lnRef>
+      <a:fillRef idx="1">
+        <a:scrgbClr r="0" g="0" b="0"/>
+      </a:fillRef>
+      <a:effectRef idx="0">
+        <a:scrgbClr r="0" g="0" b="0"/>
+      </a:effectRef>
+      <a:fontRef idx="minor">
+        <a:schemeClr val="lt1"/>
+      </a:fontRef>
+    </dgm:style>
+  </dgm:styleLbl>
+  <dgm:styleLbl name="asst1">
+    <dgm:scene3d>
+      <a:camera prst="orthographicFront"/>
+      <a:lightRig rig="threePt" dir="t"/>
+    </dgm:scene3d>
+    <dgm:sp3d/>
+    <dgm:txPr/>
+    <dgm:style>
+      <a:lnRef idx="2">
+        <a:scrgbClr r="0" g="0" b="0"/>
+      </a:lnRef>
+      <a:fillRef idx="1">
+        <a:scrgbClr r="0" g="0" b="0"/>
+      </a:fillRef>
+      <a:effectRef idx="0">
+        <a:scrgbClr r="0" g="0" b="0"/>
+      </a:effectRef>
+      <a:fontRef idx="minor">
+        <a:schemeClr val="lt1"/>
+      </a:fontRef>
+    </dgm:style>
+  </dgm:styleLbl>
+  <dgm:styleLbl name="asst2">
+    <dgm:scene3d>
+      <a:camera prst="orthographicFront"/>
+      <a:lightRig rig="threePt" dir="t"/>
+    </dgm:scene3d>
+    <dgm:sp3d/>
+    <dgm:txPr/>
+    <dgm:style>
+      <a:lnRef idx="2">
+        <a:scrgbClr r="0" g="0" b="0"/>
+      </a:lnRef>
+      <a:fillRef idx="1">
+        <a:scrgbClr r="0" g="0" b="0"/>
+      </a:fillRef>
+      <a:effectRef idx="0">
+        <a:scrgbClr r="0" g="0" b="0"/>
+      </a:effectRef>
+      <a:fontRef idx="minor">
+        <a:schemeClr val="lt1"/>
+      </a:fontRef>
+    </dgm:style>
+  </dgm:styleLbl>
+  <dgm:styleLbl name="asst3">
+    <dgm:scene3d>
+      <a:camera prst="orthographicFront"/>
+      <a:lightRig rig="threePt" dir="t"/>
+    </dgm:scene3d>
+    <dgm:sp3d/>
+    <dgm:txPr/>
+    <dgm:style>
+      <a:lnRef idx="2">
+        <a:scrgbClr r="0" g="0" b="0"/>
+      </a:lnRef>
+      <a:fillRef idx="1">
+        <a:scrgbClr r="0" g="0" b="0"/>
+      </a:fillRef>
+      <a:effectRef idx="0">
+        <a:scrgbClr r="0" g="0" b="0"/>
+      </a:effectRef>
+      <a:fontRef idx="minor">
+        <a:schemeClr val="lt1"/>
+      </a:fontRef>
+    </dgm:style>
+  </dgm:styleLbl>
+  <dgm:styleLbl name="asst4">
+    <dgm:scene3d>
+      <a:camera prst="orthographicFront"/>
+      <a:lightRig rig="threePt" dir="t"/>
+    </dgm:scene3d>
+    <dgm:sp3d/>
+    <dgm:txPr/>
+    <dgm:style>
+      <a:lnRef idx="2">
+        <a:scrgbClr r="0" g="0" b="0"/>
+      </a:lnRef>
+      <a:fillRef idx="1">
+        <a:scrgbClr r="0" g="0" b="0"/>
+      </a:fillRef>
+      <a:effectRef idx="0">
+        <a:scrgbClr r="0" g="0" b="0"/>
+      </a:effectRef>
+      <a:fontRef idx="minor">
+        <a:schemeClr val="lt1"/>
+      </a:fontRef>
+    </dgm:style>
+  </dgm:styleLbl>
+  <dgm:styleLbl name="parChTrans2D1">
+    <dgm:scene3d>
+      <a:camera prst="orthographicFront"/>
+      <a:lightRig rig="threePt" dir="t"/>
+    </dgm:scene3d>
+    <dgm:sp3d/>
+    <dgm:txPr/>
+    <dgm:style>
+      <a:lnRef idx="2">
+        <a:scrgbClr r="0" g="0" b="0"/>
+      </a:lnRef>
+      <a:fillRef idx="1">
+        <a:scrgbClr r="0" g="0" b="0"/>
+      </a:fillRef>
+      <a:effectRef idx="0">
+        <a:scrgbClr r="0" g="0" b="0"/>
+      </a:effectRef>
+      <a:fontRef idx="minor">
+        <a:schemeClr val="lt1"/>
+      </a:fontRef>
+    </dgm:style>
+  </dgm:styleLbl>
+  <dgm:styleLbl name="parChTrans2D2">
+    <dgm:scene3d>
+      <a:camera prst="orthographicFront"/>
+      <a:lightRig rig="threePt" dir="t"/>
+    </dgm:scene3d>
+    <dgm:sp3d/>
+    <dgm:txPr/>
+    <dgm:style>
+      <a:lnRef idx="2">
+        <a:scrgbClr r="0" g="0" b="0"/>
+      </a:lnRef>
+      <a:fillRef idx="1">
+        <a:scrgbClr r="0" g="0" b="0"/>
+      </a:fillRef>
+      <a:effectRef idx="0">
+        <a:scrgbClr r="0" g="0" b="0"/>
+      </a:effectRef>
+      <a:fontRef idx="minor">
+        <a:schemeClr val="lt1"/>
+      </a:fontRef>
+    </dgm:style>
+  </dgm:styleLbl>
+  <dgm:styleLbl name="parChTrans2D3">
+    <dgm:scene3d>
+      <a:camera prst="orthographicFront"/>
+      <a:lightRig rig="threePt" dir="t"/>
+    </dgm:scene3d>
+    <dgm:sp3d/>
+    <dgm:txPr/>
+    <dgm:style>
+      <a:lnRef idx="2">
+        <a:scrgbClr r="0" g="0" b="0"/>
+      </a:lnRef>
+      <a:fillRef idx="1">
+        <a:scrgbClr r="0" g="0" b="0"/>
+      </a:fillRef>
+      <a:effectRef idx="0">
+        <a:scrgbClr r="0" g="0" b="0"/>
+      </a:effectRef>
+      <a:fontRef idx="minor">
+        <a:schemeClr val="lt1"/>
+      </a:fontRef>
+    </dgm:style>
+  </dgm:styleLbl>
+  <dgm:styleLbl name="parChTrans2D4">
+    <dgm:scene3d>
+      <a:camera prst="orthographicFront"/>
+      <a:lightRig rig="threePt" dir="t"/>
+    </dgm:scene3d>
+    <dgm:sp3d/>
+    <dgm:txPr/>
+    <dgm:style>
+      <a:lnRef idx="2">
+        <a:scrgbClr r="0" g="0" b="0"/>
+      </a:lnRef>
+      <a:fillRef idx="1">
+        <a:scrgbClr r="0" g="0" b="0"/>
+      </a:fillRef>
+      <a:effectRef idx="0">
+        <a:scrgbClr r="0" g="0" b="0"/>
+      </a:effectRef>
+      <a:fontRef idx="minor">
+        <a:schemeClr val="lt1"/>
+      </a:fontRef>
+    </dgm:style>
+  </dgm:styleLbl>
+  <dgm:styleLbl name="parChTrans1D1">
+    <dgm:scene3d>
+      <a:camera prst="orthographicFront"/>
+      <a:lightRig rig="threePt" dir="t"/>
+    </dgm:scene3d>
+    <dgm:sp3d/>
+    <dgm:txPr/>
+    <dgm:style>
+      <a:lnRef idx="2">
+        <a:scrgbClr r="0" g="0" b="0"/>
+      </a:lnRef>
+      <a:fillRef idx="0">
+        <a:scrgbClr r="0" g="0" b="0"/>
+      </a:fillRef>
+      <a:effectRef idx="0">
+        <a:scrgbClr r="0" g="0" b="0"/>
+      </a:effectRef>
+      <a:fontRef idx="minor"/>
+    </dgm:style>
+  </dgm:styleLbl>
+  <dgm:styleLbl name="parChTrans1D2">
+    <dgm:scene3d>
+      <a:camera prst="orthographicFront"/>
+      <a:lightRig rig="threePt" dir="t"/>
+    </dgm:scene3d>
+    <dgm:sp3d/>
+    <dgm:txPr/>
+    <dgm:style>
+      <a:lnRef idx="2">
+        <a:scrgbClr r="0" g="0" b="0"/>
+      </a:lnRef>
+      <a:fillRef idx="0">
+        <a:scrgbClr r="0" g="0" b="0"/>
+      </a:fillRef>
+      <a:effectRef idx="0">
+        <a:scrgbClr r="0" g="0" b="0"/>
+      </a:effectRef>
+      <a:fontRef idx="minor"/>
+    </dgm:style>
+  </dgm:styleLbl>
+  <dgm:styleLbl name="parChTrans1D3">
+    <dgm:scene3d>
+      <a:camera prst="orthographicFront"/>
+      <a:lightRig rig="threePt" dir="t"/>
+    </dgm:scene3d>
+    <dgm:sp3d/>
+    <dgm:txPr/>
+    <dgm:style>
+      <a:lnRef idx="2">
+        <a:scrgbClr r="0" g="0" b="0"/>
+      </a:lnRef>
+      <a:fillRef idx="0">
+        <a:scrgbClr r="0" g="0" b="0"/>
+      </a:fillRef>
+      <a:effectRef idx="0">
+        <a:scrgbClr r="0" g="0" b="0"/>
+      </a:effectRef>
+      <a:fontRef idx="minor"/>
+    </dgm:style>
+  </dgm:styleLbl>
+  <dgm:styleLbl name="parChTrans1D4">
+    <dgm:scene3d>
+      <a:camera prst="orthographicFront"/>
+      <a:lightRig rig="threePt" dir="t"/>
+    </dgm:scene3d>
+    <dgm:sp3d/>
+    <dgm:txPr/>
+    <dgm:style>
+      <a:lnRef idx="2">
+        <a:scrgbClr r="0" g="0" b="0"/>
+      </a:lnRef>
+      <a:fillRef idx="0">
+        <a:scrgbClr r="0" g="0" b="0"/>
+      </a:fillRef>
+      <a:effectRef idx="0">
+        <a:scrgbClr r="0" g="0" b="0"/>
+      </a:effectRef>
+      <a:fontRef idx="minor"/>
+    </dgm:style>
+  </dgm:styleLbl>
+  <dgm:styleLbl name="fgAcc1">
+    <dgm:scene3d>
+      <a:camera prst="orthographicFront"/>
+      <a:lightRig rig="threePt" dir="t"/>
+    </dgm:scene3d>
+    <dgm:sp3d/>
+    <dgm:txPr/>
+    <dgm:style>
+      <a:lnRef idx="2">
+        <a:scrgbClr r="0" g="0" b="0"/>
+      </a:lnRef>
+      <a:fillRef idx="1">
+        <a:scrgbClr r="0" g="0" b="0"/>
+      </a:fillRef>
+      <a:effectRef idx="0">
+        <a:scrgbClr r="0" g="0" b="0"/>
+      </a:effectRef>
+      <a:fontRef idx="minor"/>
+    </dgm:style>
+  </dgm:styleLbl>
+  <dgm:styleLbl name="conFgAcc1">
+    <dgm:scene3d>
+      <a:camera prst="orthographicFront"/>
+      <a:lightRig rig="threePt" dir="t"/>
+    </dgm:scene3d>
+    <dgm:sp3d/>
+    <dgm:txPr/>
+    <dgm:style>
+      <a:lnRef idx="2">
+        <a:scrgbClr r="0" g="0" b="0"/>
+      </a:lnRef>
+      <a:fillRef idx="1">
+        <a:scrgbClr r="0" g="0" b="0"/>
+      </a:fillRef>
+      <a:effectRef idx="0">
+        <a:scrgbClr r="0" g="0" b="0"/>
+      </a:effectRef>
+      <a:fontRef idx="minor"/>
+    </dgm:style>
+  </dgm:styleLbl>
+  <dgm:styleLbl name="alignAcc1">
+    <dgm:scene3d>
+      <a:camera prst="orthographicFront"/>
+      <a:lightRig rig="threePt" dir="t"/>
+    </dgm:scene3d>
+    <dgm:sp3d/>
+    <dgm:txPr/>
+    <dgm:style>
+      <a:lnRef idx="2">
+        <a:scrgbClr r="0" g="0" b="0"/>
+      </a:lnRef>
+      <a:fillRef idx="1">
+        <a:scrgbClr r="0" g="0" b="0"/>
+      </a:fillRef>
+      <a:effectRef idx="0">
+        <a:scrgbClr r="0" g="0" b="0"/>
+      </a:effectRef>
+      <a:fontRef idx="minor"/>
+    </dgm:style>
+  </dgm:styleLbl>
+  <dgm:styleLbl name="trAlignAcc1">
+    <dgm:scene3d>
+      <a:camera prst="orthographicFront"/>
+      <a:lightRig rig="threePt" dir="t"/>
+    </dgm:scene3d>
+    <dgm:sp3d/>
+    <dgm:txPr/>
+    <dgm:style>
+      <a:lnRef idx="1">
+        <a:scrgbClr r="0" g="0" b="0"/>
+      </a:lnRef>
+      <a:fillRef idx="1">
+        <a:scrgbClr r="0" g="0" b="0"/>
+      </a:fillRef>
+      <a:effectRef idx="0">
+        <a:scrgbClr r="0" g="0" b="0"/>
+      </a:effectRef>
+      <a:fontRef idx="minor"/>
+    </dgm:style>
+  </dgm:styleLbl>
+  <dgm:styleLbl name="bgAcc1">
+    <dgm:scene3d>
+      <a:camera prst="orthographicFront"/>
+      <a:lightRig rig="threePt" dir="t"/>
+    </dgm:scene3d>
+    <dgm:sp3d/>
+    <dgm:txPr/>
+    <dgm:style>
+      <a:lnRef idx="2">
+        <a:scrgbClr r="0" g="0" b="0"/>
+      </a:lnRef>
+      <a:fillRef idx="1">
+        <a:scrgbClr r="0" g="0" b="0"/>
+      </a:fillRef>
+      <a:effectRef idx="0">
+        <a:scrgbClr r="0" g="0" b="0"/>
+      </a:effectRef>
+      <a:fontRef idx="minor"/>
+    </dgm:style>
+  </dgm:styleLbl>
+  <dgm:styleLbl name="solidFgAcc1">
+    <dgm:scene3d>
+      <a:camera prst="orthographicFront"/>
+      <a:lightRig rig="threePt" dir="t"/>
+    </dgm:scene3d>
+    <dgm:sp3d/>
+    <dgm:txPr/>
+    <dgm:style>
+      <a:lnRef idx="2">
+        <a:scrgbClr r="0" g="0" b="0"/>
+      </a:lnRef>
+      <a:fillRef idx="1">
+        <a:scrgbClr r="0" g="0" b="0"/>
+      </a:fillRef>
+      <a:effectRef idx="0">
+        <a:scrgbClr r="0" g="0" b="0"/>
+      </a:effectRef>
+      <a:fontRef idx="minor"/>
+    </dgm:style>
+  </dgm:styleLbl>
+  <dgm:styleLbl name="solidAlignAcc1">
+    <dgm:scene3d>
+      <a:camera prst="orthographicFront"/>
+      <a:lightRig rig="threePt" dir="t"/>
+    </dgm:scene3d>
+    <dgm:sp3d/>
+    <dgm:txPr/>
+    <dgm:style>
+      <a:lnRef idx="2">
+        <a:scrgbClr r="0" g="0" b="0"/>
+      </a:lnRef>
+      <a:fillRef idx="1">
+        <a:scrgbClr r="0" g="0" b="0"/>
+      </a:fillRef>
+      <a:effectRef idx="0">
+        <a:scrgbClr r="0" g="0" b="0"/>
+      </a:effectRef>
+      <a:fontRef idx="minor"/>
+    </dgm:style>
+  </dgm:styleLbl>
+  <dgm:styleLbl name="solidBgAcc1">
+    <dgm:scene3d>
+      <a:camera prst="orthographicFront"/>
+      <a:lightRig rig="threePt" dir="t"/>
+    </dgm:scene3d>
+    <dgm:sp3d/>
+    <dgm:txPr/>
+    <dgm:style>
+      <a:lnRef idx="2">
+        <a:scrgbClr r="0" g="0" b="0"/>
+      </a:lnRef>
+      <a:fillRef idx="1">
+        <a:scrgbClr r="0" g="0" b="0"/>
+      </a:fillRef>
+      <a:effectRef idx="0">
+        <a:scrgbClr r="0" g="0" b="0"/>
+      </a:effectRef>
+      <a:fontRef idx="minor"/>
+    </dgm:style>
+  </dgm:styleLbl>
+  <dgm:styleLbl name="fgAccFollowNode1">
+    <dgm:scene3d>
+      <a:camera prst="orthographicFront"/>
+      <a:lightRig rig="threePt" dir="t"/>
+    </dgm:scene3d>
+    <dgm:sp3d/>
+    <dgm:txPr/>
+    <dgm:style>
+      <a:lnRef idx="2">
+        <a:scrgbClr r="0" g="0" b="0"/>
+      </a:lnRef>
+      <a:fillRef idx="1">
+        <a:scrgbClr r="0" g="0" b="0"/>
+      </a:fillRef>
+      <a:effectRef idx="0">
+        <a:scrgbClr r="0" g="0" b="0"/>
+      </a:effectRef>
+      <a:fontRef idx="minor"/>
+    </dgm:style>
+  </dgm:styleLbl>
+  <dgm:styleLbl name="alignAccFollowNode1">
+    <dgm:scene3d>
+      <a:camera prst="orthographicFront"/>
+      <a:lightRig rig="threePt" dir="t"/>
+    </dgm:scene3d>
+    <dgm:sp3d/>
+    <dgm:txPr/>
+    <dgm:style>
+      <a:lnRef idx="2">
+        <a:scrgbClr r="0" g="0" b="0"/>
+      </a:lnRef>
+      <a:fillRef idx="1">
+        <a:scrgbClr r="0" g="0" b="0"/>
+      </a:fillRef>
+      <a:effectRef idx="0">
+        <a:scrgbClr r="0" g="0" b="0"/>
+      </a:effectRef>
+      <a:fontRef idx="minor"/>
+    </dgm:style>
+  </dgm:styleLbl>
+  <dgm:styleLbl name="bgAccFollowNode1">
+    <dgm:scene3d>
+      <a:camera prst="orthographicFront"/>
+      <a:lightRig rig="threePt" dir="t"/>
+    </dgm:scene3d>
+    <dgm:sp3d/>
+    <dgm:txPr/>
+    <dgm:style>
+      <a:lnRef idx="2">
+        <a:scrgbClr r="0" g="0" b="0"/>
+      </a:lnRef>
+      <a:fillRef idx="1">
+        <a:scrgbClr r="0" g="0" b="0"/>
+      </a:fillRef>
+      <a:effectRef idx="0">
+        <a:scrgbClr r="0" g="0" b="0"/>
+      </a:effectRef>
+      <a:fontRef idx="minor"/>
+    </dgm:style>
+  </dgm:styleLbl>
+  <dgm:styleLbl name="fgAcc0">
+    <dgm:scene3d>
+      <a:camera prst="orthographicFront"/>
+      <a:lightRig rig="threePt" dir="t"/>
+    </dgm:scene3d>
+    <dgm:sp3d/>
+    <dgm:txPr/>
+    <dgm:style>
+      <a:lnRef idx="2">
+        <a:scrgbClr r="0" g="0" b="0"/>
+      </a:lnRef>
+      <a:fillRef idx="1">
+        <a:scrgbClr r="0" g="0" b="0"/>
+      </a:fillRef>
+      <a:effectRef idx="0">
+        <a:scrgbClr r="0" g="0" b="0"/>
+      </a:effectRef>
+      <a:fontRef idx="minor"/>
+    </dgm:style>
+  </dgm:styleLbl>
+  <dgm:styleLbl name="fgAcc2">
+    <dgm:scene3d>
+      <a:camera prst="orthographicFront"/>
+      <a:lightRig rig="threePt" dir="t"/>
+    </dgm:scene3d>
+    <dgm:sp3d/>
+    <dgm:txPr/>
+    <dgm:style>
+      <a:lnRef idx="2">
+        <a:scrgbClr r="0" g="0" b="0"/>
+      </a:lnRef>
+      <a:fillRef idx="1">
+        <a:scrgbClr r="0" g="0" b="0"/>
+      </a:fillRef>
+      <a:effectRef idx="0">
+        <a:scrgbClr r="0" g="0" b="0"/>
+      </a:effectRef>
+      <a:fontRef idx="minor"/>
+    </dgm:style>
+  </dgm:styleLbl>
+  <dgm:styleLbl name="fgAcc3">
+    <dgm:scene3d>
+      <a:camera prst="orthographicFront"/>
+      <a:lightRig rig="threePt" dir="t"/>
+    </dgm:scene3d>
+    <dgm:sp3d/>
+    <dgm:txPr/>
+    <dgm:style>
+      <a:lnRef idx="2">
+        <a:scrgbClr r="0" g="0" b="0"/>
+      </a:lnRef>
+      <a:fillRef idx="1">
+        <a:scrgbClr r="0" g="0" b="0"/>
+      </a:fillRef>
+      <a:effectRef idx="0">
+        <a:scrgbClr r="0" g="0" b="0"/>
+      </a:effectRef>
+      <a:fontRef idx="minor"/>
+    </dgm:style>
+  </dgm:styleLbl>
+  <dgm:styleLbl name="fgAcc4">
+    <dgm:scene3d>
+      <a:camera prst="orthographicFront"/>
+      <a:lightRig rig="threePt" dir="t"/>
+    </dgm:scene3d>
+    <dgm:sp3d/>
+    <dgm:txPr/>
+    <dgm:style>
+      <a:lnRef idx="2">
+        <a:scrgbClr r="0" g="0" b="0"/>
+      </a:lnRef>
+      <a:fillRef idx="1">
+        <a:scrgbClr r="0" g="0" b="0"/>
+      </a:fillRef>
+      <a:effectRef idx="0">
+        <a:scrgbClr r="0" g="0" b="0"/>
+      </a:effectRef>
+      <a:fontRef idx="minor"/>
+    </dgm:style>
+  </dgm:styleLbl>
+  <dgm:styleLbl name="bgShp">
+    <dgm:scene3d>
+      <a:camera prst="orthographicFront"/>
+      <a:lightRig rig="threePt" dir="t"/>
+    </dgm:scene3d>
+    <dgm:sp3d/>
+    <dgm:txPr/>
+    <dgm:style>
+      <a:lnRef idx="0">
+        <a:scrgbClr r="0" g="0" b="0"/>
+      </a:lnRef>
+      <a:fillRef idx="1">
+        <a:scrgbClr r="0" g="0" b="0"/>
+      </a:fillRef>
+      <a:effectRef idx="0">
+        <a:scrgbClr r="0" g="0" b="0"/>
+      </a:effectRef>
+      <a:fontRef idx="minor"/>
+    </dgm:style>
+  </dgm:styleLbl>
+  <dgm:styleLbl name="dkBgShp">
+    <dgm:scene3d>
+      <a:camera prst="orthographicFront"/>
+      <a:lightRig rig="threePt" dir="t"/>
+    </dgm:scene3d>
+    <dgm:sp3d/>
+    <dgm:txPr/>
+    <dgm:style>
+      <a:lnRef idx="0">
+        <a:scrgbClr r="0" g="0" b="0"/>
+      </a:lnRef>
+      <a:fillRef idx="1">
+        <a:scrgbClr r="0" g="0" b="0"/>
+      </a:fillRef>
+      <a:effectRef idx="0">
+        <a:scrgbClr r="0" g="0" b="0"/>
+      </a:effectRef>
+      <a:fontRef idx="minor"/>
+    </dgm:style>
+  </dgm:styleLbl>
+  <dgm:styleLbl name="trBgShp">
+    <dgm:scene3d>
+      <a:camera prst="orthographicFront"/>
+      <a:lightRig rig="threePt" dir="t"/>
+    </dgm:scene3d>
+    <dgm:sp3d/>
+    <dgm:txPr/>
+    <dgm:style>
+      <a:lnRef idx="0">
+        <a:scrgbClr r="0" g="0" b="0"/>
+      </a:lnRef>
+      <a:fillRef idx="1">
+        <a:scrgbClr r="0" g="0" b="0"/>
+      </a:fillRef>
+      <a:effectRef idx="0">
+        <a:scrgbClr r="0" g="0" b="0"/>
+      </a:effectRef>
+      <a:fontRef idx="minor"/>
+    </dgm:style>
+  </dgm:styleLbl>
+  <dgm:styleLbl name="fgShp">
+    <dgm:scene3d>
+      <a:camera prst="orthographicFront"/>
+      <a:lightRig rig="threePt" dir="t"/>
+    </dgm:scene3d>
+    <dgm:sp3d/>
+    <dgm:txPr/>
+    <dgm:style>
+      <a:lnRef idx="2">
+        <a:scrgbClr r="0" g="0" b="0"/>
+      </a:lnRef>
+      <a:fillRef idx="1">
+        <a:scrgbClr r="0" g="0" b="0"/>
+      </a:fillRef>
+      <a:effectRef idx="0">
+        <a:scrgbClr r="0" g="0" b="0"/>
+      </a:effectRef>
+      <a:fontRef idx="minor"/>
+    </dgm:style>
+  </dgm:styleLbl>
+  <dgm:styleLbl name="revTx">
+    <dgm:scene3d>
+      <a:camera prst="orthographicFront"/>
+      <a:lightRig rig="threePt" dir="t"/>
+    </dgm:scene3d>
+    <dgm:sp3d/>
+    <dgm:txPr/>
+    <dgm:style>
+      <a:lnRef idx="0">
+        <a:scrgbClr r="0" g="0" b="0"/>
+      </a:lnRef>
+      <a:fillRef idx="0">
+        <a:scrgbClr r="0" g="0" b="0"/>
+      </a:fillRef>
+      <a:effectRef idx="0">
+        <a:scrgbClr r="0" g="0" b="0"/>
+      </a:effectRef>
+      <a:fontRef idx="minor"/>
+    </dgm:style>
+  </dgm:styleLbl>
+</dgm:styleDef>
+</file>
+
 <file path=ppt/slideLayouts/slideLayout1.xml><?xml version="1.0" encoding="utf-8"?>
 <p:sldLayout xmlns:a="http://schemas.openxmlformats.org/drawingml/2006/main" xmlns:r="http://schemas.openxmlformats.org/officeDocument/2006/relationships" xmlns:p="http://schemas.openxmlformats.org/presentationml/2006/main" type="title" preserve="1">
   <p:cSld name="Title Slide">
@@ -364,7 +3214,7 @@
           <a:p>
             <a:fld id="{ED291B17-9318-49DB-B28B-6E5994AE9581}" type="datetime1">
               <a:rPr lang="en-US" smtClean="0"/>
-              <a:t>10/12/2024</a:t>
+              <a:t>10/15/2024</a:t>
             </a:fld>
             <a:endParaRPr lang="en-US" dirty="0"/>
           </a:p>
@@ -567,7 +3417,7 @@
           <a:p>
             <a:fld id="{2CED4963-E985-44C4-B8C4-FDD613B7C2F8}" type="datetime1">
               <a:rPr lang="en-US" smtClean="0"/>
-              <a:t>10/12/2024</a:t>
+              <a:t>10/15/2024</a:t>
             </a:fld>
             <a:endParaRPr lang="en-US" dirty="0"/>
           </a:p>
@@ -929,7 +3779,7 @@
           <a:p>
             <a:fld id="{ED291B17-9318-49DB-B28B-6E5994AE9581}" type="datetime1">
               <a:rPr lang="en-US" smtClean="0"/>
-              <a:t>10/12/2024</a:t>
+              <a:t>10/15/2024</a:t>
             </a:fld>
             <a:endParaRPr lang="en-US" dirty="0"/>
           </a:p>
@@ -1127,7 +3977,7 @@
           <a:p>
             <a:fld id="{78DD82B9-B8EE-4375-B6FF-88FA6ABB15D9}" type="datetime1">
               <a:rPr lang="en-US" smtClean="0"/>
-              <a:t>10/12/2024</a:t>
+              <a:t>10/15/2024</a:t>
             </a:fld>
             <a:endParaRPr lang="en-US" dirty="0"/>
           </a:p>
@@ -1439,7 +4289,7 @@
           <a:p>
             <a:fld id="{B2497495-0637-405E-AE64-5CC7506D51F5}" type="datetime1">
               <a:rPr lang="en-US" smtClean="0"/>
-              <a:t>10/12/2024</a:t>
+              <a:t>10/15/2024</a:t>
             </a:fld>
             <a:endParaRPr lang="en-US" dirty="0"/>
           </a:p>
@@ -1692,7 +4542,7 @@
           <a:p>
             <a:fld id="{7BFFD690-9426-415D-8B65-26881E07B2D4}" type="datetime1">
               <a:rPr lang="en-US" smtClean="0"/>
-              <a:t>10/12/2024</a:t>
+              <a:t>10/15/2024</a:t>
             </a:fld>
             <a:endParaRPr lang="en-US" dirty="0"/>
           </a:p>
@@ -2114,7 +4964,7 @@
           <a:p>
             <a:fld id="{04C4989A-474C-40DE-95B9-011C28B71673}" type="datetime1">
               <a:rPr lang="en-US" smtClean="0"/>
-              <a:t>10/12/2024</a:t>
+              <a:t>10/15/2024</a:t>
             </a:fld>
             <a:endParaRPr lang="en-US" dirty="0"/>
           </a:p>
@@ -2237,7 +5087,7 @@
           <a:p>
             <a:fld id="{5DB4ED54-5B5E-4A04-93D3-5772E3CE3818}" type="datetime1">
               <a:rPr lang="en-US" smtClean="0"/>
-              <a:t>10/12/2024</a:t>
+              <a:t>10/15/2024</a:t>
             </a:fld>
             <a:endParaRPr lang="en-US" dirty="0"/>
           </a:p>
@@ -2332,7 +5182,7 @@
           <a:p>
             <a:fld id="{4EDE50D6-574B-40AF-946F-D52A04ADE379}" type="datetime1">
               <a:rPr lang="en-US" smtClean="0"/>
-              <a:t>10/12/2024</a:t>
+              <a:t>10/15/2024</a:t>
             </a:fld>
             <a:endParaRPr lang="en-US" dirty="0"/>
           </a:p>
@@ -2709,7 +5559,7 @@
           <a:p>
             <a:fld id="{D82884F1-FFEA-405F-9602-3DCA865EDA4E}" type="datetime1">
               <a:rPr lang="en-US" smtClean="0"/>
-              <a:t>10/12/2024</a:t>
+              <a:t>10/15/2024</a:t>
             </a:fld>
             <a:endParaRPr lang="en-US" dirty="0"/>
           </a:p>
@@ -3002,7 +5852,7 @@
           <a:p>
             <a:fld id="{7E18DB4A-8810-4A10-AD5C-D5E2C667F5B3}" type="datetime1">
               <a:rPr lang="en-US" smtClean="0"/>
-              <a:t>10/12/2024</a:t>
+              <a:t>10/15/2024</a:t>
             </a:fld>
             <a:endParaRPr lang="en-US" dirty="0"/>
           </a:p>
@@ -3217,7 +6067,7 @@
           <a:p>
             <a:fld id="{ED291B17-9318-49DB-B28B-6E5994AE9581}" type="datetime1">
               <a:rPr lang="en-US" smtClean="0"/>
-              <a:t>10/12/2024</a:t>
+              <a:t>10/15/2024</a:t>
             </a:fld>
             <a:endParaRPr lang="en-US" dirty="0"/>
           </a:p>
@@ -3869,41 +6719,12 @@
           <a:chExt cx="0" cy="0"/>
         </a:xfrm>
       </p:grpSpPr>
-      <p:pic>
-        <p:nvPicPr>
-          <p:cNvPr id="4" name="Picture 3" descr="Colorful leaf patterns">
+      <p:sp>
+        <p:nvSpPr>
+          <p:cNvPr id="25" name="Rectangle 24">
             <a:extLst>
               <a:ext uri="{FF2B5EF4-FFF2-40B4-BE49-F238E27FC236}">
-                <a16:creationId xmlns:a16="http://schemas.microsoft.com/office/drawing/2014/main" id="{BE8120AD-8C67-C2DE-755A-809AC1A107C5}"/>
-              </a:ext>
-            </a:extLst>
-          </p:cNvPr>
-          <p:cNvPicPr>
-            <a:picLocks noChangeAspect="1"/>
-          </p:cNvPicPr>
-          <p:nvPr/>
-        </p:nvPicPr>
-        <p:blipFill>
-          <a:blip r:embed="rId2"/>
-          <a:srcRect t="5753" b="13890"/>
-          <a:stretch/>
-        </p:blipFill>
-        <p:spPr>
-          <a:xfrm>
-            <a:off x="-3047" y="10"/>
-            <a:ext cx="12191999" cy="6857990"/>
-          </a:xfrm>
-          <a:prstGeom prst="rect">
-            <a:avLst/>
-          </a:prstGeom>
-        </p:spPr>
-      </p:pic>
-      <p:sp>
-        <p:nvSpPr>
-          <p:cNvPr id="18" name="Rectangle 17">
-            <a:extLst>
-              <a:ext uri="{FF2B5EF4-FFF2-40B4-BE49-F238E27FC236}">
-                <a16:creationId xmlns:a16="http://schemas.microsoft.com/office/drawing/2014/main" id="{007891EC-4501-44ED-A8C8-B11B6DB767AB}"/>
+                <a16:creationId xmlns:a16="http://schemas.microsoft.com/office/drawing/2014/main" id="{E08D4B6A-8113-4DFB-B82E-B60CAC8E0A50}"/>
               </a:ext>
               <a:ext uri="{C183D7F6-B498-43B3-948B-1728B52AA6E4}">
                 <adec:decorative xmlns:adec="http://schemas.microsoft.com/office/drawing/2017/decorative" val="1"/>
@@ -3923,33 +6744,15 @@
         </p:nvSpPr>
         <p:spPr>
           <a:xfrm>
-            <a:off x="0" y="2207602"/>
-            <a:ext cx="12191999" cy="3162146"/>
+            <a:off x="0" y="0"/>
+            <a:ext cx="12192000" cy="6858000"/>
           </a:xfrm>
           <a:prstGeom prst="rect">
             <a:avLst/>
           </a:prstGeom>
-          <a:gradFill flip="none" rotWithShape="1">
-            <a:gsLst>
-              <a:gs pos="0">
-                <a:schemeClr val="tx2">
-                  <a:alpha val="0"/>
-                </a:schemeClr>
-              </a:gs>
-              <a:gs pos="50000">
-                <a:schemeClr val="tx2">
-                  <a:alpha val="35000"/>
-                </a:schemeClr>
-              </a:gs>
-              <a:gs pos="100000">
-                <a:schemeClr val="tx2">
-                  <a:alpha val="0"/>
-                </a:schemeClr>
-              </a:gs>
-            </a:gsLst>
-            <a:lin ang="16200000" scaled="1"/>
-            <a:tileRect/>
-          </a:gradFill>
+          <a:solidFill>
+            <a:srgbClr val="FFFFFF"/>
+          </a:solidFill>
           <a:ln>
             <a:noFill/>
           </a:ln>
@@ -3974,120 +6777,55 @@
           <a:bodyPr rtlCol="0" anchor="ctr"/>
           <a:lstStyle/>
           <a:p>
-            <a:pPr algn="ctr"/>
-            <a:endParaRPr lang="en-US"/>
-          </a:p>
-        </p:txBody>
-      </p:sp>
-      <p:sp>
-        <p:nvSpPr>
-          <p:cNvPr id="2" name="Title 1">
+            <a:pPr marL="0" marR="0" lvl="0" indent="0" algn="ctr" defTabSz="457200" rtl="0" eaLnBrk="1" fontAlgn="auto" latinLnBrk="0" hangingPunct="1">
+              <a:lnSpc>
+                <a:spcPct val="100000"/>
+              </a:lnSpc>
+              <a:spcBef>
+                <a:spcPts val="0"/>
+              </a:spcBef>
+              <a:spcAft>
+                <a:spcPts val="0"/>
+              </a:spcAft>
+              <a:buClrTx/>
+              <a:buSzTx/>
+              <a:buFontTx/>
+              <a:buNone/>
+              <a:tabLst/>
+              <a:defRPr/>
+            </a:pPr>
+            <a:endParaRPr kumimoji="0" lang="en-US" sz="1800" b="0" i="0" u="none" strike="noStrike" kern="1200" cap="none" spc="0" normalizeH="0" baseline="0" noProof="0">
+              <a:ln>
+                <a:noFill/>
+              </a:ln>
+              <a:solidFill>
+                <a:prstClr val="white"/>
+              </a:solidFill>
+              <a:effectLst/>
+              <a:uLnTx/>
+              <a:uFillTx/>
+              <a:latin typeface="Gill Sans MT" panose="020B0502020104020203"/>
+              <a:ea typeface="+mn-ea"/>
+              <a:cs typeface="+mn-cs"/>
+            </a:endParaRPr>
+          </a:p>
+        </p:txBody>
+      </p:sp>
+      <p:sp>
+        <p:nvSpPr>
+          <p:cNvPr id="27" name="Rectangle 26">
             <a:extLst>
               <a:ext uri="{FF2B5EF4-FFF2-40B4-BE49-F238E27FC236}">
-                <a16:creationId xmlns:a16="http://schemas.microsoft.com/office/drawing/2014/main" id="{C8B22CAB-6594-EC1E-2723-FE89C12853C7}"/>
+                <a16:creationId xmlns:a16="http://schemas.microsoft.com/office/drawing/2014/main" id="{9822E561-F97C-4CBB-A9A6-A6BF6317BC84}"/>
+              </a:ext>
+              <a:ext uri="{C183D7F6-B498-43B3-948B-1728B52AA6E4}">
+                <adec:decorative xmlns:adec="http://schemas.microsoft.com/office/drawing/2017/decorative" val="1"/>
               </a:ext>
             </a:extLst>
           </p:cNvPr>
           <p:cNvSpPr>
-            <a:spLocks noGrp="1"/>
-          </p:cNvSpPr>
-          <p:nvPr>
-            <p:ph type="ctrTitle"/>
-          </p:nvPr>
-        </p:nvSpPr>
-        <p:spPr>
-          <a:xfrm>
-            <a:off x="643466" y="643467"/>
-            <a:ext cx="10905059" cy="3330353"/>
-          </a:xfrm>
-          <a:effectLst>
-            <a:outerShdw blurRad="50800" dist="38100" dir="2700000" algn="tl" rotWithShape="0">
-              <a:prstClr val="black">
-                <a:alpha val="40000"/>
-              </a:prstClr>
-            </a:outerShdw>
-          </a:effectLst>
-        </p:spPr>
-        <p:txBody>
-          <a:bodyPr>
-            <a:normAutofit/>
-          </a:bodyPr>
-          <a:lstStyle/>
-          <a:p>
-            <a:pPr algn="ctr"/>
-            <a:r>
-              <a:rPr lang="en-US">
-                <a:solidFill>
-                  <a:schemeClr val="bg1"/>
-                </a:solidFill>
-              </a:rPr>
-              <a:t>Graduation &amp; enrollment in metro public schools</a:t>
-            </a:r>
-          </a:p>
-        </p:txBody>
-      </p:sp>
-      <p:sp>
-        <p:nvSpPr>
-          <p:cNvPr id="3" name="Subtitle 2">
-            <a:extLst>
-              <a:ext uri="{FF2B5EF4-FFF2-40B4-BE49-F238E27FC236}">
-                <a16:creationId xmlns:a16="http://schemas.microsoft.com/office/drawing/2014/main" id="{8D27B7E4-9A78-1633-50E7-78EAAB8EDFD9}"/>
-              </a:ext>
-            </a:extLst>
-          </p:cNvPr>
-          <p:cNvSpPr>
-            <a:spLocks noGrp="1"/>
-          </p:cNvSpPr>
-          <p:nvPr>
-            <p:ph type="subTitle" idx="1"/>
-          </p:nvPr>
-        </p:nvSpPr>
-        <p:spPr>
-          <a:xfrm>
-            <a:off x="643466" y="4133135"/>
-            <a:ext cx="10902016" cy="1454510"/>
-          </a:xfrm>
-          <a:effectLst>
-            <a:outerShdw blurRad="50800" dist="38100" dir="2700000" algn="tl" rotWithShape="0">
-              <a:prstClr val="black">
-                <a:alpha val="40000"/>
-              </a:prstClr>
-            </a:outerShdw>
-          </a:effectLst>
-        </p:spPr>
-        <p:txBody>
-          <a:bodyPr>
-            <a:normAutofit/>
-          </a:bodyPr>
-          <a:lstStyle/>
-          <a:p>
-            <a:pPr algn="ctr"/>
-            <a:r>
-              <a:rPr lang="en-US" sz="1800">
-                <a:solidFill>
-                  <a:schemeClr val="bg1"/>
-                </a:solidFill>
-              </a:rPr>
-              <a:t>By erica henley</a:t>
-            </a:r>
-          </a:p>
-        </p:txBody>
-      </p:sp>
-      <p:cxnSp>
-        <p:nvCxnSpPr>
-          <p:cNvPr id="20" name="Straight Connector 19">
-            <a:extLst>
-              <a:ext uri="{FF2B5EF4-FFF2-40B4-BE49-F238E27FC236}">
-                <a16:creationId xmlns:a16="http://schemas.microsoft.com/office/drawing/2014/main" id="{34E5597F-CE67-4085-9548-E6A8036DA3BB}"/>
-              </a:ext>
-              <a:ext uri="{C183D7F6-B498-43B3-948B-1728B52AA6E4}">
-                <adec:decorative xmlns:adec="http://schemas.microsoft.com/office/drawing/2017/decorative" val="1"/>
-              </a:ext>
-            </a:extLst>
-          </p:cNvPr>
-          <p:cNvCxnSpPr>
-            <a:cxnSpLocks noGrp="1" noRot="1" noChangeAspect="1" noMove="1" noResize="1" noEditPoints="1" noAdjustHandles="1" noChangeArrowheads="1" noChangeShapeType="1"/>
-          </p:cNvCxnSpPr>
+            <a:spLocks noGrp="1" noRot="1" noChangeAspect="1" noMove="1" noResize="1" noEditPoints="1" noAdjustHandles="1" noChangeArrowheads="1" noChangeShapeType="1" noTextEdit="1"/>
+          </p:cNvSpPr>
           <p:nvPr>
             <p:extLst>
               <p:ext uri="{386F3935-93C4-4BCD-93E2-E3B085C9AB24}">
@@ -4095,43 +6833,212 @@
               </p:ext>
             </p:extLst>
           </p:nvPr>
-        </p:nvCxnSpPr>
+        </p:nvSpPr>
         <p:spPr>
           <a:xfrm>
-            <a:off x="3393881" y="4035362"/>
-            <a:ext cx="5404237" cy="0"/>
+            <a:off x="0" y="0"/>
+            <a:ext cx="12192000" cy="6858000"/>
           </a:xfrm>
-          <a:prstGeom prst="line">
+          <a:prstGeom prst="rect">
             <a:avLst/>
           </a:prstGeom>
+          <a:solidFill>
+            <a:schemeClr val="bg1">
+              <a:lumMod val="85000"/>
+              <a:lumOff val="15000"/>
+            </a:schemeClr>
+          </a:solidFill>
           <a:ln>
-            <a:solidFill>
-              <a:schemeClr val="bg1"/>
-            </a:solidFill>
+            <a:noFill/>
           </a:ln>
-          <a:effectLst>
-            <a:outerShdw blurRad="50800" dist="38100" dir="2700000" algn="tl" rotWithShape="0">
-              <a:prstClr val="black">
-                <a:alpha val="40000"/>
-              </a:prstClr>
-            </a:outerShdw>
-          </a:effectLst>
+          <a:effectLst/>
         </p:spPr>
         <p:style>
           <a:lnRef idx="1">
             <a:schemeClr val="accent1"/>
           </a:lnRef>
-          <a:fillRef idx="0">
+          <a:fillRef idx="3">
             <a:schemeClr val="accent1"/>
           </a:fillRef>
-          <a:effectRef idx="0">
+          <a:effectRef idx="2">
             <a:schemeClr val="accent1"/>
           </a:effectRef>
           <a:fontRef idx="minor">
-            <a:schemeClr val="tx1"/>
+            <a:schemeClr val="lt1"/>
           </a:fontRef>
         </p:style>
-      </p:cxnSp>
+        <p:txBody>
+          <a:bodyPr/>
+          <a:lstStyle/>
+          <a:p>
+            <a:endParaRPr lang="en-US"/>
+          </a:p>
+        </p:txBody>
+      </p:sp>
+      <p:sp>
+        <p:nvSpPr>
+          <p:cNvPr id="2" name="Title 1">
+            <a:extLst>
+              <a:ext uri="{FF2B5EF4-FFF2-40B4-BE49-F238E27FC236}">
+                <a16:creationId xmlns:a16="http://schemas.microsoft.com/office/drawing/2014/main" id="{C8B22CAB-6594-EC1E-2723-FE89C12853C7}"/>
+              </a:ext>
+            </a:extLst>
+          </p:cNvPr>
+          <p:cNvSpPr>
+            <a:spLocks noGrp="1"/>
+          </p:cNvSpPr>
+          <p:nvPr>
+            <p:ph type="ctrTitle"/>
+          </p:nvPr>
+        </p:nvSpPr>
+        <p:spPr>
+          <a:xfrm>
+            <a:off x="8109235" y="863695"/>
+            <a:ext cx="3511233" cy="3779995"/>
+          </a:xfrm>
+        </p:spPr>
+        <p:txBody>
+          <a:bodyPr anchor="ctr">
+            <a:normAutofit/>
+          </a:bodyPr>
+          <a:lstStyle/>
+          <a:p>
+            <a:r>
+              <a:rPr lang="en-US">
+                <a:solidFill>
+                  <a:schemeClr val="tx1"/>
+                </a:solidFill>
+              </a:rPr>
+              <a:t>Metro Nashville public school data vs Nashville crime rates</a:t>
+            </a:r>
+          </a:p>
+        </p:txBody>
+      </p:sp>
+      <p:sp>
+        <p:nvSpPr>
+          <p:cNvPr id="3" name="Subtitle 2">
+            <a:extLst>
+              <a:ext uri="{FF2B5EF4-FFF2-40B4-BE49-F238E27FC236}">
+                <a16:creationId xmlns:a16="http://schemas.microsoft.com/office/drawing/2014/main" id="{8D27B7E4-9A78-1633-50E7-78EAAB8EDFD9}"/>
+              </a:ext>
+            </a:extLst>
+          </p:cNvPr>
+          <p:cNvSpPr>
+            <a:spLocks noGrp="1"/>
+          </p:cNvSpPr>
+          <p:nvPr>
+            <p:ph type="subTitle" idx="1"/>
+          </p:nvPr>
+        </p:nvSpPr>
+        <p:spPr>
+          <a:xfrm>
+            <a:off x="8109236" y="4739780"/>
+            <a:ext cx="3511233" cy="1147054"/>
+          </a:xfrm>
+        </p:spPr>
+        <p:txBody>
+          <a:bodyPr anchor="t">
+            <a:normAutofit/>
+          </a:bodyPr>
+          <a:lstStyle/>
+          <a:p>
+            <a:r>
+              <a:rPr lang="en-US" sz="2000"/>
+              <a:t>By erica henley</a:t>
+            </a:r>
+          </a:p>
+        </p:txBody>
+      </p:sp>
+      <p:pic>
+        <p:nvPicPr>
+          <p:cNvPr id="4" name="Picture 3" descr="Colorful leaf patterns">
+            <a:extLst>
+              <a:ext uri="{FF2B5EF4-FFF2-40B4-BE49-F238E27FC236}">
+                <a16:creationId xmlns:a16="http://schemas.microsoft.com/office/drawing/2014/main" id="{BE8120AD-8C67-C2DE-755A-809AC1A107C5}"/>
+              </a:ext>
+            </a:extLst>
+          </p:cNvPr>
+          <p:cNvPicPr>
+            <a:picLocks noChangeAspect="1"/>
+          </p:cNvPicPr>
+          <p:nvPr/>
+        </p:nvPicPr>
+        <p:blipFill>
+          <a:blip r:embed="rId2"/>
+          <a:srcRect l="2132" r="20931" b="1"/>
+          <a:stretch/>
+        </p:blipFill>
+        <p:spPr>
+          <a:xfrm>
+            <a:off x="20" y="10"/>
+            <a:ext cx="7537685" cy="6857990"/>
+          </a:xfrm>
+          <a:prstGeom prst="rect">
+            <a:avLst/>
+          </a:prstGeom>
+        </p:spPr>
+      </p:pic>
+      <p:sp>
+        <p:nvSpPr>
+          <p:cNvPr id="29" name="Rectangle 28">
+            <a:extLst>
+              <a:ext uri="{FF2B5EF4-FFF2-40B4-BE49-F238E27FC236}">
+                <a16:creationId xmlns:a16="http://schemas.microsoft.com/office/drawing/2014/main" id="{B01B0E58-A5C8-4CDA-A2E0-35DF94E59857}"/>
+              </a:ext>
+              <a:ext uri="{C183D7F6-B498-43B3-948B-1728B52AA6E4}">
+                <adec:decorative xmlns:adec="http://schemas.microsoft.com/office/drawing/2017/decorative" val="1"/>
+              </a:ext>
+            </a:extLst>
+          </p:cNvPr>
+          <p:cNvSpPr>
+            <a:spLocks noGrp="1" noRot="1" noChangeAspect="1" noMove="1" noResize="1" noEditPoints="1" noAdjustHandles="1" noChangeArrowheads="1" noChangeShapeType="1" noTextEdit="1"/>
+          </p:cNvSpPr>
+          <p:nvPr>
+            <p:extLst>
+              <p:ext uri="{386F3935-93C4-4BCD-93E2-E3B085C9AB24}">
+                <p16:designElem xmlns:p16="http://schemas.microsoft.com/office/powerpoint/2015/main" val="1"/>
+              </p:ext>
+            </p:extLst>
+          </p:nvPr>
+        </p:nvSpPr>
+        <p:spPr>
+          <a:xfrm>
+            <a:off x="8109235" y="457200"/>
+            <a:ext cx="3511233" cy="91439"/>
+          </a:xfrm>
+          <a:prstGeom prst="rect">
+            <a:avLst/>
+          </a:prstGeom>
+          <a:solidFill>
+            <a:schemeClr val="accent1"/>
+          </a:solidFill>
+          <a:ln>
+            <a:noFill/>
+          </a:ln>
+          <a:effectLst/>
+        </p:spPr>
+        <p:style>
+          <a:lnRef idx="1">
+            <a:schemeClr val="accent1"/>
+          </a:lnRef>
+          <a:fillRef idx="3">
+            <a:schemeClr val="accent1"/>
+          </a:fillRef>
+          <a:effectRef idx="2">
+            <a:schemeClr val="accent1"/>
+          </a:effectRef>
+          <a:fontRef idx="minor">
+            <a:schemeClr val="lt1"/>
+          </a:fontRef>
+        </p:style>
+        <p:txBody>
+          <a:bodyPr/>
+          <a:lstStyle/>
+          <a:p>
+            <a:endParaRPr lang="en-US"/>
+          </a:p>
+        </p:txBody>
+      </p:sp>
     </p:spTree>
     <p:extLst>
       <p:ext uri="{BB962C8B-B14F-4D97-AF65-F5344CB8AC3E}">
@@ -4140,7 +7047,7 @@
     </p:extLst>
   </p:cSld>
   <p:clrMapOvr>
-    <a:masterClrMapping/>
+    <a:overrideClrMapping bg1="dk1" tx1="lt1" bg2="dk2" tx2="lt2" accent1="accent1" accent2="accent2" accent3="accent3" accent4="accent4" accent5="accent5" accent6="accent6" hlink="hlink" folHlink="folHlink"/>
   </p:clrMapOvr>
   <p:timing>
     <p:tnLst>
@@ -4287,6 +7194,14 @@
 <file path=ppt/slides/slide10.xml><?xml version="1.0" encoding="utf-8"?>
 <p:sld xmlns:a="http://schemas.openxmlformats.org/drawingml/2006/main" xmlns:r="http://schemas.openxmlformats.org/officeDocument/2006/relationships" xmlns:p="http://schemas.openxmlformats.org/presentationml/2006/main">
   <p:cSld>
+    <p:bg>
+      <p:bgPr>
+        <a:solidFill>
+          <a:schemeClr val="bg1"/>
+        </a:solidFill>
+        <a:effectLst/>
+      </p:bgPr>
+    </p:bg>
     <p:spTree>
       <p:nvGrpSpPr>
         <p:cNvPr id="1" name=""/>
@@ -4303,6 +7218,437 @@
       </p:grpSpPr>
       <p:sp>
         <p:nvSpPr>
+          <p:cNvPr id="95" name="Rectangle 94">
+            <a:extLst>
+              <a:ext uri="{FF2B5EF4-FFF2-40B4-BE49-F238E27FC236}">
+                <a16:creationId xmlns:a16="http://schemas.microsoft.com/office/drawing/2014/main" id="{77F2BB43-1E8B-40A7-9733-9AEE76BFE22A}"/>
+              </a:ext>
+              <a:ext uri="{C183D7F6-B498-43B3-948B-1728B52AA6E4}">
+                <adec:decorative xmlns:adec="http://schemas.microsoft.com/office/drawing/2017/decorative" val="1"/>
+              </a:ext>
+            </a:extLst>
+          </p:cNvPr>
+          <p:cNvSpPr>
+            <a:spLocks noGrp="1" noRot="1" noChangeAspect="1" noMove="1" noResize="1" noEditPoints="1" noAdjustHandles="1" noChangeArrowheads="1" noChangeShapeType="1" noTextEdit="1"/>
+          </p:cNvSpPr>
+          <p:nvPr>
+            <p:extLst>
+              <p:ext uri="{386F3935-93C4-4BCD-93E2-E3B085C9AB24}">
+                <p16:designElem xmlns:p16="http://schemas.microsoft.com/office/powerpoint/2015/main" val="1"/>
+              </p:ext>
+            </p:extLst>
+          </p:nvPr>
+        </p:nvSpPr>
+        <p:spPr>
+          <a:xfrm>
+            <a:off x="446534" y="457200"/>
+            <a:ext cx="3703320" cy="94997"/>
+          </a:xfrm>
+          <a:prstGeom prst="rect">
+            <a:avLst/>
+          </a:prstGeom>
+          <a:solidFill>
+            <a:srgbClr val="465359"/>
+          </a:solidFill>
+          <a:ln>
+            <a:noFill/>
+          </a:ln>
+          <a:effectLst/>
+        </p:spPr>
+        <p:style>
+          <a:lnRef idx="1">
+            <a:schemeClr val="accent1"/>
+          </a:lnRef>
+          <a:fillRef idx="3">
+            <a:schemeClr val="accent1"/>
+          </a:fillRef>
+          <a:effectRef idx="2">
+            <a:schemeClr val="accent1"/>
+          </a:effectRef>
+          <a:fontRef idx="minor">
+            <a:schemeClr val="lt1"/>
+          </a:fontRef>
+        </p:style>
+        <p:txBody>
+          <a:bodyPr/>
+          <a:lstStyle/>
+          <a:p>
+            <a:endParaRPr lang="en-US"/>
+          </a:p>
+        </p:txBody>
+      </p:sp>
+      <p:sp>
+        <p:nvSpPr>
+          <p:cNvPr id="97" name="Rectangle 96">
+            <a:extLst>
+              <a:ext uri="{FF2B5EF4-FFF2-40B4-BE49-F238E27FC236}">
+                <a16:creationId xmlns:a16="http://schemas.microsoft.com/office/drawing/2014/main" id="{2F2499BD-C67D-4CD4-9747-4DCC7EF1FC2F}"/>
+              </a:ext>
+              <a:ext uri="{C183D7F6-B498-43B3-948B-1728B52AA6E4}">
+                <adec:decorative xmlns:adec="http://schemas.microsoft.com/office/drawing/2017/decorative" val="1"/>
+              </a:ext>
+            </a:extLst>
+          </p:cNvPr>
+          <p:cNvSpPr>
+            <a:spLocks noGrp="1" noRot="1" noChangeAspect="1" noMove="1" noResize="1" noEditPoints="1" noAdjustHandles="1" noChangeArrowheads="1" noChangeShapeType="1" noTextEdit="1"/>
+          </p:cNvSpPr>
+          <p:nvPr>
+            <p:extLst>
+              <p:ext uri="{386F3935-93C4-4BCD-93E2-E3B085C9AB24}">
+                <p16:designElem xmlns:p16="http://schemas.microsoft.com/office/powerpoint/2015/main" val="1"/>
+              </p:ext>
+            </p:extLst>
+          </p:nvPr>
+        </p:nvSpPr>
+        <p:spPr>
+          <a:xfrm>
+            <a:off x="8042147" y="453643"/>
+            <a:ext cx="3703320" cy="98554"/>
+          </a:xfrm>
+          <a:prstGeom prst="rect">
+            <a:avLst/>
+          </a:prstGeom>
+          <a:solidFill>
+            <a:srgbClr val="969FA7"/>
+          </a:solidFill>
+          <a:ln>
+            <a:noFill/>
+          </a:ln>
+          <a:effectLst/>
+        </p:spPr>
+        <p:style>
+          <a:lnRef idx="1">
+            <a:schemeClr val="accent1"/>
+          </a:lnRef>
+          <a:fillRef idx="3">
+            <a:schemeClr val="accent1"/>
+          </a:fillRef>
+          <a:effectRef idx="2">
+            <a:schemeClr val="accent1"/>
+          </a:effectRef>
+          <a:fontRef idx="minor">
+            <a:schemeClr val="lt1"/>
+          </a:fontRef>
+        </p:style>
+        <p:txBody>
+          <a:bodyPr/>
+          <a:lstStyle/>
+          <a:p>
+            <a:endParaRPr lang="en-US"/>
+          </a:p>
+        </p:txBody>
+      </p:sp>
+      <p:sp>
+        <p:nvSpPr>
+          <p:cNvPr id="99" name="Rectangle 98">
+            <a:extLst>
+              <a:ext uri="{FF2B5EF4-FFF2-40B4-BE49-F238E27FC236}">
+                <a16:creationId xmlns:a16="http://schemas.microsoft.com/office/drawing/2014/main" id="{80D02CAC-A533-4E24-84A6-B3171E16A274}"/>
+              </a:ext>
+              <a:ext uri="{C183D7F6-B498-43B3-948B-1728B52AA6E4}">
+                <adec:decorative xmlns:adec="http://schemas.microsoft.com/office/drawing/2017/decorative" val="1"/>
+              </a:ext>
+            </a:extLst>
+          </p:cNvPr>
+          <p:cNvSpPr>
+            <a:spLocks noGrp="1" noRot="1" noChangeAspect="1" noMove="1" noResize="1" noEditPoints="1" noAdjustHandles="1" noChangeArrowheads="1" noChangeShapeType="1" noTextEdit="1"/>
+          </p:cNvSpPr>
+          <p:nvPr>
+            <p:extLst>
+              <p:ext uri="{386F3935-93C4-4BCD-93E2-E3B085C9AB24}">
+                <p16:designElem xmlns:p16="http://schemas.microsoft.com/office/powerpoint/2015/main" val="1"/>
+              </p:ext>
+            </p:extLst>
+          </p:nvPr>
+        </p:nvSpPr>
+        <p:spPr>
+          <a:xfrm>
+            <a:off x="4241830" y="457200"/>
+            <a:ext cx="3703320" cy="91440"/>
+          </a:xfrm>
+          <a:prstGeom prst="rect">
+            <a:avLst/>
+          </a:prstGeom>
+          <a:solidFill>
+            <a:schemeClr val="accent1"/>
+          </a:solidFill>
+          <a:ln>
+            <a:noFill/>
+          </a:ln>
+          <a:effectLst/>
+        </p:spPr>
+        <p:style>
+          <a:lnRef idx="1">
+            <a:schemeClr val="accent1"/>
+          </a:lnRef>
+          <a:fillRef idx="3">
+            <a:schemeClr val="accent1"/>
+          </a:fillRef>
+          <a:effectRef idx="2">
+            <a:schemeClr val="accent1"/>
+          </a:effectRef>
+          <a:fontRef idx="minor">
+            <a:schemeClr val="lt1"/>
+          </a:fontRef>
+        </p:style>
+        <p:txBody>
+          <a:bodyPr/>
+          <a:lstStyle/>
+          <a:p>
+            <a:endParaRPr lang="en-US"/>
+          </a:p>
+        </p:txBody>
+      </p:sp>
+      <p:sp>
+        <p:nvSpPr>
+          <p:cNvPr id="101" name="Rectangle 100">
+            <a:extLst>
+              <a:ext uri="{FF2B5EF4-FFF2-40B4-BE49-F238E27FC236}">
+                <a16:creationId xmlns:a16="http://schemas.microsoft.com/office/drawing/2014/main" id="{44DBAF48-B17B-4AA7-9E99-4EC0C9905827}"/>
+              </a:ext>
+              <a:ext uri="{C183D7F6-B498-43B3-948B-1728B52AA6E4}">
+                <adec:decorative xmlns:adec="http://schemas.microsoft.com/office/drawing/2017/decorative" val="1"/>
+              </a:ext>
+            </a:extLst>
+          </p:cNvPr>
+          <p:cNvSpPr>
+            <a:spLocks noGrp="1" noRot="1" noChangeAspect="1" noMove="1" noResize="1" noEditPoints="1" noAdjustHandles="1" noChangeArrowheads="1" noChangeShapeType="1" noTextEdit="1"/>
+          </p:cNvSpPr>
+          <p:nvPr>
+            <p:extLst>
+              <p:ext uri="{386F3935-93C4-4BCD-93E2-E3B085C9AB24}">
+                <p16:designElem xmlns:p16="http://schemas.microsoft.com/office/powerpoint/2015/main" val="1"/>
+              </p:ext>
+            </p:extLst>
+          </p:nvPr>
+        </p:nvSpPr>
+        <p:spPr>
+          <a:xfrm>
+            <a:off x="446534" y="3085764"/>
+            <a:ext cx="11298932" cy="3338149"/>
+          </a:xfrm>
+          <a:prstGeom prst="rect">
+            <a:avLst/>
+          </a:prstGeom>
+          <a:solidFill>
+            <a:srgbClr val="465359"/>
+          </a:solidFill>
+          <a:ln>
+            <a:noFill/>
+          </a:ln>
+          <a:effectLst/>
+        </p:spPr>
+        <p:style>
+          <a:lnRef idx="1">
+            <a:schemeClr val="accent1"/>
+          </a:lnRef>
+          <a:fillRef idx="3">
+            <a:schemeClr val="accent1"/>
+          </a:fillRef>
+          <a:effectRef idx="2">
+            <a:schemeClr val="accent1"/>
+          </a:effectRef>
+          <a:fontRef idx="minor">
+            <a:schemeClr val="lt1"/>
+          </a:fontRef>
+        </p:style>
+        <p:txBody>
+          <a:bodyPr/>
+          <a:lstStyle/>
+          <a:p>
+            <a:endParaRPr lang="en-US"/>
+          </a:p>
+        </p:txBody>
+      </p:sp>
+      <p:pic>
+        <p:nvPicPr>
+          <p:cNvPr id="4" name="Picture 3" descr="A car parked in front of a building&#10;&#10;Description automatically generated">
+            <a:extLst>
+              <a:ext uri="{FF2B5EF4-FFF2-40B4-BE49-F238E27FC236}">
+                <a16:creationId xmlns:a16="http://schemas.microsoft.com/office/drawing/2014/main" id="{104FF15C-54D6-FC4B-8C06-AA2D0023696E}"/>
+              </a:ext>
+            </a:extLst>
+          </p:cNvPr>
+          <p:cNvPicPr>
+            <a:picLocks noChangeAspect="1"/>
+          </p:cNvPicPr>
+          <p:nvPr/>
+        </p:nvPicPr>
+        <p:blipFill>
+          <a:blip r:embed="rId2">
+            <a:extLst>
+              <a:ext uri="{28A0092B-C50C-407E-A947-70E740481C1C}">
+                <a14:useLocalDpi xmlns:a14="http://schemas.microsoft.com/office/drawing/2010/main" val="0"/>
+              </a:ext>
+            </a:extLst>
+          </a:blip>
+          <a:srcRect t="7760" r="-1" b="7968"/>
+          <a:stretch/>
+        </p:blipFill>
+        <p:spPr>
+          <a:xfrm>
+            <a:off x="1" y="-1"/>
+            <a:ext cx="12191695" cy="6858000"/>
+          </a:xfrm>
+          <a:prstGeom prst="rect">
+            <a:avLst/>
+          </a:prstGeom>
+        </p:spPr>
+      </p:pic>
+      <p:grpSp>
+        <p:nvGrpSpPr>
+          <p:cNvPr id="103" name="Group 102">
+            <a:extLst>
+              <a:ext uri="{FF2B5EF4-FFF2-40B4-BE49-F238E27FC236}">
+                <a16:creationId xmlns:a16="http://schemas.microsoft.com/office/drawing/2014/main" id="{3A852E5D-96B2-47B5-AB0F-426F231FBD41}"/>
+              </a:ext>
+              <a:ext uri="{C183D7F6-B498-43B3-948B-1728B52AA6E4}">
+                <adec:decorative xmlns:adec="http://schemas.microsoft.com/office/drawing/2017/decorative" val="1"/>
+              </a:ext>
+            </a:extLst>
+          </p:cNvPr>
+          <p:cNvGrpSpPr>
+            <a:grpSpLocks noGrp="1" noUngrp="1" noRot="1" noChangeAspect="1" noMove="1" noResize="1"/>
+          </p:cNvGrpSpPr>
+          <p:nvPr>
+            <p:extLst>
+              <p:ext uri="{386F3935-93C4-4BCD-93E2-E3B085C9AB24}">
+                <p16:designElem xmlns:p16="http://schemas.microsoft.com/office/powerpoint/2015/main" val="1"/>
+              </p:ext>
+            </p:extLst>
+          </p:nvPr>
+        </p:nvGrpSpPr>
+        <p:grpSpPr>
+          <a:xfrm>
+            <a:off x="438068" y="457201"/>
+            <a:ext cx="3703320" cy="5935131"/>
+            <a:chOff x="438068" y="457201"/>
+            <a:chExt cx="3703320" cy="5935131"/>
+          </a:xfrm>
+        </p:grpSpPr>
+        <p:sp>
+          <p:nvSpPr>
+            <p:cNvPr id="104" name="Rectangle 103">
+              <a:extLst>
+                <a:ext uri="{FF2B5EF4-FFF2-40B4-BE49-F238E27FC236}">
+                  <a16:creationId xmlns:a16="http://schemas.microsoft.com/office/drawing/2014/main" id="{FBEA2C8A-CA20-494E-8DAA-985E842EDB7F}"/>
+                </a:ext>
+                <a:ext uri="{C183D7F6-B498-43B3-948B-1728B52AA6E4}">
+                  <adec:decorative xmlns:adec="http://schemas.microsoft.com/office/drawing/2017/decorative" val="1"/>
+                </a:ext>
+              </a:extLst>
+            </p:cNvPr>
+            <p:cNvSpPr/>
+            <p:nvPr>
+              <p:extLst>
+                <p:ext uri="{386F3935-93C4-4BCD-93E2-E3B085C9AB24}">
+                  <p16:designElem xmlns:p16="http://schemas.microsoft.com/office/powerpoint/2015/main" val="1"/>
+                </p:ext>
+              </p:extLst>
+            </p:nvPr>
+          </p:nvSpPr>
+          <p:spPr>
+            <a:xfrm>
+              <a:off x="438068" y="641102"/>
+              <a:ext cx="3702134" cy="5751230"/>
+            </a:xfrm>
+            <a:prstGeom prst="rect">
+              <a:avLst/>
+            </a:prstGeom>
+            <a:solidFill>
+              <a:srgbClr val="465359">
+                <a:alpha val="97000"/>
+              </a:srgbClr>
+            </a:solidFill>
+            <a:ln w="6350" cmpd="sng">
+              <a:noFill/>
+            </a:ln>
+            <a:effectLst/>
+          </p:spPr>
+          <p:style>
+            <a:lnRef idx="1">
+              <a:schemeClr val="accent1"/>
+            </a:lnRef>
+            <a:fillRef idx="3">
+              <a:schemeClr val="accent1"/>
+            </a:fillRef>
+            <a:effectRef idx="2">
+              <a:schemeClr val="accent1"/>
+            </a:effectRef>
+            <a:fontRef idx="minor">
+              <a:schemeClr val="lt1"/>
+            </a:fontRef>
+          </p:style>
+          <p:txBody>
+            <a:bodyPr/>
+            <a:lstStyle/>
+            <a:p>
+              <a:endParaRPr lang="en-US"/>
+            </a:p>
+          </p:txBody>
+        </p:sp>
+        <p:sp>
+          <p:nvSpPr>
+            <p:cNvPr id="105" name="Rectangle 104">
+              <a:extLst>
+                <a:ext uri="{FF2B5EF4-FFF2-40B4-BE49-F238E27FC236}">
+                  <a16:creationId xmlns:a16="http://schemas.microsoft.com/office/drawing/2014/main" id="{DBAE429C-3A94-4C39-B88C-596F1E4C0AB0}"/>
+                </a:ext>
+                <a:ext uri="{C183D7F6-B498-43B3-948B-1728B52AA6E4}">
+                  <adec:decorative xmlns:adec="http://schemas.microsoft.com/office/drawing/2017/decorative" val="1"/>
+                </a:ext>
+              </a:extLst>
+            </p:cNvPr>
+            <p:cNvSpPr/>
+            <p:nvPr>
+              <p:extLst>
+                <p:ext uri="{386F3935-93C4-4BCD-93E2-E3B085C9AB24}">
+                  <p16:designElem xmlns:p16="http://schemas.microsoft.com/office/powerpoint/2015/main" val="1"/>
+                </p:ext>
+              </p:extLst>
+            </p:nvPr>
+          </p:nvSpPr>
+          <p:spPr>
+            <a:xfrm>
+              <a:off x="438068" y="457201"/>
+              <a:ext cx="3703320" cy="91440"/>
+            </a:xfrm>
+            <a:prstGeom prst="rect">
+              <a:avLst/>
+            </a:prstGeom>
+            <a:solidFill>
+              <a:srgbClr val="465359"/>
+            </a:solidFill>
+            <a:ln>
+              <a:noFill/>
+            </a:ln>
+            <a:effectLst/>
+          </p:spPr>
+          <p:style>
+            <a:lnRef idx="1">
+              <a:schemeClr val="accent1"/>
+            </a:lnRef>
+            <a:fillRef idx="3">
+              <a:schemeClr val="accent1"/>
+            </a:fillRef>
+            <a:effectRef idx="2">
+              <a:schemeClr val="accent1"/>
+            </a:effectRef>
+            <a:fontRef idx="minor">
+              <a:schemeClr val="lt1"/>
+            </a:fontRef>
+          </p:style>
+          <p:txBody>
+            <a:bodyPr/>
+            <a:lstStyle/>
+            <a:p>
+              <a:endParaRPr lang="en-US"/>
+            </a:p>
+          </p:txBody>
+        </p:sp>
+      </p:grpSp>
+      <p:sp>
+        <p:nvSpPr>
           <p:cNvPr id="2" name="Title 1">
             <a:extLst>
               <a:ext uri="{FF2B5EF4-FFF2-40B4-BE49-F238E27FC236}">
@@ -4317,24 +7663,35 @@
             <p:ph type="title"/>
           </p:nvPr>
         </p:nvSpPr>
-        <p:spPr/>
-        <p:txBody>
-          <a:bodyPr/>
+        <p:spPr>
+          <a:xfrm>
+            <a:off x="584200" y="3316166"/>
+            <a:ext cx="3412067" cy="1797702"/>
+          </a:xfrm>
+        </p:spPr>
+        <p:txBody>
+          <a:bodyPr vert="horz" lIns="91440" tIns="45720" rIns="91440" bIns="45720" rtlCol="0" anchor="b">
+            <a:normAutofit/>
+          </a:bodyPr>
           <a:lstStyle/>
           <a:p>
             <a:r>
-              <a:rPr lang="en-US" dirty="0"/>
-              <a:t>best</a:t>
+              <a:rPr lang="en-US" sz="3600">
+                <a:solidFill>
+                  <a:srgbClr val="FFFFFF"/>
+                </a:solidFill>
+              </a:rPr>
+              <a:t>Best Graduation Rates</a:t>
             </a:r>
           </a:p>
         </p:txBody>
       </p:sp>
       <p:sp>
         <p:nvSpPr>
-          <p:cNvPr id="3" name="Content Placeholder 2">
+          <p:cNvPr id="36" name="Content Placeholder 35">
             <a:extLst>
               <a:ext uri="{FF2B5EF4-FFF2-40B4-BE49-F238E27FC236}">
-                <a16:creationId xmlns:a16="http://schemas.microsoft.com/office/drawing/2014/main" id="{66286F0B-FC88-7C21-BD82-0920587FAAA7}"/>
+                <a16:creationId xmlns:a16="http://schemas.microsoft.com/office/drawing/2014/main" id="{E522A829-3712-6920-8620-1D3E0BA4A39F}"/>
               </a:ext>
             </a:extLst>
           </p:cNvPr>
@@ -4345,15 +7702,69 @@
             <p:ph idx="1"/>
           </p:nvPr>
         </p:nvSpPr>
-        <p:spPr/>
-        <p:txBody>
-          <a:bodyPr/>
+        <p:spPr>
+          <a:xfrm>
+            <a:off x="584200" y="5145513"/>
+            <a:ext cx="3412067" cy="738820"/>
+          </a:xfrm>
+        </p:spPr>
+        <p:txBody>
+          <a:bodyPr vert="horz" lIns="91440" tIns="45720" rIns="91440" bIns="45720" rtlCol="0" anchor="t">
+            <a:normAutofit/>
+          </a:bodyPr>
           <a:lstStyle/>
           <a:p>
-            <a:endParaRPr lang="en-US"/>
-          </a:p>
-        </p:txBody>
-      </p:sp>
+            <a:pPr marL="0" indent="0">
+              <a:buNone/>
+            </a:pPr>
+            <a:r>
+              <a:rPr lang="en-US" sz="1600" cap="all">
+                <a:solidFill>
+                  <a:srgbClr val="FFFFFF">
+                    <a:alpha val="75000"/>
+                  </a:srgbClr>
+                </a:solidFill>
+              </a:rPr>
+              <a:t>East Nashville Magnet High School</a:t>
+            </a:r>
+          </a:p>
+        </p:txBody>
+      </p:sp>
+      <p:pic>
+        <p:nvPicPr>
+          <p:cNvPr id="7" name="Picture 6" descr="A map of a city&#10;&#10;Description automatically generated">
+            <a:extLst>
+              <a:ext uri="{FF2B5EF4-FFF2-40B4-BE49-F238E27FC236}">
+                <a16:creationId xmlns:a16="http://schemas.microsoft.com/office/drawing/2014/main" id="{5178FBCE-C1F5-FEF7-DAE0-B2B18D362B37}"/>
+              </a:ext>
+            </a:extLst>
+          </p:cNvPr>
+          <p:cNvPicPr>
+            <a:picLocks noChangeAspect="1"/>
+          </p:cNvPicPr>
+          <p:nvPr/>
+        </p:nvPicPr>
+        <p:blipFill>
+          <a:blip r:embed="rId3">
+            <a:extLst>
+              <a:ext uri="{28A0092B-C50C-407E-A947-70E740481C1C}">
+                <a14:useLocalDpi xmlns:a14="http://schemas.microsoft.com/office/drawing/2010/main" val="0"/>
+              </a:ext>
+            </a:extLst>
+          </a:blip>
+          <a:srcRect t="9349" r="-5" b="-5"/>
+          <a:stretch/>
+        </p:blipFill>
+        <p:spPr>
+          <a:xfrm>
+            <a:off x="532463" y="731077"/>
+            <a:ext cx="3515763" cy="2119422"/>
+          </a:xfrm>
+          <a:prstGeom prst="rect">
+            <a:avLst/>
+          </a:prstGeom>
+        </p:spPr>
+      </p:pic>
     </p:spTree>
     <p:extLst>
       <p:ext uri="{BB962C8B-B14F-4D97-AF65-F5344CB8AC3E}">
@@ -4362,8 +7773,100 @@
     </p:extLst>
   </p:cSld>
   <p:clrMapOvr>
-    <a:masterClrMapping/>
+    <a:overrideClrMapping bg1="dk1" tx1="lt1" bg2="dk2" tx2="lt2" accent1="accent1" accent2="accent2" accent3="accent3" accent4="accent4" accent5="accent5" accent6="accent6" hlink="hlink" folHlink="folHlink"/>
   </p:clrMapOvr>
+  <p:timing>
+    <p:tnLst>
+      <p:par>
+        <p:cTn id="1" dur="indefinite" restart="never" nodeType="tmRoot">
+          <p:childTnLst>
+            <p:seq concurrent="1" nextAc="seek">
+              <p:cTn id="2" dur="indefinite" nodeType="mainSeq">
+                <p:childTnLst>
+                  <p:par>
+                    <p:cTn id="3" fill="hold">
+                      <p:stCondLst>
+                        <p:cond delay="indefinite"/>
+                        <p:cond evt="onBegin" delay="0">
+                          <p:tn val="2"/>
+                        </p:cond>
+                      </p:stCondLst>
+                      <p:childTnLst>
+                        <p:par>
+                          <p:cTn id="4" fill="hold">
+                            <p:stCondLst>
+                              <p:cond delay="0"/>
+                            </p:stCondLst>
+                            <p:childTnLst>
+                              <p:par>
+                                <p:cTn id="5" presetID="10" presetClass="entr" presetSubtype="0" fill="hold" grpId="0" nodeType="withEffect">
+                                  <p:stCondLst>
+                                    <p:cond delay="1000"/>
+                                  </p:stCondLst>
+                                  <p:iterate type="lt">
+                                    <p:tmPct val="10000"/>
+                                  </p:iterate>
+                                  <p:childTnLst>
+                                    <p:set>
+                                      <p:cBhvr>
+                                        <p:cTn id="6" dur="1" fill="hold">
+                                          <p:stCondLst>
+                                            <p:cond delay="0"/>
+                                          </p:stCondLst>
+                                        </p:cTn>
+                                        <p:tgtEl>
+                                          <p:spTgt spid="2"/>
+                                        </p:tgtEl>
+                                        <p:attrNameLst>
+                                          <p:attrName>style.visibility</p:attrName>
+                                        </p:attrNameLst>
+                                      </p:cBhvr>
+                                      <p:to>
+                                        <p:strVal val="visible"/>
+                                      </p:to>
+                                    </p:set>
+                                    <p:animEffect transition="in" filter="fade">
+                                      <p:cBhvr>
+                                        <p:cTn id="7" dur="400"/>
+                                        <p:tgtEl>
+                                          <p:spTgt spid="2"/>
+                                        </p:tgtEl>
+                                      </p:cBhvr>
+                                    </p:animEffect>
+                                  </p:childTnLst>
+                                </p:cTn>
+                              </p:par>
+                            </p:childTnLst>
+                          </p:cTn>
+                        </p:par>
+                      </p:childTnLst>
+                    </p:cTn>
+                  </p:par>
+                </p:childTnLst>
+              </p:cTn>
+              <p:prevCondLst>
+                <p:cond evt="onPrev" delay="0">
+                  <p:tgtEl>
+                    <p:sldTgt/>
+                  </p:tgtEl>
+                </p:cond>
+              </p:prevCondLst>
+              <p:nextCondLst>
+                <p:cond evt="onNext" delay="0">
+                  <p:tgtEl>
+                    <p:sldTgt/>
+                  </p:tgtEl>
+                </p:cond>
+              </p:nextCondLst>
+            </p:seq>
+          </p:childTnLst>
+        </p:cTn>
+      </p:par>
+    </p:tnLst>
+    <p:bldLst>
+      <p:bldP spid="2" grpId="0"/>
+    </p:bldLst>
+  </p:timing>
 </p:sld>
 </file>
 
@@ -4891,7 +8394,7 @@
           <a:lstStyle/>
           <a:p>
             <a:r>
-              <a:rPr lang="en-US" sz="5400" b="0" kern="1200" cap="all">
+              <a:rPr lang="en-US" sz="5400" b="0" kern="1200" cap="all" dirty="0">
                 <a:solidFill>
                   <a:schemeClr val="tx2"/>
                 </a:solidFill>
@@ -4899,7 +8402,26 @@
                 <a:ea typeface="+mj-ea"/>
                 <a:cs typeface="+mj-cs"/>
               </a:rPr>
-              <a:t>Does crime rate impact enrollment?		</a:t>
+              <a:t>Does crime rate impact </a:t>
+            </a:r>
+            <a:r>
+              <a:rPr lang="en-US" sz="5400" dirty="0">
+                <a:solidFill>
+                  <a:schemeClr val="tx2"/>
+                </a:solidFill>
+              </a:rPr>
+              <a:t>enrollment or graduation rates</a:t>
+            </a:r>
+            <a:r>
+              <a:rPr lang="en-US" sz="5400" b="0" kern="1200" cap="all" dirty="0">
+                <a:solidFill>
+                  <a:schemeClr val="tx2"/>
+                </a:solidFill>
+                <a:latin typeface="+mj-lt"/>
+                <a:ea typeface="+mj-ea"/>
+                <a:cs typeface="+mj-cs"/>
+              </a:rPr>
+              <a:t>?		</a:t>
             </a:r>
           </a:p>
         </p:txBody>
@@ -5256,7 +8778,7 @@
           <p:cNvPr id="2" name="Title 1">
             <a:extLst>
               <a:ext uri="{FF2B5EF4-FFF2-40B4-BE49-F238E27FC236}">
-                <a16:creationId xmlns:a16="http://schemas.microsoft.com/office/drawing/2014/main" id="{2C25FACA-46F1-2FF6-BF24-DF4098B9F960}"/>
+                <a16:creationId xmlns:a16="http://schemas.microsoft.com/office/drawing/2014/main" id="{DFE11D71-08C2-2D9A-2707-242DC43C77EF}"/>
               </a:ext>
             </a:extLst>
           </p:cNvPr>
@@ -5272,10 +8794,7 @@
           <a:bodyPr/>
           <a:lstStyle/>
           <a:p>
-            <a:r>
-              <a:rPr lang="en-US" dirty="0"/>
-              <a:t>Further questions</a:t>
-            </a:r>
+            <a:endParaRPr lang="en-US"/>
           </a:p>
         </p:txBody>
       </p:sp>
@@ -5284,7 +8803,7 @@
           <p:cNvPr id="3" name="Content Placeholder 2">
             <a:extLst>
               <a:ext uri="{FF2B5EF4-FFF2-40B4-BE49-F238E27FC236}">
-                <a16:creationId xmlns:a16="http://schemas.microsoft.com/office/drawing/2014/main" id="{DE87A645-8FC4-E20C-85CA-9B9483C7A2AE}"/>
+                <a16:creationId xmlns:a16="http://schemas.microsoft.com/office/drawing/2014/main" id="{8EB2C1C9-E1B4-5E8D-3A54-F16F73026C79}"/>
               </a:ext>
             </a:extLst>
           </p:cNvPr>
@@ -5300,17 +8819,14 @@
           <a:bodyPr/>
           <a:lstStyle/>
           <a:p>
-            <a:r>
-              <a:rPr lang="en-US" dirty="0"/>
-              <a:t>Need more police data/better data with more info in order to explore more</a:t>
-            </a:r>
+            <a:endParaRPr lang="en-US"/>
           </a:p>
         </p:txBody>
       </p:sp>
     </p:spTree>
     <p:extLst>
       <p:ext uri="{BB962C8B-B14F-4D97-AF65-F5344CB8AC3E}">
-        <p14:creationId xmlns:p14="http://schemas.microsoft.com/office/powerpoint/2010/main" val="2019857754"/>
+        <p14:creationId xmlns:p14="http://schemas.microsoft.com/office/powerpoint/2010/main" val="3944488221"/>
       </p:ext>
     </p:extLst>
   </p:cSld>
@@ -5342,6 +8858,92 @@
           <p:cNvPr id="2" name="Title 1">
             <a:extLst>
               <a:ext uri="{FF2B5EF4-FFF2-40B4-BE49-F238E27FC236}">
+                <a16:creationId xmlns:a16="http://schemas.microsoft.com/office/drawing/2014/main" id="{2C25FACA-46F1-2FF6-BF24-DF4098B9F960}"/>
+              </a:ext>
+            </a:extLst>
+          </p:cNvPr>
+          <p:cNvSpPr>
+            <a:spLocks noGrp="1"/>
+          </p:cNvSpPr>
+          <p:nvPr>
+            <p:ph type="title"/>
+          </p:nvPr>
+        </p:nvSpPr>
+        <p:spPr/>
+        <p:txBody>
+          <a:bodyPr/>
+          <a:lstStyle/>
+          <a:p>
+            <a:r>
+              <a:rPr lang="en-US" dirty="0"/>
+              <a:t>Further questions</a:t>
+            </a:r>
+          </a:p>
+        </p:txBody>
+      </p:sp>
+      <p:sp>
+        <p:nvSpPr>
+          <p:cNvPr id="3" name="Content Placeholder 2">
+            <a:extLst>
+              <a:ext uri="{FF2B5EF4-FFF2-40B4-BE49-F238E27FC236}">
+                <a16:creationId xmlns:a16="http://schemas.microsoft.com/office/drawing/2014/main" id="{DE87A645-8FC4-E20C-85CA-9B9483C7A2AE}"/>
+              </a:ext>
+            </a:extLst>
+          </p:cNvPr>
+          <p:cNvSpPr>
+            <a:spLocks noGrp="1"/>
+          </p:cNvSpPr>
+          <p:nvPr>
+            <p:ph idx="1"/>
+          </p:nvPr>
+        </p:nvSpPr>
+        <p:spPr/>
+        <p:txBody>
+          <a:bodyPr/>
+          <a:lstStyle/>
+          <a:p>
+            <a:r>
+              <a:rPr lang="en-US" dirty="0"/>
+              <a:t>Need more police data/better data with more info in order to explore more</a:t>
+            </a:r>
+          </a:p>
+        </p:txBody>
+      </p:sp>
+    </p:spTree>
+    <p:extLst>
+      <p:ext uri="{BB962C8B-B14F-4D97-AF65-F5344CB8AC3E}">
+        <p14:creationId xmlns:p14="http://schemas.microsoft.com/office/powerpoint/2010/main" val="2019857754"/>
+      </p:ext>
+    </p:extLst>
+  </p:cSld>
+  <p:clrMapOvr>
+    <a:masterClrMapping/>
+  </p:clrMapOvr>
+</p:sld>
+</file>
+
+<file path=ppt/slides/slide16.xml><?xml version="1.0" encoding="utf-8"?>
+<p:sld xmlns:a="http://schemas.openxmlformats.org/drawingml/2006/main" xmlns:r="http://schemas.openxmlformats.org/officeDocument/2006/relationships" xmlns:p="http://schemas.openxmlformats.org/presentationml/2006/main">
+  <p:cSld>
+    <p:spTree>
+      <p:nvGrpSpPr>
+        <p:cNvPr id="1" name=""/>
+        <p:cNvGrpSpPr/>
+        <p:nvPr/>
+      </p:nvGrpSpPr>
+      <p:grpSpPr>
+        <a:xfrm>
+          <a:off x="0" y="0"/>
+          <a:ext cx="0" cy="0"/>
+          <a:chOff x="0" y="0"/>
+          <a:chExt cx="0" cy="0"/>
+        </a:xfrm>
+      </p:grpSpPr>
+      <p:sp>
+        <p:nvSpPr>
+          <p:cNvPr id="2" name="Title 1">
+            <a:extLst>
+              <a:ext uri="{FF2B5EF4-FFF2-40B4-BE49-F238E27FC236}">
                 <a16:creationId xmlns:a16="http://schemas.microsoft.com/office/drawing/2014/main" id="{F06B1E98-B9C9-B918-51BC-154E1DBCC268}"/>
               </a:ext>
             </a:extLst>
@@ -5409,6 +9011,14 @@
 <file path=ppt/slides/slide2.xml><?xml version="1.0" encoding="utf-8"?>
 <p:sld xmlns:a="http://schemas.openxmlformats.org/drawingml/2006/main" xmlns:r="http://schemas.openxmlformats.org/officeDocument/2006/relationships" xmlns:p="http://schemas.openxmlformats.org/presentationml/2006/main">
   <p:cSld>
+    <p:bg>
+      <p:bgPr>
+        <a:solidFill>
+          <a:schemeClr val="bg1"/>
+        </a:solidFill>
+        <a:effectLst/>
+      </p:bgPr>
+    </p:bg>
     <p:spTree>
       <p:nvGrpSpPr>
         <p:cNvPr id="1" name=""/>
@@ -5425,6 +9035,101 @@
       </p:grpSpPr>
       <p:sp>
         <p:nvSpPr>
+          <p:cNvPr id="20" name="Rectangle 19">
+            <a:extLst>
+              <a:ext uri="{FF2B5EF4-FFF2-40B4-BE49-F238E27FC236}">
+                <a16:creationId xmlns:a16="http://schemas.microsoft.com/office/drawing/2014/main" id="{BFABBCE0-E08C-4BBE-9FD2-E2B253D4D5F2}"/>
+              </a:ext>
+              <a:ext uri="{C183D7F6-B498-43B3-948B-1728B52AA6E4}">
+                <adec:decorative xmlns:adec="http://schemas.microsoft.com/office/drawing/2017/decorative" val="1"/>
+              </a:ext>
+            </a:extLst>
+          </p:cNvPr>
+          <p:cNvSpPr>
+            <a:spLocks noGrp="1" noRot="1" noChangeAspect="1" noMove="1" noResize="1" noEditPoints="1" noAdjustHandles="1" noChangeArrowheads="1" noChangeShapeType="1" noTextEdit="1"/>
+          </p:cNvSpPr>
+          <p:nvPr>
+            <p:extLst>
+              <p:ext uri="{386F3935-93C4-4BCD-93E2-E3B085C9AB24}">
+                <p16:designElem xmlns:p16="http://schemas.microsoft.com/office/powerpoint/2015/main" val="1"/>
+              </p:ext>
+            </p:extLst>
+          </p:nvPr>
+        </p:nvSpPr>
+        <p:spPr>
+          <a:xfrm>
+            <a:off x="0" y="0"/>
+            <a:ext cx="12192000" cy="6857999"/>
+          </a:xfrm>
+          <a:prstGeom prst="rect">
+            <a:avLst/>
+          </a:prstGeom>
+          <a:solidFill>
+            <a:schemeClr val="bg1">
+              <a:lumMod val="75000"/>
+              <a:lumOff val="25000"/>
+            </a:schemeClr>
+          </a:solidFill>
+          <a:ln>
+            <a:noFill/>
+          </a:ln>
+        </p:spPr>
+        <p:style>
+          <a:lnRef idx="2">
+            <a:schemeClr val="accent1">
+              <a:shade val="50000"/>
+            </a:schemeClr>
+          </a:lnRef>
+          <a:fillRef idx="1">
+            <a:schemeClr val="accent1"/>
+          </a:fillRef>
+          <a:effectRef idx="0">
+            <a:schemeClr val="accent1"/>
+          </a:effectRef>
+          <a:fontRef idx="minor">
+            <a:schemeClr val="lt1"/>
+          </a:fontRef>
+        </p:style>
+        <p:txBody>
+          <a:bodyPr rtlCol="0" anchor="ctr"/>
+          <a:lstStyle/>
+          <a:p>
+            <a:pPr marL="0" marR="0" lvl="0" indent="0" algn="ctr" defTabSz="457200" rtl="0" eaLnBrk="1" fontAlgn="auto" latinLnBrk="0" hangingPunct="1">
+              <a:lnSpc>
+                <a:spcPct val="100000"/>
+              </a:lnSpc>
+              <a:spcBef>
+                <a:spcPts val="0"/>
+              </a:spcBef>
+              <a:spcAft>
+                <a:spcPts val="0"/>
+              </a:spcAft>
+              <a:buClrTx/>
+              <a:buSzTx/>
+              <a:buFontTx/>
+              <a:buNone/>
+              <a:tabLst/>
+              <a:defRPr/>
+            </a:pPr>
+            <a:endParaRPr kumimoji="0" lang="en-US" sz="1800" b="0" i="0" u="none" strike="noStrike" kern="1200" cap="none" spc="0" normalizeH="0" baseline="0" noProof="0">
+              <a:ln>
+                <a:noFill/>
+              </a:ln>
+              <a:solidFill>
+                <a:prstClr val="white"/>
+              </a:solidFill>
+              <a:effectLst/>
+              <a:uLnTx/>
+              <a:uFillTx/>
+              <a:latin typeface="Gill Sans MT" panose="020B0502020104020203"/>
+              <a:ea typeface="+mn-ea"/>
+              <a:cs typeface="+mn-cs"/>
+            </a:endParaRPr>
+          </a:p>
+        </p:txBody>
+      </p:sp>
+      <p:sp>
+        <p:nvSpPr>
           <p:cNvPr id="2" name="Title 1">
             <a:extLst>
               <a:ext uri="{FF2B5EF4-FFF2-40B4-BE49-F238E27FC236}">
@@ -5439,43 +9144,246 @@
             <p:ph type="title"/>
           </p:nvPr>
         </p:nvSpPr>
-        <p:spPr/>
+        <p:spPr>
+          <a:xfrm>
+            <a:off x="581192" y="702156"/>
+            <a:ext cx="11029616" cy="1188720"/>
+          </a:xfrm>
+        </p:spPr>
+        <p:txBody>
+          <a:bodyPr>
+            <a:normAutofit/>
+          </a:bodyPr>
+          <a:lstStyle/>
+          <a:p>
+            <a:r>
+              <a:rPr lang="en-US">
+                <a:solidFill>
+                  <a:schemeClr val="tx1">
+                    <a:lumMod val="85000"/>
+                    <a:lumOff val="15000"/>
+                  </a:schemeClr>
+                </a:solidFill>
+              </a:rPr>
+              <a:t>About the project</a:t>
+            </a:r>
+          </a:p>
+        </p:txBody>
+      </p:sp>
+      <p:sp>
+        <p:nvSpPr>
+          <p:cNvPr id="22" name="Rectangle 21">
+            <a:extLst>
+              <a:ext uri="{FF2B5EF4-FFF2-40B4-BE49-F238E27FC236}">
+                <a16:creationId xmlns:a16="http://schemas.microsoft.com/office/drawing/2014/main" id="{FF426BAC-43D6-468E-B6FF-167034D5CE43}"/>
+              </a:ext>
+              <a:ext uri="{C183D7F6-B498-43B3-948B-1728B52AA6E4}">
+                <adec:decorative xmlns:adec="http://schemas.microsoft.com/office/drawing/2017/decorative" val="1"/>
+              </a:ext>
+            </a:extLst>
+          </p:cNvPr>
+          <p:cNvSpPr>
+            <a:spLocks noGrp="1" noRot="1" noChangeAspect="1" noMove="1" noResize="1" noEditPoints="1" noAdjustHandles="1" noChangeArrowheads="1" noChangeShapeType="1" noTextEdit="1"/>
+          </p:cNvSpPr>
+          <p:nvPr>
+            <p:extLst>
+              <p:ext uri="{386F3935-93C4-4BCD-93E2-E3B085C9AB24}">
+                <p16:designElem xmlns:p16="http://schemas.microsoft.com/office/powerpoint/2015/main" val="1"/>
+              </p:ext>
+            </p:extLst>
+          </p:nvPr>
+        </p:nvSpPr>
+        <p:spPr>
+          <a:xfrm>
+            <a:off x="446534" y="457200"/>
+            <a:ext cx="3703320" cy="94997"/>
+          </a:xfrm>
+          <a:prstGeom prst="rect">
+            <a:avLst/>
+          </a:prstGeom>
+          <a:solidFill>
+            <a:srgbClr val="60727A"/>
+          </a:solidFill>
+          <a:ln>
+            <a:noFill/>
+          </a:ln>
+          <a:effectLst/>
+        </p:spPr>
+        <p:style>
+          <a:lnRef idx="1">
+            <a:schemeClr val="accent1"/>
+          </a:lnRef>
+          <a:fillRef idx="3">
+            <a:schemeClr val="accent1"/>
+          </a:fillRef>
+          <a:effectRef idx="2">
+            <a:schemeClr val="accent1"/>
+          </a:effectRef>
+          <a:fontRef idx="minor">
+            <a:schemeClr val="lt1"/>
+          </a:fontRef>
+        </p:style>
         <p:txBody>
           <a:bodyPr/>
           <a:lstStyle/>
           <a:p>
-            <a:r>
-              <a:rPr lang="en-US" dirty="0"/>
-              <a:t>About the project..</a:t>
-            </a:r>
-          </a:p>
-        </p:txBody>
-      </p:sp>
-      <p:sp>
-        <p:nvSpPr>
-          <p:cNvPr id="3" name="Content Placeholder 2">
+            <a:endParaRPr lang="en-US"/>
+          </a:p>
+        </p:txBody>
+      </p:sp>
+      <p:sp>
+        <p:nvSpPr>
+          <p:cNvPr id="24" name="Rectangle 23">
             <a:extLst>
               <a:ext uri="{FF2B5EF4-FFF2-40B4-BE49-F238E27FC236}">
-                <a16:creationId xmlns:a16="http://schemas.microsoft.com/office/drawing/2014/main" id="{D8248A5D-3C31-BD54-8D62-BF75734FA6A5}"/>
+                <a16:creationId xmlns:a16="http://schemas.microsoft.com/office/drawing/2014/main" id="{FB02D80E-5995-4C54-8387-5893C2C89473}"/>
+              </a:ext>
+              <a:ext uri="{C183D7F6-B498-43B3-948B-1728B52AA6E4}">
+                <adec:decorative xmlns:adec="http://schemas.microsoft.com/office/drawing/2017/decorative" val="1"/>
               </a:ext>
             </a:extLst>
           </p:cNvPr>
           <p:cNvSpPr>
-            <a:spLocks noGrp="1"/>
-          </p:cNvSpPr>
-          <p:nvPr>
-            <p:ph idx="1"/>
-          </p:nvPr>
-        </p:nvSpPr>
-        <p:spPr/>
+            <a:spLocks noGrp="1" noRot="1" noChangeAspect="1" noMove="1" noResize="1" noEditPoints="1" noAdjustHandles="1" noChangeArrowheads="1" noChangeShapeType="1" noTextEdit="1"/>
+          </p:cNvSpPr>
+          <p:nvPr>
+            <p:extLst>
+              <p:ext uri="{386F3935-93C4-4BCD-93E2-E3B085C9AB24}">
+                <p16:designElem xmlns:p16="http://schemas.microsoft.com/office/powerpoint/2015/main" val="1"/>
+              </p:ext>
+            </p:extLst>
+          </p:nvPr>
+        </p:nvSpPr>
+        <p:spPr>
+          <a:xfrm>
+            <a:off x="4241830" y="457200"/>
+            <a:ext cx="3703320" cy="91440"/>
+          </a:xfrm>
+          <a:prstGeom prst="rect">
+            <a:avLst/>
+          </a:prstGeom>
+          <a:solidFill>
+            <a:schemeClr val="accent1"/>
+          </a:solidFill>
+          <a:ln>
+            <a:noFill/>
+          </a:ln>
+          <a:effectLst/>
+        </p:spPr>
+        <p:style>
+          <a:lnRef idx="1">
+            <a:schemeClr val="accent1"/>
+          </a:lnRef>
+          <a:fillRef idx="3">
+            <a:schemeClr val="accent1"/>
+          </a:fillRef>
+          <a:effectRef idx="2">
+            <a:schemeClr val="accent1"/>
+          </a:effectRef>
+          <a:fontRef idx="minor">
+            <a:schemeClr val="lt1"/>
+          </a:fontRef>
+        </p:style>
         <p:txBody>
           <a:bodyPr/>
           <a:lstStyle/>
           <a:p>
-            <a:endParaRPr lang="en-US" dirty="0"/>
-          </a:p>
-        </p:txBody>
-      </p:sp>
+            <a:endParaRPr lang="en-US"/>
+          </a:p>
+        </p:txBody>
+      </p:sp>
+      <p:sp>
+        <p:nvSpPr>
+          <p:cNvPr id="26" name="Rectangle 25">
+            <a:extLst>
+              <a:ext uri="{FF2B5EF4-FFF2-40B4-BE49-F238E27FC236}">
+                <a16:creationId xmlns:a16="http://schemas.microsoft.com/office/drawing/2014/main" id="{896083C8-1401-4950-AF56-E2FAFE42D656}"/>
+              </a:ext>
+              <a:ext uri="{C183D7F6-B498-43B3-948B-1728B52AA6E4}">
+                <adec:decorative xmlns:adec="http://schemas.microsoft.com/office/drawing/2017/decorative" val="1"/>
+              </a:ext>
+            </a:extLst>
+          </p:cNvPr>
+          <p:cNvSpPr>
+            <a:spLocks noGrp="1" noRot="1" noChangeAspect="1" noMove="1" noResize="1" noEditPoints="1" noAdjustHandles="1" noChangeArrowheads="1" noChangeShapeType="1" noTextEdit="1"/>
+          </p:cNvSpPr>
+          <p:nvPr>
+            <p:extLst>
+              <p:ext uri="{386F3935-93C4-4BCD-93E2-E3B085C9AB24}">
+                <p16:designElem xmlns:p16="http://schemas.microsoft.com/office/powerpoint/2015/main" val="1"/>
+              </p:ext>
+            </p:extLst>
+          </p:nvPr>
+        </p:nvSpPr>
+        <p:spPr>
+          <a:xfrm>
+            <a:off x="8042147" y="453643"/>
+            <a:ext cx="3703320" cy="98554"/>
+          </a:xfrm>
+          <a:prstGeom prst="rect">
+            <a:avLst/>
+          </a:prstGeom>
+          <a:solidFill>
+            <a:srgbClr val="969FA7"/>
+          </a:solidFill>
+          <a:ln>
+            <a:noFill/>
+          </a:ln>
+          <a:effectLst/>
+        </p:spPr>
+        <p:style>
+          <a:lnRef idx="1">
+            <a:schemeClr val="accent1"/>
+          </a:lnRef>
+          <a:fillRef idx="3">
+            <a:schemeClr val="accent1"/>
+          </a:fillRef>
+          <a:effectRef idx="2">
+            <a:schemeClr val="accent1"/>
+          </a:effectRef>
+          <a:fontRef idx="minor">
+            <a:schemeClr val="lt1"/>
+          </a:fontRef>
+        </p:style>
+        <p:txBody>
+          <a:bodyPr/>
+          <a:lstStyle/>
+          <a:p>
+            <a:endParaRPr lang="en-US"/>
+          </a:p>
+        </p:txBody>
+      </p:sp>
+      <p:graphicFrame>
+        <p:nvGraphicFramePr>
+          <p:cNvPr id="5" name="Content Placeholder 2">
+            <a:extLst>
+              <a:ext uri="{FF2B5EF4-FFF2-40B4-BE49-F238E27FC236}">
+                <a16:creationId xmlns:a16="http://schemas.microsoft.com/office/drawing/2014/main" id="{3FCD7204-BFB7-2BAA-B9EC-145B02CC73B6}"/>
+              </a:ext>
+            </a:extLst>
+          </p:cNvPr>
+          <p:cNvGraphicFramePr>
+            <a:graphicFrameLocks noGrp="1"/>
+          </p:cNvGraphicFramePr>
+          <p:nvPr>
+            <p:ph idx="1"/>
+            <p:extLst>
+              <p:ext uri="{D42A27DB-BD31-4B8C-83A1-F6EECF244321}">
+                <p14:modId xmlns:p14="http://schemas.microsoft.com/office/powerpoint/2010/main" val="3947526038"/>
+              </p:ext>
+            </p:extLst>
+          </p:nvPr>
+        </p:nvGraphicFramePr>
+        <p:xfrm>
+          <a:off x="581025" y="2341563"/>
+          <a:ext cx="11029950" cy="3814281"/>
+        </p:xfrm>
+        <a:graphic>
+          <a:graphicData uri="http://schemas.openxmlformats.org/drawingml/2006/diagram">
+            <dgm:relIds xmlns:dgm="http://schemas.openxmlformats.org/drawingml/2006/diagram" xmlns:r="http://schemas.openxmlformats.org/officeDocument/2006/relationships" r:dm="rId2" r:lo="rId3" r:qs="rId4" r:cs="rId5"/>
+          </a:graphicData>
+        </a:graphic>
+      </p:graphicFrame>
     </p:spTree>
     <p:extLst>
       <p:ext uri="{BB962C8B-B14F-4D97-AF65-F5344CB8AC3E}">
@@ -5484,7 +9392,7 @@
     </p:extLst>
   </p:cSld>
   <p:clrMapOvr>
-    <a:masterClrMapping/>
+    <a:overrideClrMapping bg1="dk1" tx1="lt1" bg2="dk2" tx2="lt2" accent1="accent1" accent2="accent2" accent3="accent3" accent4="accent4" accent5="accent5" accent6="accent6" hlink="hlink" folHlink="folHlink"/>
   </p:clrMapOvr>
 </p:sld>
 </file>
@@ -5514,12 +9422,12 @@
           <a:chExt cx="0" cy="0"/>
         </a:xfrm>
       </p:grpSpPr>
-      <p:sp useBgFill="1">
-        <p:nvSpPr>
-          <p:cNvPr id="8" name="Rectangle 7">
+      <p:sp>
+        <p:nvSpPr>
+          <p:cNvPr id="23" name="Rectangle 22">
             <a:extLst>
               <a:ext uri="{FF2B5EF4-FFF2-40B4-BE49-F238E27FC236}">
-                <a16:creationId xmlns:a16="http://schemas.microsoft.com/office/drawing/2014/main" id="{F858DF7D-C2D0-4B03-A7A0-2F06B789EE35}"/>
+                <a16:creationId xmlns:a16="http://schemas.microsoft.com/office/drawing/2014/main" id="{E9751CB9-7B25-4EB8-9A6F-82F822549F12}"/>
               </a:ext>
               <a:ext uri="{C183D7F6-B498-43B3-948B-1728B52AA6E4}">
                 <adec:decorative xmlns:adec="http://schemas.microsoft.com/office/drawing/2017/decorative" val="1"/>
@@ -5540,11 +9448,14 @@
         <p:spPr>
           <a:xfrm>
             <a:off x="0" y="0"/>
-            <a:ext cx="12191999" cy="6858001"/>
+            <a:ext cx="12192000" cy="6858000"/>
           </a:xfrm>
           <a:prstGeom prst="rect">
             <a:avLst/>
           </a:prstGeom>
+          <a:solidFill>
+            <a:srgbClr val="FFFFFF"/>
+          </a:solidFill>
           <a:ln>
             <a:noFill/>
           </a:ln>
@@ -5576,10 +9487,10 @@
       </p:sp>
       <p:sp>
         <p:nvSpPr>
-          <p:cNvPr id="10" name="Rectangle 9">
+          <p:cNvPr id="25" name="Rectangle 24">
             <a:extLst>
               <a:ext uri="{FF2B5EF4-FFF2-40B4-BE49-F238E27FC236}">
-                <a16:creationId xmlns:a16="http://schemas.microsoft.com/office/drawing/2014/main" id="{1B26B711-3121-40B0-8377-A64F3DC00C7A}"/>
+                <a16:creationId xmlns:a16="http://schemas.microsoft.com/office/drawing/2014/main" id="{E1317383-CF3B-4B02-9512-BECBEF6362A4}"/>
               </a:ext>
               <a:ext uri="{C183D7F6-B498-43B3-948B-1728B52AA6E4}">
                 <adec:decorative xmlns:adec="http://schemas.microsoft.com/office/drawing/2017/decorative" val="1"/>
@@ -5637,10 +9548,10 @@
       </p:sp>
       <p:sp>
         <p:nvSpPr>
-          <p:cNvPr id="12" name="Rectangle 11">
+          <p:cNvPr id="27" name="Rectangle 26">
             <a:extLst>
               <a:ext uri="{FF2B5EF4-FFF2-40B4-BE49-F238E27FC236}">
-                <a16:creationId xmlns:a16="http://schemas.microsoft.com/office/drawing/2014/main" id="{645C4D3D-ABBA-4B4E-93E5-01E343719849}"/>
+                <a16:creationId xmlns:a16="http://schemas.microsoft.com/office/drawing/2014/main" id="{B1D4C7A0-6DF2-4F2D-A45D-F111582974C7}"/>
               </a:ext>
               <a:ext uri="{C183D7F6-B498-43B3-948B-1728B52AA6E4}">
                 <adec:decorative xmlns:adec="http://schemas.microsoft.com/office/drawing/2017/decorative" val="1"/>
@@ -5698,10 +9609,10 @@
       </p:sp>
       <p:sp>
         <p:nvSpPr>
-          <p:cNvPr id="14" name="Rectangle 13">
+          <p:cNvPr id="29" name="Rectangle 28">
             <a:extLst>
               <a:ext uri="{FF2B5EF4-FFF2-40B4-BE49-F238E27FC236}">
-                <a16:creationId xmlns:a16="http://schemas.microsoft.com/office/drawing/2014/main" id="{98DDD5E5-0097-4C6C-B266-5732EDA96CC4}"/>
+                <a16:creationId xmlns:a16="http://schemas.microsoft.com/office/drawing/2014/main" id="{DBF3943D-BCB6-4B31-809D-A005686483B4}"/>
               </a:ext>
               <a:ext uri="{C183D7F6-B498-43B3-948B-1728B52AA6E4}">
                 <adec:decorative xmlns:adec="http://schemas.microsoft.com/office/drawing/2017/decorative" val="1"/>
@@ -5759,10 +9670,10 @@
       </p:sp>
       <p:sp>
         <p:nvSpPr>
-          <p:cNvPr id="16" name="Rectangle 15">
+          <p:cNvPr id="31" name="Rectangle 30">
             <a:extLst>
               <a:ext uri="{FF2B5EF4-FFF2-40B4-BE49-F238E27FC236}">
-                <a16:creationId xmlns:a16="http://schemas.microsoft.com/office/drawing/2014/main" id="{8952EF87-C74F-4D3F-9CAD-EEA1733C9BD0}"/>
+                <a16:creationId xmlns:a16="http://schemas.microsoft.com/office/drawing/2014/main" id="{39373A6F-2E1F-4613-8E1D-D68057D29F31}"/>
               </a:ext>
               <a:ext uri="{C183D7F6-B498-43B3-948B-1728B52AA6E4}">
                 <adec:decorative xmlns:adec="http://schemas.microsoft.com/office/drawing/2017/decorative" val="1"/>
@@ -5782,8 +9693,8 @@
         </p:nvSpPr>
         <p:spPr>
           <a:xfrm>
-            <a:off x="446534" y="597643"/>
-            <a:ext cx="3703320" cy="5792922"/>
+            <a:off x="442377" y="601200"/>
+            <a:ext cx="3707477" cy="5624979"/>
           </a:xfrm>
           <a:prstGeom prst="rect">
             <a:avLst/>
@@ -5836,12 +9747,12 @@
         </p:nvSpPr>
         <p:spPr>
           <a:xfrm>
-            <a:off x="771148" y="1037967"/>
-            <a:ext cx="3054091" cy="4709131"/>
+            <a:off x="601255" y="702155"/>
+            <a:ext cx="3409783" cy="1300365"/>
           </a:xfrm>
         </p:spPr>
         <p:txBody>
-          <a:bodyPr anchor="ctr">
+          <a:bodyPr>
             <a:normAutofit/>
           </a:bodyPr>
           <a:lstStyle/>
@@ -5849,10 +9760,10 @@
             <a:r>
               <a:rPr lang="en-US">
                 <a:solidFill>
-                  <a:srgbClr val="FFFEFF"/>
+                  <a:srgbClr val="FFFFFF"/>
                 </a:solidFill>
               </a:rPr>
-              <a:t>goals</a:t>
+              <a:t>Goals</a:t>
             </a:r>
           </a:p>
         </p:txBody>
@@ -5875,8 +9786,8 @@
         </p:nvSpPr>
         <p:spPr>
           <a:xfrm>
-            <a:off x="4534935" y="1037968"/>
-            <a:ext cx="6725899" cy="4820832"/>
+            <a:off x="601255" y="2177142"/>
+            <a:ext cx="3409782" cy="3823607"/>
           </a:xfrm>
         </p:spPr>
         <p:txBody>
@@ -5886,35 +9797,82 @@
           <a:lstStyle/>
           <a:p>
             <a:r>
-              <a:rPr lang="en-US" dirty="0"/>
+              <a:rPr lang="en-US" dirty="0">
+                <a:solidFill>
+                  <a:srgbClr val="FFFFFF"/>
+                </a:solidFill>
+              </a:rPr>
               <a:t>To discover which public schools have the highest graduation rates</a:t>
             </a:r>
           </a:p>
           <a:p>
             <a:r>
-              <a:rPr lang="en-US" dirty="0"/>
+              <a:rPr lang="en-US" dirty="0">
+                <a:solidFill>
+                  <a:srgbClr val="FFFFFF"/>
+                </a:solidFill>
+              </a:rPr>
               <a:t>To discover which public schools have the lowest graduation rates</a:t>
             </a:r>
           </a:p>
           <a:p>
             <a:r>
-              <a:rPr lang="en-US" dirty="0"/>
-              <a:t>To discover which </a:t>
+              <a:rPr lang="en-US" dirty="0">
+                <a:solidFill>
+                  <a:srgbClr val="FFFFFF"/>
+                </a:solidFill>
+              </a:rPr>
+              <a:t>To discover if crime rates seem to impact these statistics</a:t>
             </a:r>
-            <a:r>
-              <a:rPr lang="en-US" dirty="0" err="1"/>
-              <a:t>zipcodes</a:t>
-            </a:r>
-            <a:r>
-              <a:rPr lang="en-US" dirty="0"/>
-              <a:t> have the best and worst rates</a:t>
-            </a:r>
-          </a:p>
-          <a:p>
-            <a:endParaRPr lang="en-US" dirty="0"/>
-          </a:p>
-        </p:txBody>
-      </p:sp>
+          </a:p>
+          <a:p>
+            <a:endParaRPr lang="en-US" dirty="0">
+              <a:solidFill>
+                <a:srgbClr val="FFFFFF"/>
+              </a:solidFill>
+            </a:endParaRPr>
+          </a:p>
+        </p:txBody>
+      </p:sp>
+      <p:pic>
+        <p:nvPicPr>
+          <p:cNvPr id="20" name="Graphic 19" descr="Books">
+            <a:extLst>
+              <a:ext uri="{FF2B5EF4-FFF2-40B4-BE49-F238E27FC236}">
+                <a16:creationId xmlns:a16="http://schemas.microsoft.com/office/drawing/2014/main" id="{2CA39A1E-CD8C-DF2E-D583-92EA5FEF28FB}"/>
+              </a:ext>
+            </a:extLst>
+          </p:cNvPr>
+          <p:cNvPicPr>
+            <a:picLocks noChangeAspect="1"/>
+          </p:cNvPicPr>
+          <p:nvPr/>
+        </p:nvPicPr>
+        <p:blipFill>
+          <a:blip r:embed="rId2">
+            <a:extLst>
+              <a:ext uri="{28A0092B-C50C-407E-A947-70E740481C1C}">
+                <a14:useLocalDpi xmlns:a14="http://schemas.microsoft.com/office/drawing/2010/main" val="0"/>
+              </a:ext>
+              <a:ext uri="{96DAC541-7B7A-43D3-8B79-37D633B846F1}">
+                <asvg:svgBlip xmlns:asvg="http://schemas.microsoft.com/office/drawing/2016/SVG/main" r:embed="rId3"/>
+              </a:ext>
+            </a:extLst>
+          </a:blip>
+          <a:stretch>
+            <a:fillRect/>
+          </a:stretch>
+        </p:blipFill>
+        <p:spPr>
+          <a:xfrm>
+            <a:off x="5523830" y="936141"/>
+            <a:ext cx="4968305" cy="4968305"/>
+          </a:xfrm>
+          <a:prstGeom prst="rect">
+            <a:avLst/>
+          </a:prstGeom>
+        </p:spPr>
+      </p:pic>
     </p:spTree>
     <p:extLst>
       <p:ext uri="{BB962C8B-B14F-4D97-AF65-F5344CB8AC3E}">
@@ -5923,7 +9881,7 @@
     </p:extLst>
   </p:cSld>
   <p:clrMapOvr>
-    <a:masterClrMapping/>
+    <a:overrideClrMapping bg1="dk1" tx1="lt1" bg2="dk2" tx2="lt2" accent1="accent1" accent2="accent2" accent3="accent3" accent4="accent4" accent5="accent5" accent6="accent6" hlink="hlink" folHlink="folHlink"/>
   </p:clrMapOvr>
 </p:sld>
 </file>

--- a/presentation/presentation.pptx
+++ b/presentation/presentation.pptx
@@ -15,10 +15,10 @@
     <p:sldId id="272" r:id="rId6"/>
     <p:sldId id="260" r:id="rId7"/>
     <p:sldId id="261" r:id="rId8"/>
-    <p:sldId id="263" r:id="rId9"/>
-    <p:sldId id="264" r:id="rId10"/>
-    <p:sldId id="265" r:id="rId11"/>
-    <p:sldId id="266" r:id="rId12"/>
+    <p:sldId id="264" r:id="rId9"/>
+    <p:sldId id="265" r:id="rId10"/>
+    <p:sldId id="266" r:id="rId11"/>
+    <p:sldId id="273" r:id="rId12"/>
     <p:sldId id="268" r:id="rId13"/>
     <p:sldId id="271" r:id="rId14"/>
     <p:sldId id="269" r:id="rId15"/>
@@ -6390,10 +6390,7 @@
           <a:bodyPr/>
           <a:lstStyle/>
           <a:p>
-            <a:r>
-              <a:rPr lang="en-US" dirty="0"/>
-              <a:t>Hello everyone</a:t>
-            </a:r>
+            <a:endParaRPr lang="en-US" dirty="0"/>
           </a:p>
         </p:txBody>
       </p:sp>
@@ -6477,34 +6474,7 @@
           <a:bodyPr/>
           <a:lstStyle/>
           <a:p>
-            <a:r>
-              <a:rPr lang="en-US" dirty="0"/>
-              <a:t>Now that we know what areas had the highest and lowest enrollment and graduation rates, we can look into crime statistics. I specifically looked into the </a:t>
-            </a:r>
-            <a:r>
-              <a:rPr lang="en-US" dirty="0" err="1"/>
-              <a:t>zipcodes</a:t>
-            </a:r>
-            <a:r>
-              <a:rPr lang="en-US" dirty="0"/>
-              <a:t> talked about earlier. Recall that 37013 had the overall highest enrollment rates of all </a:t>
-            </a:r>
-            <a:r>
-              <a:rPr lang="en-US" dirty="0" err="1"/>
-              <a:t>zipcodes</a:t>
-            </a:r>
-            <a:r>
-              <a:rPr lang="en-US" dirty="0"/>
-              <a:t>.. When I looked into the crime stats for this </a:t>
-            </a:r>
-            <a:r>
-              <a:rPr lang="en-US" dirty="0" err="1"/>
-              <a:t>zipcode</a:t>
-            </a:r>
-            <a:r>
-              <a:rPr lang="en-US" dirty="0"/>
-              <a:t>, they were very high. This could impact the graduation rate. </a:t>
-            </a:r>
+            <a:endParaRPr lang="en-US" dirty="0"/>
           </a:p>
         </p:txBody>
       </p:sp>
@@ -6588,10 +6558,7 @@
           <a:bodyPr/>
           <a:lstStyle/>
           <a:p>
-            <a:r>
-              <a:rPr lang="en-US" dirty="0"/>
-              <a:t>The crime rates for 37013, which had the highest overall enrollment rates, were significantly higher than for zip code 37206, which had the highest graduation rates. This could mean that crime impacted graduation rates in 37013</a:t>
-            </a:r>
+            <a:endParaRPr lang="en-US" dirty="0"/>
           </a:p>
         </p:txBody>
       </p:sp>
@@ -6759,10 +6726,7 @@
           <a:bodyPr/>
           <a:lstStyle/>
           <a:p>
-            <a:r>
-              <a:rPr lang="en-US" dirty="0"/>
-              <a:t>For this project, I explored enrollment rates, graduation rates, and how crime stats interact with them using data from the last five years, when possible. I used excel and python to clean and explore the data. And I will be making a tableau dashboard at some point.</a:t>
-            </a:r>
+            <a:endParaRPr lang="en-US" dirty="0"/>
           </a:p>
         </p:txBody>
       </p:sp>
@@ -6846,10 +6810,7 @@
           <a:bodyPr/>
           <a:lstStyle/>
           <a:p>
-            <a:r>
-              <a:rPr lang="en-US" dirty="0"/>
-              <a:t>There were some issues I encountered during this project. There were several missing values from the data, specifically within the enrollment data. Each dataset was also formatted differently so I had to figure that out. And the zip code info was input in a few different ways in the police dataset I looked at. It was difficult to navigate these problems.</a:t>
-            </a:r>
+            <a:endParaRPr lang="en-US" dirty="0"/>
           </a:p>
         </p:txBody>
       </p:sp>
@@ -6870,7 +6831,7 @@
           <a:p>
             <a:fld id="{E902F998-B1F7-47BC-8C47-CDA4AD149044}" type="slidenum">
               <a:rPr lang="en-US" smtClean="0"/>
-              <a:t>5</a:t>
+              <a:t>3</a:t>
             </a:fld>
             <a:endParaRPr lang="en-US"/>
           </a:p>
@@ -6879,7 +6840,7 @@
     </p:spTree>
     <p:extLst>
       <p:ext uri="{BB962C8B-B14F-4D97-AF65-F5344CB8AC3E}">
-        <p14:creationId xmlns:p14="http://schemas.microsoft.com/office/powerpoint/2010/main" val="2568411625"/>
+        <p14:creationId xmlns:p14="http://schemas.microsoft.com/office/powerpoint/2010/main" val="4255372971"/>
       </p:ext>
     </p:extLst>
   </p:cSld>
@@ -6933,10 +6894,7 @@
           <a:bodyPr/>
           <a:lstStyle/>
           <a:p>
-            <a:r>
-              <a:rPr lang="en-US" dirty="0"/>
-              <a:t>The zip code with the best enrollment rates across the board was consistently 37013, which is the Antioch area. These rates included all grades and types of schools</a:t>
-            </a:r>
+            <a:endParaRPr lang="en-US" dirty="0"/>
           </a:p>
         </p:txBody>
       </p:sp>
@@ -6957,7 +6915,7 @@
           <a:p>
             <a:fld id="{E902F998-B1F7-47BC-8C47-CDA4AD149044}" type="slidenum">
               <a:rPr lang="en-US" smtClean="0"/>
-              <a:t>6</a:t>
+              <a:t>5</a:t>
             </a:fld>
             <a:endParaRPr lang="en-US"/>
           </a:p>
@@ -6966,7 +6924,7 @@
     </p:spTree>
     <p:extLst>
       <p:ext uri="{BB962C8B-B14F-4D97-AF65-F5344CB8AC3E}">
-        <p14:creationId xmlns:p14="http://schemas.microsoft.com/office/powerpoint/2010/main" val="2521416219"/>
+        <p14:creationId xmlns:p14="http://schemas.microsoft.com/office/powerpoint/2010/main" val="2568411625"/>
       </p:ext>
     </p:extLst>
   </p:cSld>
@@ -7020,18 +6978,7 @@
           <a:bodyPr/>
           <a:lstStyle/>
           <a:p>
-            <a:r>
-              <a:rPr lang="en-US" dirty="0"/>
-              <a:t>When focusing on just 12</a:t>
-            </a:r>
-            <a:r>
-              <a:rPr lang="en-US" baseline="30000" dirty="0"/>
-              <a:t>th</a:t>
-            </a:r>
-            <a:r>
-              <a:rPr lang="en-US" dirty="0"/>
-              <a:t> grade stats, 37013 consistently had the highest rates.</a:t>
-            </a:r>
+            <a:endParaRPr lang="en-US" dirty="0"/>
           </a:p>
         </p:txBody>
       </p:sp>
@@ -7052,7 +6999,7 @@
           <a:p>
             <a:fld id="{E902F998-B1F7-47BC-8C47-CDA4AD149044}" type="slidenum">
               <a:rPr lang="en-US" smtClean="0"/>
-              <a:t>7</a:t>
+              <a:t>6</a:t>
             </a:fld>
             <a:endParaRPr lang="en-US"/>
           </a:p>
@@ -7061,7 +7008,7 @@
     </p:spTree>
     <p:extLst>
       <p:ext uri="{BB962C8B-B14F-4D97-AF65-F5344CB8AC3E}">
-        <p14:creationId xmlns:p14="http://schemas.microsoft.com/office/powerpoint/2010/main" val="4217717198"/>
+        <p14:creationId xmlns:p14="http://schemas.microsoft.com/office/powerpoint/2010/main" val="2521416219"/>
       </p:ext>
     </p:extLst>
   </p:cSld>
@@ -7115,16 +7062,6 @@
           <a:bodyPr/>
           <a:lstStyle/>
           <a:p>
-            <a:r>
-              <a:rPr lang="en-US" dirty="0"/>
-              <a:t>I am considering adding other stats from the schools, like demographics, if I have time and if anyone thinks that could be interesting so let me know</a:t>
-            </a:r>
-            <a:r>
-              <a:rPr lang="en-US" dirty="0">
-                <a:sym typeface="Wingdings" panose="05000000000000000000" pitchFamily="2" charset="2"/>
-              </a:rPr>
-              <a:t></a:t>
-            </a:r>
             <a:endParaRPr lang="en-US" dirty="0"/>
           </a:p>
         </p:txBody>
@@ -7146,7 +7083,7 @@
           <a:p>
             <a:fld id="{E902F998-B1F7-47BC-8C47-CDA4AD149044}" type="slidenum">
               <a:rPr lang="en-US" smtClean="0"/>
-              <a:t>8</a:t>
+              <a:t>7</a:t>
             </a:fld>
             <a:endParaRPr lang="en-US"/>
           </a:p>
@@ -7155,7 +7092,7 @@
     </p:spTree>
     <p:extLst>
       <p:ext uri="{BB962C8B-B14F-4D97-AF65-F5344CB8AC3E}">
-        <p14:creationId xmlns:p14="http://schemas.microsoft.com/office/powerpoint/2010/main" val="1633044940"/>
+        <p14:creationId xmlns:p14="http://schemas.microsoft.com/office/powerpoint/2010/main" val="4217717198"/>
       </p:ext>
     </p:extLst>
   </p:cSld>
@@ -7209,10 +7146,7 @@
           <a:bodyPr/>
           <a:lstStyle/>
           <a:p>
-            <a:r>
-              <a:rPr lang="en-US" dirty="0"/>
-              <a:t>Overall, the best rates went to East Nashville Magnet High School and Valor Flagship Academy. Valor Flagship is a charter school and had lower numbers overall, but higher rates. This chart shows the top graduation rates from 2023. Unfortunately, I did not have access to graduation data from 2024.</a:t>
-            </a:r>
+            <a:endParaRPr lang="en-US" dirty="0"/>
           </a:p>
         </p:txBody>
       </p:sp>
@@ -7233,7 +7167,7 @@
           <a:p>
             <a:fld id="{E902F998-B1F7-47BC-8C47-CDA4AD149044}" type="slidenum">
               <a:rPr lang="en-US" smtClean="0"/>
-              <a:t>9</a:t>
+              <a:t>8</a:t>
             </a:fld>
             <a:endParaRPr lang="en-US"/>
           </a:p>
@@ -7296,10 +7230,7 @@
           <a:bodyPr/>
           <a:lstStyle/>
           <a:p>
-            <a:r>
-              <a:rPr lang="en-US" dirty="0"/>
-              <a:t>When it comes to non-charter schools, East Nashville Magnet High in 37206 consistently had the highest graduation rates.</a:t>
-            </a:r>
+            <a:endParaRPr lang="en-US" dirty="0"/>
           </a:p>
         </p:txBody>
       </p:sp>
@@ -7320,7 +7251,7 @@
           <a:p>
             <a:fld id="{E902F998-B1F7-47BC-8C47-CDA4AD149044}" type="slidenum">
               <a:rPr lang="en-US" smtClean="0"/>
-              <a:t>10</a:t>
+              <a:t>9</a:t>
             </a:fld>
             <a:endParaRPr lang="en-US"/>
           </a:p>
@@ -7383,27 +7314,7 @@
           <a:bodyPr/>
           <a:lstStyle/>
           <a:p>
-            <a:r>
-              <a:rPr lang="en-US" dirty="0"/>
-              <a:t>The zip code with the lowest enrollment rates among all grades was 37080 but the zip codes with the lowest 12</a:t>
-            </a:r>
-            <a:r>
-              <a:rPr lang="en-US" baseline="30000" dirty="0"/>
-              <a:t>th</a:t>
-            </a:r>
-            <a:r>
-              <a:rPr lang="en-US" dirty="0"/>
-              <a:t> grade enrollment rates differed each year. </a:t>
-            </a:r>
-          </a:p>
-          <a:p>
             <a:endParaRPr lang="en-US" dirty="0"/>
-          </a:p>
-          <a:p>
-            <a:r>
-              <a:rPr lang="en-US" dirty="0"/>
-              <a:t>Schools with the lowest graduation rates were in the </a:t>
-            </a:r>
           </a:p>
         </p:txBody>
       </p:sp>
@@ -7424,7 +7335,7 @@
           <a:p>
             <a:fld id="{E902F998-B1F7-47BC-8C47-CDA4AD149044}" type="slidenum">
               <a:rPr lang="en-US" smtClean="0"/>
-              <a:t>11</a:t>
+              <a:t>10</a:t>
             </a:fld>
             <a:endParaRPr lang="en-US"/>
           </a:p>
@@ -11777,685 +11688,6 @@
       </p:grpSpPr>
       <p:sp>
         <p:nvSpPr>
-          <p:cNvPr id="95" name="Rectangle 94">
-            <a:extLst>
-              <a:ext uri="{FF2B5EF4-FFF2-40B4-BE49-F238E27FC236}">
-                <a16:creationId xmlns:a16="http://schemas.microsoft.com/office/drawing/2014/main" id="{77F2BB43-1E8B-40A7-9733-9AEE76BFE22A}"/>
-              </a:ext>
-              <a:ext uri="{C183D7F6-B498-43B3-948B-1728B52AA6E4}">
-                <adec:decorative xmlns:adec="http://schemas.microsoft.com/office/drawing/2017/decorative" val="1"/>
-              </a:ext>
-            </a:extLst>
-          </p:cNvPr>
-          <p:cNvSpPr>
-            <a:spLocks noGrp="1" noRot="1" noChangeAspect="1" noMove="1" noResize="1" noEditPoints="1" noAdjustHandles="1" noChangeArrowheads="1" noChangeShapeType="1" noTextEdit="1"/>
-          </p:cNvSpPr>
-          <p:nvPr>
-            <p:extLst>
-              <p:ext uri="{386F3935-93C4-4BCD-93E2-E3B085C9AB24}">
-                <p16:designElem xmlns:p16="http://schemas.microsoft.com/office/powerpoint/2015/main" val="1"/>
-              </p:ext>
-            </p:extLst>
-          </p:nvPr>
-        </p:nvSpPr>
-        <p:spPr>
-          <a:xfrm>
-            <a:off x="446534" y="457200"/>
-            <a:ext cx="3703320" cy="94997"/>
-          </a:xfrm>
-          <a:prstGeom prst="rect">
-            <a:avLst/>
-          </a:prstGeom>
-          <a:solidFill>
-            <a:srgbClr val="465359"/>
-          </a:solidFill>
-          <a:ln>
-            <a:noFill/>
-          </a:ln>
-          <a:effectLst/>
-        </p:spPr>
-        <p:style>
-          <a:lnRef idx="1">
-            <a:schemeClr val="accent1"/>
-          </a:lnRef>
-          <a:fillRef idx="3">
-            <a:schemeClr val="accent1"/>
-          </a:fillRef>
-          <a:effectRef idx="2">
-            <a:schemeClr val="accent1"/>
-          </a:effectRef>
-          <a:fontRef idx="minor">
-            <a:schemeClr val="lt1"/>
-          </a:fontRef>
-        </p:style>
-        <p:txBody>
-          <a:bodyPr/>
-          <a:lstStyle/>
-          <a:p>
-            <a:endParaRPr lang="en-US"/>
-          </a:p>
-        </p:txBody>
-      </p:sp>
-      <p:sp>
-        <p:nvSpPr>
-          <p:cNvPr id="97" name="Rectangle 96">
-            <a:extLst>
-              <a:ext uri="{FF2B5EF4-FFF2-40B4-BE49-F238E27FC236}">
-                <a16:creationId xmlns:a16="http://schemas.microsoft.com/office/drawing/2014/main" id="{2F2499BD-C67D-4CD4-9747-4DCC7EF1FC2F}"/>
-              </a:ext>
-              <a:ext uri="{C183D7F6-B498-43B3-948B-1728B52AA6E4}">
-                <adec:decorative xmlns:adec="http://schemas.microsoft.com/office/drawing/2017/decorative" val="1"/>
-              </a:ext>
-            </a:extLst>
-          </p:cNvPr>
-          <p:cNvSpPr>
-            <a:spLocks noGrp="1" noRot="1" noChangeAspect="1" noMove="1" noResize="1" noEditPoints="1" noAdjustHandles="1" noChangeArrowheads="1" noChangeShapeType="1" noTextEdit="1"/>
-          </p:cNvSpPr>
-          <p:nvPr>
-            <p:extLst>
-              <p:ext uri="{386F3935-93C4-4BCD-93E2-E3B085C9AB24}">
-                <p16:designElem xmlns:p16="http://schemas.microsoft.com/office/powerpoint/2015/main" val="1"/>
-              </p:ext>
-            </p:extLst>
-          </p:nvPr>
-        </p:nvSpPr>
-        <p:spPr>
-          <a:xfrm>
-            <a:off x="8042147" y="453643"/>
-            <a:ext cx="3703320" cy="98554"/>
-          </a:xfrm>
-          <a:prstGeom prst="rect">
-            <a:avLst/>
-          </a:prstGeom>
-          <a:solidFill>
-            <a:srgbClr val="969FA7"/>
-          </a:solidFill>
-          <a:ln>
-            <a:noFill/>
-          </a:ln>
-          <a:effectLst/>
-        </p:spPr>
-        <p:style>
-          <a:lnRef idx="1">
-            <a:schemeClr val="accent1"/>
-          </a:lnRef>
-          <a:fillRef idx="3">
-            <a:schemeClr val="accent1"/>
-          </a:fillRef>
-          <a:effectRef idx="2">
-            <a:schemeClr val="accent1"/>
-          </a:effectRef>
-          <a:fontRef idx="minor">
-            <a:schemeClr val="lt1"/>
-          </a:fontRef>
-        </p:style>
-        <p:txBody>
-          <a:bodyPr/>
-          <a:lstStyle/>
-          <a:p>
-            <a:endParaRPr lang="en-US"/>
-          </a:p>
-        </p:txBody>
-      </p:sp>
-      <p:sp>
-        <p:nvSpPr>
-          <p:cNvPr id="99" name="Rectangle 98">
-            <a:extLst>
-              <a:ext uri="{FF2B5EF4-FFF2-40B4-BE49-F238E27FC236}">
-                <a16:creationId xmlns:a16="http://schemas.microsoft.com/office/drawing/2014/main" id="{80D02CAC-A533-4E24-84A6-B3171E16A274}"/>
-              </a:ext>
-              <a:ext uri="{C183D7F6-B498-43B3-948B-1728B52AA6E4}">
-                <adec:decorative xmlns:adec="http://schemas.microsoft.com/office/drawing/2017/decorative" val="1"/>
-              </a:ext>
-            </a:extLst>
-          </p:cNvPr>
-          <p:cNvSpPr>
-            <a:spLocks noGrp="1" noRot="1" noChangeAspect="1" noMove="1" noResize="1" noEditPoints="1" noAdjustHandles="1" noChangeArrowheads="1" noChangeShapeType="1" noTextEdit="1"/>
-          </p:cNvSpPr>
-          <p:nvPr>
-            <p:extLst>
-              <p:ext uri="{386F3935-93C4-4BCD-93E2-E3B085C9AB24}">
-                <p16:designElem xmlns:p16="http://schemas.microsoft.com/office/powerpoint/2015/main" val="1"/>
-              </p:ext>
-            </p:extLst>
-          </p:nvPr>
-        </p:nvSpPr>
-        <p:spPr>
-          <a:xfrm>
-            <a:off x="4241830" y="457200"/>
-            <a:ext cx="3703320" cy="91440"/>
-          </a:xfrm>
-          <a:prstGeom prst="rect">
-            <a:avLst/>
-          </a:prstGeom>
-          <a:solidFill>
-            <a:schemeClr val="accent1"/>
-          </a:solidFill>
-          <a:ln>
-            <a:noFill/>
-          </a:ln>
-          <a:effectLst/>
-        </p:spPr>
-        <p:style>
-          <a:lnRef idx="1">
-            <a:schemeClr val="accent1"/>
-          </a:lnRef>
-          <a:fillRef idx="3">
-            <a:schemeClr val="accent1"/>
-          </a:fillRef>
-          <a:effectRef idx="2">
-            <a:schemeClr val="accent1"/>
-          </a:effectRef>
-          <a:fontRef idx="minor">
-            <a:schemeClr val="lt1"/>
-          </a:fontRef>
-        </p:style>
-        <p:txBody>
-          <a:bodyPr/>
-          <a:lstStyle/>
-          <a:p>
-            <a:endParaRPr lang="en-US"/>
-          </a:p>
-        </p:txBody>
-      </p:sp>
-      <p:sp>
-        <p:nvSpPr>
-          <p:cNvPr id="101" name="Rectangle 100">
-            <a:extLst>
-              <a:ext uri="{FF2B5EF4-FFF2-40B4-BE49-F238E27FC236}">
-                <a16:creationId xmlns:a16="http://schemas.microsoft.com/office/drawing/2014/main" id="{44DBAF48-B17B-4AA7-9E99-4EC0C9905827}"/>
-              </a:ext>
-              <a:ext uri="{C183D7F6-B498-43B3-948B-1728B52AA6E4}">
-                <adec:decorative xmlns:adec="http://schemas.microsoft.com/office/drawing/2017/decorative" val="1"/>
-              </a:ext>
-            </a:extLst>
-          </p:cNvPr>
-          <p:cNvSpPr>
-            <a:spLocks noGrp="1" noRot="1" noChangeAspect="1" noMove="1" noResize="1" noEditPoints="1" noAdjustHandles="1" noChangeArrowheads="1" noChangeShapeType="1" noTextEdit="1"/>
-          </p:cNvSpPr>
-          <p:nvPr>
-            <p:extLst>
-              <p:ext uri="{386F3935-93C4-4BCD-93E2-E3B085C9AB24}">
-                <p16:designElem xmlns:p16="http://schemas.microsoft.com/office/powerpoint/2015/main" val="1"/>
-              </p:ext>
-            </p:extLst>
-          </p:nvPr>
-        </p:nvSpPr>
-        <p:spPr>
-          <a:xfrm>
-            <a:off x="446534" y="3085764"/>
-            <a:ext cx="11298932" cy="3338149"/>
-          </a:xfrm>
-          <a:prstGeom prst="rect">
-            <a:avLst/>
-          </a:prstGeom>
-          <a:solidFill>
-            <a:srgbClr val="465359"/>
-          </a:solidFill>
-          <a:ln>
-            <a:noFill/>
-          </a:ln>
-          <a:effectLst/>
-        </p:spPr>
-        <p:style>
-          <a:lnRef idx="1">
-            <a:schemeClr val="accent1"/>
-          </a:lnRef>
-          <a:fillRef idx="3">
-            <a:schemeClr val="accent1"/>
-          </a:fillRef>
-          <a:effectRef idx="2">
-            <a:schemeClr val="accent1"/>
-          </a:effectRef>
-          <a:fontRef idx="minor">
-            <a:schemeClr val="lt1"/>
-          </a:fontRef>
-        </p:style>
-        <p:txBody>
-          <a:bodyPr/>
-          <a:lstStyle/>
-          <a:p>
-            <a:endParaRPr lang="en-US"/>
-          </a:p>
-        </p:txBody>
-      </p:sp>
-      <p:pic>
-        <p:nvPicPr>
-          <p:cNvPr id="4" name="Picture 3" descr="A car parked in front of a building&#10;&#10;Description automatically generated">
-            <a:extLst>
-              <a:ext uri="{FF2B5EF4-FFF2-40B4-BE49-F238E27FC236}">
-                <a16:creationId xmlns:a16="http://schemas.microsoft.com/office/drawing/2014/main" id="{104FF15C-54D6-FC4B-8C06-AA2D0023696E}"/>
-              </a:ext>
-            </a:extLst>
-          </p:cNvPr>
-          <p:cNvPicPr>
-            <a:picLocks noChangeAspect="1"/>
-          </p:cNvPicPr>
-          <p:nvPr/>
-        </p:nvPicPr>
-        <p:blipFill>
-          <a:blip r:embed="rId3">
-            <a:extLst>
-              <a:ext uri="{28A0092B-C50C-407E-A947-70E740481C1C}">
-                <a14:useLocalDpi xmlns:a14="http://schemas.microsoft.com/office/drawing/2010/main" val="0"/>
-              </a:ext>
-            </a:extLst>
-          </a:blip>
-          <a:srcRect t="7760" r="-1" b="7968"/>
-          <a:stretch/>
-        </p:blipFill>
-        <p:spPr>
-          <a:xfrm>
-            <a:off x="1" y="-1"/>
-            <a:ext cx="12191695" cy="6858000"/>
-          </a:xfrm>
-          <a:prstGeom prst="rect">
-            <a:avLst/>
-          </a:prstGeom>
-        </p:spPr>
-      </p:pic>
-      <p:grpSp>
-        <p:nvGrpSpPr>
-          <p:cNvPr id="103" name="Group 102">
-            <a:extLst>
-              <a:ext uri="{FF2B5EF4-FFF2-40B4-BE49-F238E27FC236}">
-                <a16:creationId xmlns:a16="http://schemas.microsoft.com/office/drawing/2014/main" id="{3A852E5D-96B2-47B5-AB0F-426F231FBD41}"/>
-              </a:ext>
-              <a:ext uri="{C183D7F6-B498-43B3-948B-1728B52AA6E4}">
-                <adec:decorative xmlns:adec="http://schemas.microsoft.com/office/drawing/2017/decorative" val="1"/>
-              </a:ext>
-            </a:extLst>
-          </p:cNvPr>
-          <p:cNvGrpSpPr>
-            <a:grpSpLocks noGrp="1" noUngrp="1" noRot="1" noChangeAspect="1" noMove="1" noResize="1"/>
-          </p:cNvGrpSpPr>
-          <p:nvPr>
-            <p:extLst>
-              <p:ext uri="{386F3935-93C4-4BCD-93E2-E3B085C9AB24}">
-                <p16:designElem xmlns:p16="http://schemas.microsoft.com/office/powerpoint/2015/main" val="1"/>
-              </p:ext>
-            </p:extLst>
-          </p:nvPr>
-        </p:nvGrpSpPr>
-        <p:grpSpPr>
-          <a:xfrm>
-            <a:off x="438068" y="457201"/>
-            <a:ext cx="3703320" cy="5935131"/>
-            <a:chOff x="438068" y="457201"/>
-            <a:chExt cx="3703320" cy="5935131"/>
-          </a:xfrm>
-        </p:grpSpPr>
-        <p:sp>
-          <p:nvSpPr>
-            <p:cNvPr id="104" name="Rectangle 103">
-              <a:extLst>
-                <a:ext uri="{FF2B5EF4-FFF2-40B4-BE49-F238E27FC236}">
-                  <a16:creationId xmlns:a16="http://schemas.microsoft.com/office/drawing/2014/main" id="{FBEA2C8A-CA20-494E-8DAA-985E842EDB7F}"/>
-                </a:ext>
-                <a:ext uri="{C183D7F6-B498-43B3-948B-1728B52AA6E4}">
-                  <adec:decorative xmlns:adec="http://schemas.microsoft.com/office/drawing/2017/decorative" val="1"/>
-                </a:ext>
-              </a:extLst>
-            </p:cNvPr>
-            <p:cNvSpPr/>
-            <p:nvPr>
-              <p:extLst>
-                <p:ext uri="{386F3935-93C4-4BCD-93E2-E3B085C9AB24}">
-                  <p16:designElem xmlns:p16="http://schemas.microsoft.com/office/powerpoint/2015/main" val="1"/>
-                </p:ext>
-              </p:extLst>
-            </p:nvPr>
-          </p:nvSpPr>
-          <p:spPr>
-            <a:xfrm>
-              <a:off x="438068" y="641102"/>
-              <a:ext cx="3702134" cy="5751230"/>
-            </a:xfrm>
-            <a:prstGeom prst="rect">
-              <a:avLst/>
-            </a:prstGeom>
-            <a:solidFill>
-              <a:srgbClr val="465359">
-                <a:alpha val="97000"/>
-              </a:srgbClr>
-            </a:solidFill>
-            <a:ln w="6350" cmpd="sng">
-              <a:noFill/>
-            </a:ln>
-            <a:effectLst/>
-          </p:spPr>
-          <p:style>
-            <a:lnRef idx="1">
-              <a:schemeClr val="accent1"/>
-            </a:lnRef>
-            <a:fillRef idx="3">
-              <a:schemeClr val="accent1"/>
-            </a:fillRef>
-            <a:effectRef idx="2">
-              <a:schemeClr val="accent1"/>
-            </a:effectRef>
-            <a:fontRef idx="minor">
-              <a:schemeClr val="lt1"/>
-            </a:fontRef>
-          </p:style>
-          <p:txBody>
-            <a:bodyPr/>
-            <a:lstStyle/>
-            <a:p>
-              <a:endParaRPr lang="en-US"/>
-            </a:p>
-          </p:txBody>
-        </p:sp>
-        <p:sp>
-          <p:nvSpPr>
-            <p:cNvPr id="105" name="Rectangle 104">
-              <a:extLst>
-                <a:ext uri="{FF2B5EF4-FFF2-40B4-BE49-F238E27FC236}">
-                  <a16:creationId xmlns:a16="http://schemas.microsoft.com/office/drawing/2014/main" id="{DBAE429C-3A94-4C39-B88C-596F1E4C0AB0}"/>
-                </a:ext>
-                <a:ext uri="{C183D7F6-B498-43B3-948B-1728B52AA6E4}">
-                  <adec:decorative xmlns:adec="http://schemas.microsoft.com/office/drawing/2017/decorative" val="1"/>
-                </a:ext>
-              </a:extLst>
-            </p:cNvPr>
-            <p:cNvSpPr/>
-            <p:nvPr>
-              <p:extLst>
-                <p:ext uri="{386F3935-93C4-4BCD-93E2-E3B085C9AB24}">
-                  <p16:designElem xmlns:p16="http://schemas.microsoft.com/office/powerpoint/2015/main" val="1"/>
-                </p:ext>
-              </p:extLst>
-            </p:nvPr>
-          </p:nvSpPr>
-          <p:spPr>
-            <a:xfrm>
-              <a:off x="438068" y="457201"/>
-              <a:ext cx="3703320" cy="91440"/>
-            </a:xfrm>
-            <a:prstGeom prst="rect">
-              <a:avLst/>
-            </a:prstGeom>
-            <a:solidFill>
-              <a:srgbClr val="465359"/>
-            </a:solidFill>
-            <a:ln>
-              <a:noFill/>
-            </a:ln>
-            <a:effectLst/>
-          </p:spPr>
-          <p:style>
-            <a:lnRef idx="1">
-              <a:schemeClr val="accent1"/>
-            </a:lnRef>
-            <a:fillRef idx="3">
-              <a:schemeClr val="accent1"/>
-            </a:fillRef>
-            <a:effectRef idx="2">
-              <a:schemeClr val="accent1"/>
-            </a:effectRef>
-            <a:fontRef idx="minor">
-              <a:schemeClr val="lt1"/>
-            </a:fontRef>
-          </p:style>
-          <p:txBody>
-            <a:bodyPr/>
-            <a:lstStyle/>
-            <a:p>
-              <a:endParaRPr lang="en-US"/>
-            </a:p>
-          </p:txBody>
-        </p:sp>
-      </p:grpSp>
-      <p:sp>
-        <p:nvSpPr>
-          <p:cNvPr id="2" name="Title 1">
-            <a:extLst>
-              <a:ext uri="{FF2B5EF4-FFF2-40B4-BE49-F238E27FC236}">
-                <a16:creationId xmlns:a16="http://schemas.microsoft.com/office/drawing/2014/main" id="{CF6CCE37-37F1-2BEC-D69C-E6E3FC1E5B1F}"/>
-              </a:ext>
-            </a:extLst>
-          </p:cNvPr>
-          <p:cNvSpPr>
-            <a:spLocks noGrp="1"/>
-          </p:cNvSpPr>
-          <p:nvPr>
-            <p:ph type="title"/>
-          </p:nvPr>
-        </p:nvSpPr>
-        <p:spPr>
-          <a:xfrm>
-            <a:off x="584200" y="3316166"/>
-            <a:ext cx="3412067" cy="1797702"/>
-          </a:xfrm>
-        </p:spPr>
-        <p:txBody>
-          <a:bodyPr vert="horz" lIns="91440" tIns="45720" rIns="91440" bIns="45720" rtlCol="0" anchor="b">
-            <a:normAutofit/>
-          </a:bodyPr>
-          <a:lstStyle/>
-          <a:p>
-            <a:r>
-              <a:rPr lang="en-US" sz="3600">
-                <a:solidFill>
-                  <a:srgbClr val="FFFFFF"/>
-                </a:solidFill>
-              </a:rPr>
-              <a:t>Best Graduation Rates</a:t>
-            </a:r>
-          </a:p>
-        </p:txBody>
-      </p:sp>
-      <p:sp>
-        <p:nvSpPr>
-          <p:cNvPr id="36" name="Content Placeholder 35">
-            <a:extLst>
-              <a:ext uri="{FF2B5EF4-FFF2-40B4-BE49-F238E27FC236}">
-                <a16:creationId xmlns:a16="http://schemas.microsoft.com/office/drawing/2014/main" id="{E522A829-3712-6920-8620-1D3E0BA4A39F}"/>
-              </a:ext>
-            </a:extLst>
-          </p:cNvPr>
-          <p:cNvSpPr>
-            <a:spLocks noGrp="1"/>
-          </p:cNvSpPr>
-          <p:nvPr>
-            <p:ph idx="1"/>
-          </p:nvPr>
-        </p:nvSpPr>
-        <p:spPr>
-          <a:xfrm>
-            <a:off x="584200" y="5145513"/>
-            <a:ext cx="3412067" cy="738820"/>
-          </a:xfrm>
-        </p:spPr>
-        <p:txBody>
-          <a:bodyPr vert="horz" lIns="91440" tIns="45720" rIns="91440" bIns="45720" rtlCol="0" anchor="t">
-            <a:normAutofit/>
-          </a:bodyPr>
-          <a:lstStyle/>
-          <a:p>
-            <a:pPr marL="0" indent="0">
-              <a:buNone/>
-            </a:pPr>
-            <a:r>
-              <a:rPr lang="en-US" sz="1600" cap="all">
-                <a:solidFill>
-                  <a:srgbClr val="FFFFFF">
-                    <a:alpha val="75000"/>
-                  </a:srgbClr>
-                </a:solidFill>
-              </a:rPr>
-              <a:t>East Nashville Magnet High School</a:t>
-            </a:r>
-          </a:p>
-        </p:txBody>
-      </p:sp>
-      <p:pic>
-        <p:nvPicPr>
-          <p:cNvPr id="7" name="Picture 6" descr="A map of a city&#10;&#10;Description automatically generated">
-            <a:extLst>
-              <a:ext uri="{FF2B5EF4-FFF2-40B4-BE49-F238E27FC236}">
-                <a16:creationId xmlns:a16="http://schemas.microsoft.com/office/drawing/2014/main" id="{5178FBCE-C1F5-FEF7-DAE0-B2B18D362B37}"/>
-              </a:ext>
-            </a:extLst>
-          </p:cNvPr>
-          <p:cNvPicPr>
-            <a:picLocks noChangeAspect="1"/>
-          </p:cNvPicPr>
-          <p:nvPr/>
-        </p:nvPicPr>
-        <p:blipFill>
-          <a:blip r:embed="rId4">
-            <a:extLst>
-              <a:ext uri="{28A0092B-C50C-407E-A947-70E740481C1C}">
-                <a14:useLocalDpi xmlns:a14="http://schemas.microsoft.com/office/drawing/2010/main" val="0"/>
-              </a:ext>
-            </a:extLst>
-          </a:blip>
-          <a:srcRect t="9349" r="-5" b="-5"/>
-          <a:stretch/>
-        </p:blipFill>
-        <p:spPr>
-          <a:xfrm>
-            <a:off x="532463" y="731077"/>
-            <a:ext cx="3515763" cy="2119422"/>
-          </a:xfrm>
-          <a:prstGeom prst="rect">
-            <a:avLst/>
-          </a:prstGeom>
-        </p:spPr>
-      </p:pic>
-    </p:spTree>
-    <p:extLst>
-      <p:ext uri="{BB962C8B-B14F-4D97-AF65-F5344CB8AC3E}">
-        <p14:creationId xmlns:p14="http://schemas.microsoft.com/office/powerpoint/2010/main" val="3730987668"/>
-      </p:ext>
-    </p:extLst>
-  </p:cSld>
-  <p:clrMapOvr>
-    <a:overrideClrMapping bg1="dk1" tx1="lt1" bg2="dk2" tx2="lt2" accent1="accent1" accent2="accent2" accent3="accent3" accent4="accent4" accent5="accent5" accent6="accent6" hlink="hlink" folHlink="folHlink"/>
-  </p:clrMapOvr>
-  <p:timing>
-    <p:tnLst>
-      <p:par>
-        <p:cTn id="1" dur="indefinite" restart="never" nodeType="tmRoot">
-          <p:childTnLst>
-            <p:seq concurrent="1" nextAc="seek">
-              <p:cTn id="2" dur="indefinite" nodeType="mainSeq">
-                <p:childTnLst>
-                  <p:par>
-                    <p:cTn id="3" fill="hold">
-                      <p:stCondLst>
-                        <p:cond delay="indefinite"/>
-                        <p:cond evt="onBegin" delay="0">
-                          <p:tn val="2"/>
-                        </p:cond>
-                      </p:stCondLst>
-                      <p:childTnLst>
-                        <p:par>
-                          <p:cTn id="4" fill="hold">
-                            <p:stCondLst>
-                              <p:cond delay="0"/>
-                            </p:stCondLst>
-                            <p:childTnLst>
-                              <p:par>
-                                <p:cTn id="5" presetID="10" presetClass="entr" presetSubtype="0" fill="hold" grpId="0" nodeType="withEffect">
-                                  <p:stCondLst>
-                                    <p:cond delay="1000"/>
-                                  </p:stCondLst>
-                                  <p:iterate type="lt">
-                                    <p:tmPct val="10000"/>
-                                  </p:iterate>
-                                  <p:childTnLst>
-                                    <p:set>
-                                      <p:cBhvr>
-                                        <p:cTn id="6" dur="1" fill="hold">
-                                          <p:stCondLst>
-                                            <p:cond delay="0"/>
-                                          </p:stCondLst>
-                                        </p:cTn>
-                                        <p:tgtEl>
-                                          <p:spTgt spid="2"/>
-                                        </p:tgtEl>
-                                        <p:attrNameLst>
-                                          <p:attrName>style.visibility</p:attrName>
-                                        </p:attrNameLst>
-                                      </p:cBhvr>
-                                      <p:to>
-                                        <p:strVal val="visible"/>
-                                      </p:to>
-                                    </p:set>
-                                    <p:animEffect transition="in" filter="fade">
-                                      <p:cBhvr>
-                                        <p:cTn id="7" dur="400"/>
-                                        <p:tgtEl>
-                                          <p:spTgt spid="2"/>
-                                        </p:tgtEl>
-                                      </p:cBhvr>
-                                    </p:animEffect>
-                                  </p:childTnLst>
-                                </p:cTn>
-                              </p:par>
-                            </p:childTnLst>
-                          </p:cTn>
-                        </p:par>
-                      </p:childTnLst>
-                    </p:cTn>
-                  </p:par>
-                </p:childTnLst>
-              </p:cTn>
-              <p:prevCondLst>
-                <p:cond evt="onPrev" delay="0">
-                  <p:tgtEl>
-                    <p:sldTgt/>
-                  </p:tgtEl>
-                </p:cond>
-              </p:prevCondLst>
-              <p:nextCondLst>
-                <p:cond evt="onNext" delay="0">
-                  <p:tgtEl>
-                    <p:sldTgt/>
-                  </p:tgtEl>
-                </p:cond>
-              </p:nextCondLst>
-            </p:seq>
-          </p:childTnLst>
-        </p:cTn>
-      </p:par>
-    </p:tnLst>
-    <p:bldLst>
-      <p:bldP spid="2" grpId="0"/>
-    </p:bldLst>
-  </p:timing>
-</p:sld>
-</file>
-
-<file path=ppt/slides/slide11.xml><?xml version="1.0" encoding="utf-8"?>
-<p:sld xmlns:a="http://schemas.openxmlformats.org/drawingml/2006/main" xmlns:r="http://schemas.openxmlformats.org/officeDocument/2006/relationships" xmlns:p="http://schemas.openxmlformats.org/presentationml/2006/main">
-  <p:cSld>
-    <p:bg>
-      <p:bgPr>
-        <a:solidFill>
-          <a:schemeClr val="bg1"/>
-        </a:solidFill>
-        <a:effectLst/>
-      </p:bgPr>
-    </p:bg>
-    <p:spTree>
-      <p:nvGrpSpPr>
-        <p:cNvPr id="1" name=""/>
-        <p:cNvGrpSpPr/>
-        <p:nvPr/>
-      </p:nvGrpSpPr>
-      <p:grpSpPr>
-        <a:xfrm>
-          <a:off x="0" y="0"/>
-          <a:ext cx="0" cy="0"/>
-          <a:chOff x="0" y="0"/>
-          <a:chExt cx="0" cy="0"/>
-        </a:xfrm>
-      </p:grpSpPr>
-      <p:sp>
-        <p:nvSpPr>
           <p:cNvPr id="10" name="Rectangle 9">
             <a:extLst>
               <a:ext uri="{FF2B5EF4-FFF2-40B4-BE49-F238E27FC236}">
@@ -12996,6 +12228,499 @@
   </p:cSld>
   <p:clrMapOvr>
     <a:masterClrMapping/>
+  </p:clrMapOvr>
+</p:sld>
+</file>
+
+<file path=ppt/slides/slide11.xml><?xml version="1.0" encoding="utf-8"?>
+<p:sld xmlns:a="http://schemas.openxmlformats.org/drawingml/2006/main" xmlns:r="http://schemas.openxmlformats.org/officeDocument/2006/relationships" xmlns:p="http://schemas.openxmlformats.org/presentationml/2006/main">
+  <p:cSld>
+    <p:bg>
+      <p:bgPr>
+        <a:solidFill>
+          <a:schemeClr val="bg2"/>
+        </a:solidFill>
+        <a:effectLst/>
+      </p:bgPr>
+    </p:bg>
+    <p:spTree>
+      <p:nvGrpSpPr>
+        <p:cNvPr id="1" name=""/>
+        <p:cNvGrpSpPr/>
+        <p:nvPr/>
+      </p:nvGrpSpPr>
+      <p:grpSpPr>
+        <a:xfrm>
+          <a:off x="0" y="0"/>
+          <a:ext cx="0" cy="0"/>
+          <a:chOff x="0" y="0"/>
+          <a:chExt cx="0" cy="0"/>
+        </a:xfrm>
+      </p:grpSpPr>
+      <p:sp>
+        <p:nvSpPr>
+          <p:cNvPr id="25" name="Rectangle 24">
+            <a:extLst>
+              <a:ext uri="{FF2B5EF4-FFF2-40B4-BE49-F238E27FC236}">
+                <a16:creationId xmlns:a16="http://schemas.microsoft.com/office/drawing/2014/main" id="{1BB56EB9-078F-4952-AC1F-149C7A0AE4D5}"/>
+              </a:ext>
+              <a:ext uri="{C183D7F6-B498-43B3-948B-1728B52AA6E4}">
+                <adec:decorative xmlns:adec="http://schemas.microsoft.com/office/drawing/2017/decorative" val="1"/>
+              </a:ext>
+            </a:extLst>
+          </p:cNvPr>
+          <p:cNvSpPr>
+            <a:spLocks noGrp="1" noRot="1" noChangeAspect="1" noMove="1" noResize="1" noEditPoints="1" noAdjustHandles="1" noChangeArrowheads="1" noChangeShapeType="1" noTextEdit="1"/>
+          </p:cNvSpPr>
+          <p:nvPr>
+            <p:extLst>
+              <p:ext uri="{386F3935-93C4-4BCD-93E2-E3B085C9AB24}">
+                <p16:designElem xmlns:p16="http://schemas.microsoft.com/office/powerpoint/2015/main" val="1"/>
+              </p:ext>
+            </p:extLst>
+          </p:nvPr>
+        </p:nvSpPr>
+        <p:spPr>
+          <a:xfrm>
+            <a:off x="0" y="0"/>
+            <a:ext cx="12192000" cy="6858000"/>
+          </a:xfrm>
+          <a:prstGeom prst="rect">
+            <a:avLst/>
+          </a:prstGeom>
+          <a:solidFill>
+            <a:schemeClr val="tx1"/>
+          </a:solidFill>
+          <a:ln>
+            <a:noFill/>
+          </a:ln>
+        </p:spPr>
+        <p:style>
+          <a:lnRef idx="2">
+            <a:schemeClr val="accent1">
+              <a:shade val="50000"/>
+            </a:schemeClr>
+          </a:lnRef>
+          <a:fillRef idx="1">
+            <a:schemeClr val="accent1"/>
+          </a:fillRef>
+          <a:effectRef idx="0">
+            <a:schemeClr val="accent1"/>
+          </a:effectRef>
+          <a:fontRef idx="minor">
+            <a:schemeClr val="lt1"/>
+          </a:fontRef>
+        </p:style>
+        <p:txBody>
+          <a:bodyPr rtlCol="0" anchor="ctr"/>
+          <a:lstStyle/>
+          <a:p>
+            <a:pPr algn="ctr"/>
+            <a:endParaRPr lang="en-US"/>
+          </a:p>
+        </p:txBody>
+      </p:sp>
+      <p:sp>
+        <p:nvSpPr>
+          <p:cNvPr id="2" name="Title 1">
+            <a:extLst>
+              <a:ext uri="{FF2B5EF4-FFF2-40B4-BE49-F238E27FC236}">
+                <a16:creationId xmlns:a16="http://schemas.microsoft.com/office/drawing/2014/main" id="{5047AA93-0184-6D69-45C2-A51151E34A1C}"/>
+              </a:ext>
+            </a:extLst>
+          </p:cNvPr>
+          <p:cNvSpPr>
+            <a:spLocks noGrp="1"/>
+          </p:cNvSpPr>
+          <p:nvPr>
+            <p:ph type="title"/>
+          </p:nvPr>
+        </p:nvSpPr>
+        <p:spPr>
+          <a:xfrm>
+            <a:off x="672280" y="944752"/>
+            <a:ext cx="3259016" cy="1462692"/>
+          </a:xfrm>
+        </p:spPr>
+        <p:txBody>
+          <a:bodyPr>
+            <a:normAutofit/>
+          </a:bodyPr>
+          <a:lstStyle/>
+          <a:p>
+            <a:r>
+              <a:rPr lang="en-US" sz="2400" dirty="0">
+                <a:solidFill>
+                  <a:schemeClr val="bg1">
+                    <a:lumMod val="75000"/>
+                    <a:lumOff val="25000"/>
+                  </a:schemeClr>
+                </a:solidFill>
+              </a:rPr>
+              <a:t>Lowest Graduation rates in 2023</a:t>
+            </a:r>
+            <a:br>
+              <a:rPr lang="en-US" sz="2400" dirty="0">
+                <a:solidFill>
+                  <a:schemeClr val="bg1">
+                    <a:lumMod val="75000"/>
+                    <a:lumOff val="25000"/>
+                  </a:schemeClr>
+                </a:solidFill>
+              </a:rPr>
+            </a:br>
+            <a:endParaRPr lang="en-US" sz="2400" dirty="0">
+              <a:solidFill>
+                <a:schemeClr val="bg1">
+                  <a:lumMod val="75000"/>
+                  <a:lumOff val="25000"/>
+                </a:schemeClr>
+              </a:solidFill>
+            </a:endParaRPr>
+          </a:p>
+        </p:txBody>
+      </p:sp>
+      <p:sp>
+        <p:nvSpPr>
+          <p:cNvPr id="27" name="Rectangle 26">
+            <a:extLst>
+              <a:ext uri="{FF2B5EF4-FFF2-40B4-BE49-F238E27FC236}">
+                <a16:creationId xmlns:a16="http://schemas.microsoft.com/office/drawing/2014/main" id="{10058680-D07C-4893-B2B7-91543F18AB32}"/>
+              </a:ext>
+              <a:ext uri="{C183D7F6-B498-43B3-948B-1728B52AA6E4}">
+                <adec:decorative xmlns:adec="http://schemas.microsoft.com/office/drawing/2017/decorative" val="1"/>
+              </a:ext>
+            </a:extLst>
+          </p:cNvPr>
+          <p:cNvSpPr>
+            <a:spLocks noGrp="1" noRot="1" noChangeAspect="1" noMove="1" noResize="1" noEditPoints="1" noAdjustHandles="1" noChangeArrowheads="1" noChangeShapeType="1" noTextEdit="1"/>
+          </p:cNvSpPr>
+          <p:nvPr>
+            <p:extLst>
+              <p:ext uri="{386F3935-93C4-4BCD-93E2-E3B085C9AB24}">
+                <p16:designElem xmlns:p16="http://schemas.microsoft.com/office/powerpoint/2015/main" val="1"/>
+              </p:ext>
+            </p:extLst>
+          </p:nvPr>
+        </p:nvSpPr>
+        <p:spPr>
+          <a:xfrm>
+            <a:off x="446534" y="457200"/>
+            <a:ext cx="3703320" cy="94997"/>
+          </a:xfrm>
+          <a:prstGeom prst="rect">
+            <a:avLst/>
+          </a:prstGeom>
+          <a:solidFill>
+            <a:srgbClr val="465359"/>
+          </a:solidFill>
+          <a:ln>
+            <a:noFill/>
+          </a:ln>
+          <a:effectLst/>
+        </p:spPr>
+        <p:style>
+          <a:lnRef idx="1">
+            <a:schemeClr val="accent1"/>
+          </a:lnRef>
+          <a:fillRef idx="3">
+            <a:schemeClr val="accent1"/>
+          </a:fillRef>
+          <a:effectRef idx="2">
+            <a:schemeClr val="accent1"/>
+          </a:effectRef>
+          <a:fontRef idx="minor">
+            <a:schemeClr val="lt1"/>
+          </a:fontRef>
+        </p:style>
+        <p:txBody>
+          <a:bodyPr/>
+          <a:lstStyle/>
+          <a:p>
+            <a:endParaRPr lang="en-US"/>
+          </a:p>
+        </p:txBody>
+      </p:sp>
+      <p:sp>
+        <p:nvSpPr>
+          <p:cNvPr id="39" name="Rectangle 38">
+            <a:extLst>
+              <a:ext uri="{FF2B5EF4-FFF2-40B4-BE49-F238E27FC236}">
+                <a16:creationId xmlns:a16="http://schemas.microsoft.com/office/drawing/2014/main" id="{7B42427A-0A1F-4A55-8705-D9179F1E0CFB}"/>
+              </a:ext>
+              <a:ext uri="{C183D7F6-B498-43B3-948B-1728B52AA6E4}">
+                <adec:decorative xmlns:adec="http://schemas.microsoft.com/office/drawing/2017/decorative" val="1"/>
+              </a:ext>
+            </a:extLst>
+          </p:cNvPr>
+          <p:cNvSpPr>
+            <a:spLocks noGrp="1" noRot="1" noChangeAspect="1" noMove="1" noResize="1" noEditPoints="1" noAdjustHandles="1" noChangeArrowheads="1" noChangeShapeType="1" noTextEdit="1"/>
+          </p:cNvSpPr>
+          <p:nvPr>
+            <p:extLst>
+              <p:ext uri="{386F3935-93C4-4BCD-93E2-E3B085C9AB24}">
+                <p16:designElem xmlns:p16="http://schemas.microsoft.com/office/powerpoint/2015/main" val="1"/>
+              </p:ext>
+            </p:extLst>
+          </p:nvPr>
+        </p:nvSpPr>
+        <p:spPr>
+          <a:xfrm>
+            <a:off x="4241830" y="457200"/>
+            <a:ext cx="3703320" cy="91440"/>
+          </a:xfrm>
+          <a:prstGeom prst="rect">
+            <a:avLst/>
+          </a:prstGeom>
+          <a:solidFill>
+            <a:schemeClr val="accent1"/>
+          </a:solidFill>
+          <a:ln>
+            <a:noFill/>
+          </a:ln>
+          <a:effectLst/>
+        </p:spPr>
+        <p:style>
+          <a:lnRef idx="1">
+            <a:schemeClr val="accent1"/>
+          </a:lnRef>
+          <a:fillRef idx="3">
+            <a:schemeClr val="accent1"/>
+          </a:fillRef>
+          <a:effectRef idx="2">
+            <a:schemeClr val="accent1"/>
+          </a:effectRef>
+          <a:fontRef idx="minor">
+            <a:schemeClr val="lt1"/>
+          </a:fontRef>
+        </p:style>
+        <p:txBody>
+          <a:bodyPr/>
+          <a:lstStyle/>
+          <a:p>
+            <a:endParaRPr lang="en-US" dirty="0"/>
+          </a:p>
+        </p:txBody>
+      </p:sp>
+      <p:sp>
+        <p:nvSpPr>
+          <p:cNvPr id="40" name="Rectangle 39">
+            <a:extLst>
+              <a:ext uri="{FF2B5EF4-FFF2-40B4-BE49-F238E27FC236}">
+                <a16:creationId xmlns:a16="http://schemas.microsoft.com/office/drawing/2014/main" id="{EE54A6FE-D8CB-48A3-900B-053D4EBD3B85}"/>
+              </a:ext>
+              <a:ext uri="{C183D7F6-B498-43B3-948B-1728B52AA6E4}">
+                <adec:decorative xmlns:adec="http://schemas.microsoft.com/office/drawing/2017/decorative" val="1"/>
+              </a:ext>
+            </a:extLst>
+          </p:cNvPr>
+          <p:cNvSpPr>
+            <a:spLocks noGrp="1" noRot="1" noChangeAspect="1" noMove="1" noResize="1" noEditPoints="1" noAdjustHandles="1" noChangeArrowheads="1" noChangeShapeType="1" noTextEdit="1"/>
+          </p:cNvSpPr>
+          <p:nvPr>
+            <p:extLst>
+              <p:ext uri="{386F3935-93C4-4BCD-93E2-E3B085C9AB24}">
+                <p16:designElem xmlns:p16="http://schemas.microsoft.com/office/powerpoint/2015/main" val="1"/>
+              </p:ext>
+            </p:extLst>
+          </p:nvPr>
+        </p:nvSpPr>
+        <p:spPr>
+          <a:xfrm>
+            <a:off x="8042147" y="453643"/>
+            <a:ext cx="3703320" cy="98554"/>
+          </a:xfrm>
+          <a:prstGeom prst="rect">
+            <a:avLst/>
+          </a:prstGeom>
+          <a:solidFill>
+            <a:srgbClr val="969FA7"/>
+          </a:solidFill>
+          <a:ln>
+            <a:noFill/>
+          </a:ln>
+          <a:effectLst/>
+        </p:spPr>
+        <p:style>
+          <a:lnRef idx="1">
+            <a:schemeClr val="accent1"/>
+          </a:lnRef>
+          <a:fillRef idx="3">
+            <a:schemeClr val="accent1"/>
+          </a:fillRef>
+          <a:effectRef idx="2">
+            <a:schemeClr val="accent1"/>
+          </a:effectRef>
+          <a:fontRef idx="minor">
+            <a:schemeClr val="lt1"/>
+          </a:fontRef>
+        </p:style>
+        <p:txBody>
+          <a:bodyPr/>
+          <a:lstStyle/>
+          <a:p>
+            <a:endParaRPr lang="en-US"/>
+          </a:p>
+        </p:txBody>
+      </p:sp>
+      <p:sp>
+        <p:nvSpPr>
+          <p:cNvPr id="9" name="Content Placeholder 8">
+            <a:extLst>
+              <a:ext uri="{FF2B5EF4-FFF2-40B4-BE49-F238E27FC236}">
+                <a16:creationId xmlns:a16="http://schemas.microsoft.com/office/drawing/2014/main" id="{674567D5-4058-3C2C-31B1-97D72A7EDC81}"/>
+              </a:ext>
+            </a:extLst>
+          </p:cNvPr>
+          <p:cNvSpPr>
+            <a:spLocks noGrp="1"/>
+          </p:cNvSpPr>
+          <p:nvPr>
+            <p:ph idx="1"/>
+          </p:nvPr>
+        </p:nvSpPr>
+        <p:spPr>
+          <a:xfrm>
+            <a:off x="671513" y="2536031"/>
+            <a:ext cx="3123783" cy="3671936"/>
+          </a:xfrm>
+        </p:spPr>
+        <p:txBody>
+          <a:bodyPr anchor="t">
+            <a:normAutofit/>
+          </a:bodyPr>
+          <a:lstStyle/>
+          <a:p>
+            <a:r>
+              <a:rPr lang="en-US" dirty="0">
+                <a:solidFill>
+                  <a:schemeClr val="bg1">
+                    <a:lumMod val="75000"/>
+                    <a:lumOff val="25000"/>
+                  </a:schemeClr>
+                </a:solidFill>
+              </a:rPr>
+              <a:t>Maplewood High – 37216</a:t>
+            </a:r>
+          </a:p>
+          <a:p>
+            <a:r>
+              <a:rPr lang="en-US" dirty="0">
+                <a:solidFill>
+                  <a:schemeClr val="bg1">
+                    <a:lumMod val="75000"/>
+                    <a:lumOff val="25000"/>
+                  </a:schemeClr>
+                </a:solidFill>
+              </a:rPr>
+              <a:t>Glencliff High – 37211</a:t>
+            </a:r>
+          </a:p>
+          <a:p>
+            <a:r>
+              <a:rPr lang="en-US" dirty="0">
+                <a:solidFill>
+                  <a:schemeClr val="bg1">
+                    <a:lumMod val="75000"/>
+                    <a:lumOff val="25000"/>
+                  </a:schemeClr>
+                </a:solidFill>
+              </a:rPr>
+              <a:t>Antioch High – 37013</a:t>
+            </a:r>
+          </a:p>
+          <a:p>
+            <a:r>
+              <a:rPr lang="en-US" dirty="0">
+                <a:solidFill>
+                  <a:schemeClr val="bg1">
+                    <a:lumMod val="75000"/>
+                    <a:lumOff val="25000"/>
+                  </a:schemeClr>
+                </a:solidFill>
+              </a:rPr>
+              <a:t>McGavock High – 37214</a:t>
+            </a:r>
+          </a:p>
+          <a:p>
+            <a:r>
+              <a:rPr lang="en-US" dirty="0">
+                <a:solidFill>
+                  <a:schemeClr val="bg1">
+                    <a:lumMod val="75000"/>
+                    <a:lumOff val="25000"/>
+                  </a:schemeClr>
+                </a:solidFill>
+              </a:rPr>
+              <a:t>John Overton High – 37220</a:t>
+            </a:r>
+          </a:p>
+          <a:p>
+            <a:endParaRPr lang="en-US" dirty="0">
+              <a:solidFill>
+                <a:schemeClr val="bg1">
+                  <a:lumMod val="75000"/>
+                  <a:lumOff val="25000"/>
+                </a:schemeClr>
+              </a:solidFill>
+            </a:endParaRPr>
+          </a:p>
+          <a:p>
+            <a:endParaRPr lang="en-US" dirty="0">
+              <a:solidFill>
+                <a:schemeClr val="bg1">
+                  <a:lumMod val="75000"/>
+                  <a:lumOff val="25000"/>
+                </a:schemeClr>
+              </a:solidFill>
+            </a:endParaRPr>
+          </a:p>
+        </p:txBody>
+      </p:sp>
+      <p:pic>
+        <p:nvPicPr>
+          <p:cNvPr id="5" name="Content Placeholder 4" descr="A graph of graduation rates&#10;&#10;Description automatically generated">
+            <a:extLst>
+              <a:ext uri="{FF2B5EF4-FFF2-40B4-BE49-F238E27FC236}">
+                <a16:creationId xmlns:a16="http://schemas.microsoft.com/office/drawing/2014/main" id="{9C37C42C-E9D6-4E32-759D-A1502FFD5820}"/>
+              </a:ext>
+            </a:extLst>
+          </p:cNvPr>
+          <p:cNvPicPr>
+            <a:picLocks noChangeAspect="1"/>
+          </p:cNvPicPr>
+          <p:nvPr/>
+        </p:nvPicPr>
+        <p:blipFill>
+          <a:blip r:embed="rId2">
+            <a:extLst>
+              <a:ext uri="{28A0092B-C50C-407E-A947-70E740481C1C}">
+                <a14:useLocalDpi xmlns:a14="http://schemas.microsoft.com/office/drawing/2010/main" val="0"/>
+              </a:ext>
+            </a:extLst>
+          </a:blip>
+          <a:srcRect b="4748"/>
+          <a:stretch/>
+        </p:blipFill>
+        <p:spPr>
+          <a:xfrm>
+            <a:off x="4241830" y="601200"/>
+            <a:ext cx="7503636" cy="5789365"/>
+          </a:xfrm>
+          <a:prstGeom prst="rect">
+            <a:avLst/>
+          </a:prstGeom>
+        </p:spPr>
+      </p:pic>
+    </p:spTree>
+    <p:extLst>
+      <p:ext uri="{BB962C8B-B14F-4D97-AF65-F5344CB8AC3E}">
+        <p14:creationId xmlns:p14="http://schemas.microsoft.com/office/powerpoint/2010/main" val="1557601959"/>
+      </p:ext>
+    </p:extLst>
+  </p:cSld>
+  <p:clrMapOvr>
+    <a:overrideClrMapping bg1="dk1" tx1="lt1" bg2="dk2" tx2="lt2" accent1="accent1" accent2="accent2" accent3="accent3" accent4="accent4" accent5="accent5" accent6="accent6" hlink="hlink" folHlink="folHlink"/>
   </p:clrMapOvr>
 </p:sld>
 </file>
@@ -16166,13 +15891,13 @@
           <p:nvPr/>
         </p:nvPicPr>
         <p:blipFill>
-          <a:blip r:embed="rId2">
+          <a:blip r:embed="rId3">
             <a:extLst>
               <a:ext uri="{28A0092B-C50C-407E-A947-70E740481C1C}">
                 <a14:useLocalDpi xmlns:a14="http://schemas.microsoft.com/office/drawing/2010/main" val="0"/>
               </a:ext>
               <a:ext uri="{96DAC541-7B7A-43D3-8B79-37D633B846F1}">
-                <asvg:svgBlip xmlns:asvg="http://schemas.microsoft.com/office/drawing/2016/SVG/main" r:embed="rId3"/>
+                <asvg:svgBlip xmlns:asvg="http://schemas.microsoft.com/office/drawing/2016/SVG/main" r:embed="rId4"/>
               </a:ext>
             </a:extLst>
           </a:blip>
@@ -18081,89 +17806,6 @@
 </file>
 
 <file path=ppt/slides/slide8.xml><?xml version="1.0" encoding="utf-8"?>
-<p:sld xmlns:a="http://schemas.openxmlformats.org/drawingml/2006/main" xmlns:r="http://schemas.openxmlformats.org/officeDocument/2006/relationships" xmlns:p="http://schemas.openxmlformats.org/presentationml/2006/main">
-  <p:cSld>
-    <p:spTree>
-      <p:nvGrpSpPr>
-        <p:cNvPr id="1" name=""/>
-        <p:cNvGrpSpPr/>
-        <p:nvPr/>
-      </p:nvGrpSpPr>
-      <p:grpSpPr>
-        <a:xfrm>
-          <a:off x="0" y="0"/>
-          <a:ext cx="0" cy="0"/>
-          <a:chOff x="0" y="0"/>
-          <a:chExt cx="0" cy="0"/>
-        </a:xfrm>
-      </p:grpSpPr>
-      <p:sp>
-        <p:nvSpPr>
-          <p:cNvPr id="2" name="Title 1">
-            <a:extLst>
-              <a:ext uri="{FF2B5EF4-FFF2-40B4-BE49-F238E27FC236}">
-                <a16:creationId xmlns:a16="http://schemas.microsoft.com/office/drawing/2014/main" id="{32C9B634-8EBB-0572-4D97-794E65809515}"/>
-              </a:ext>
-            </a:extLst>
-          </p:cNvPr>
-          <p:cNvSpPr>
-            <a:spLocks noGrp="1"/>
-          </p:cNvSpPr>
-          <p:nvPr>
-            <p:ph type="title"/>
-          </p:nvPr>
-        </p:nvSpPr>
-        <p:spPr/>
-        <p:txBody>
-          <a:bodyPr/>
-          <a:lstStyle/>
-          <a:p>
-            <a:r>
-              <a:rPr lang="en-US" dirty="0"/>
-              <a:t>Avg, other stats</a:t>
-            </a:r>
-          </a:p>
-        </p:txBody>
-      </p:sp>
-      <p:sp>
-        <p:nvSpPr>
-          <p:cNvPr id="3" name="Content Placeholder 2">
-            <a:extLst>
-              <a:ext uri="{FF2B5EF4-FFF2-40B4-BE49-F238E27FC236}">
-                <a16:creationId xmlns:a16="http://schemas.microsoft.com/office/drawing/2014/main" id="{2CCAEA80-07F1-6A75-868E-F5D8B640ED43}"/>
-              </a:ext>
-            </a:extLst>
-          </p:cNvPr>
-          <p:cNvSpPr>
-            <a:spLocks noGrp="1"/>
-          </p:cNvSpPr>
-          <p:nvPr>
-            <p:ph idx="1"/>
-          </p:nvPr>
-        </p:nvSpPr>
-        <p:spPr/>
-        <p:txBody>
-          <a:bodyPr/>
-          <a:lstStyle/>
-          <a:p>
-            <a:endParaRPr lang="en-US"/>
-          </a:p>
-        </p:txBody>
-      </p:sp>
-    </p:spTree>
-    <p:extLst>
-      <p:ext uri="{BB962C8B-B14F-4D97-AF65-F5344CB8AC3E}">
-        <p14:creationId xmlns:p14="http://schemas.microsoft.com/office/powerpoint/2010/main" val="3675985173"/>
-      </p:ext>
-    </p:extLst>
-  </p:cSld>
-  <p:clrMapOvr>
-    <a:masterClrMapping/>
-  </p:clrMapOvr>
-</p:sld>
-</file>
-
-<file path=ppt/slides/slide9.xml><?xml version="1.0" encoding="utf-8"?>
 <p:sld xmlns:a="http://schemas.openxmlformats.org/drawingml/2006/main" xmlns:r="http://schemas.openxmlformats.org/officeDocument/2006/relationships" xmlns:p="http://schemas.openxmlformats.org/presentationml/2006/main">
   <p:cSld>
     <p:bg>
@@ -18784,6 +18426,685 @@
                                     <p:animEffect transition="in" filter="fade">
                                       <p:cBhvr>
                                         <p:cTn id="7" dur="1000"/>
+                                        <p:tgtEl>
+                                          <p:spTgt spid="2"/>
+                                        </p:tgtEl>
+                                      </p:cBhvr>
+                                    </p:animEffect>
+                                  </p:childTnLst>
+                                </p:cTn>
+                              </p:par>
+                            </p:childTnLst>
+                          </p:cTn>
+                        </p:par>
+                      </p:childTnLst>
+                    </p:cTn>
+                  </p:par>
+                </p:childTnLst>
+              </p:cTn>
+              <p:prevCondLst>
+                <p:cond evt="onPrev" delay="0">
+                  <p:tgtEl>
+                    <p:sldTgt/>
+                  </p:tgtEl>
+                </p:cond>
+              </p:prevCondLst>
+              <p:nextCondLst>
+                <p:cond evt="onNext" delay="0">
+                  <p:tgtEl>
+                    <p:sldTgt/>
+                  </p:tgtEl>
+                </p:cond>
+              </p:nextCondLst>
+            </p:seq>
+          </p:childTnLst>
+        </p:cTn>
+      </p:par>
+    </p:tnLst>
+    <p:bldLst>
+      <p:bldP spid="2" grpId="0"/>
+    </p:bldLst>
+  </p:timing>
+</p:sld>
+</file>
+
+<file path=ppt/slides/slide9.xml><?xml version="1.0" encoding="utf-8"?>
+<p:sld xmlns:a="http://schemas.openxmlformats.org/drawingml/2006/main" xmlns:r="http://schemas.openxmlformats.org/officeDocument/2006/relationships" xmlns:p="http://schemas.openxmlformats.org/presentationml/2006/main">
+  <p:cSld>
+    <p:bg>
+      <p:bgPr>
+        <a:solidFill>
+          <a:schemeClr val="bg1"/>
+        </a:solidFill>
+        <a:effectLst/>
+      </p:bgPr>
+    </p:bg>
+    <p:spTree>
+      <p:nvGrpSpPr>
+        <p:cNvPr id="1" name=""/>
+        <p:cNvGrpSpPr/>
+        <p:nvPr/>
+      </p:nvGrpSpPr>
+      <p:grpSpPr>
+        <a:xfrm>
+          <a:off x="0" y="0"/>
+          <a:ext cx="0" cy="0"/>
+          <a:chOff x="0" y="0"/>
+          <a:chExt cx="0" cy="0"/>
+        </a:xfrm>
+      </p:grpSpPr>
+      <p:sp>
+        <p:nvSpPr>
+          <p:cNvPr id="95" name="Rectangle 94">
+            <a:extLst>
+              <a:ext uri="{FF2B5EF4-FFF2-40B4-BE49-F238E27FC236}">
+                <a16:creationId xmlns:a16="http://schemas.microsoft.com/office/drawing/2014/main" id="{77F2BB43-1E8B-40A7-9733-9AEE76BFE22A}"/>
+              </a:ext>
+              <a:ext uri="{C183D7F6-B498-43B3-948B-1728B52AA6E4}">
+                <adec:decorative xmlns:adec="http://schemas.microsoft.com/office/drawing/2017/decorative" val="1"/>
+              </a:ext>
+            </a:extLst>
+          </p:cNvPr>
+          <p:cNvSpPr>
+            <a:spLocks noGrp="1" noRot="1" noChangeAspect="1" noMove="1" noResize="1" noEditPoints="1" noAdjustHandles="1" noChangeArrowheads="1" noChangeShapeType="1" noTextEdit="1"/>
+          </p:cNvSpPr>
+          <p:nvPr>
+            <p:extLst>
+              <p:ext uri="{386F3935-93C4-4BCD-93E2-E3B085C9AB24}">
+                <p16:designElem xmlns:p16="http://schemas.microsoft.com/office/powerpoint/2015/main" val="1"/>
+              </p:ext>
+            </p:extLst>
+          </p:nvPr>
+        </p:nvSpPr>
+        <p:spPr>
+          <a:xfrm>
+            <a:off x="446534" y="457200"/>
+            <a:ext cx="3703320" cy="94997"/>
+          </a:xfrm>
+          <a:prstGeom prst="rect">
+            <a:avLst/>
+          </a:prstGeom>
+          <a:solidFill>
+            <a:srgbClr val="465359"/>
+          </a:solidFill>
+          <a:ln>
+            <a:noFill/>
+          </a:ln>
+          <a:effectLst/>
+        </p:spPr>
+        <p:style>
+          <a:lnRef idx="1">
+            <a:schemeClr val="accent1"/>
+          </a:lnRef>
+          <a:fillRef idx="3">
+            <a:schemeClr val="accent1"/>
+          </a:fillRef>
+          <a:effectRef idx="2">
+            <a:schemeClr val="accent1"/>
+          </a:effectRef>
+          <a:fontRef idx="minor">
+            <a:schemeClr val="lt1"/>
+          </a:fontRef>
+        </p:style>
+        <p:txBody>
+          <a:bodyPr/>
+          <a:lstStyle/>
+          <a:p>
+            <a:endParaRPr lang="en-US"/>
+          </a:p>
+        </p:txBody>
+      </p:sp>
+      <p:sp>
+        <p:nvSpPr>
+          <p:cNvPr id="97" name="Rectangle 96">
+            <a:extLst>
+              <a:ext uri="{FF2B5EF4-FFF2-40B4-BE49-F238E27FC236}">
+                <a16:creationId xmlns:a16="http://schemas.microsoft.com/office/drawing/2014/main" id="{2F2499BD-C67D-4CD4-9747-4DCC7EF1FC2F}"/>
+              </a:ext>
+              <a:ext uri="{C183D7F6-B498-43B3-948B-1728B52AA6E4}">
+                <adec:decorative xmlns:adec="http://schemas.microsoft.com/office/drawing/2017/decorative" val="1"/>
+              </a:ext>
+            </a:extLst>
+          </p:cNvPr>
+          <p:cNvSpPr>
+            <a:spLocks noGrp="1" noRot="1" noChangeAspect="1" noMove="1" noResize="1" noEditPoints="1" noAdjustHandles="1" noChangeArrowheads="1" noChangeShapeType="1" noTextEdit="1"/>
+          </p:cNvSpPr>
+          <p:nvPr>
+            <p:extLst>
+              <p:ext uri="{386F3935-93C4-4BCD-93E2-E3B085C9AB24}">
+                <p16:designElem xmlns:p16="http://schemas.microsoft.com/office/powerpoint/2015/main" val="1"/>
+              </p:ext>
+            </p:extLst>
+          </p:nvPr>
+        </p:nvSpPr>
+        <p:spPr>
+          <a:xfrm>
+            <a:off x="8042147" y="453643"/>
+            <a:ext cx="3703320" cy="98554"/>
+          </a:xfrm>
+          <a:prstGeom prst="rect">
+            <a:avLst/>
+          </a:prstGeom>
+          <a:solidFill>
+            <a:srgbClr val="969FA7"/>
+          </a:solidFill>
+          <a:ln>
+            <a:noFill/>
+          </a:ln>
+          <a:effectLst/>
+        </p:spPr>
+        <p:style>
+          <a:lnRef idx="1">
+            <a:schemeClr val="accent1"/>
+          </a:lnRef>
+          <a:fillRef idx="3">
+            <a:schemeClr val="accent1"/>
+          </a:fillRef>
+          <a:effectRef idx="2">
+            <a:schemeClr val="accent1"/>
+          </a:effectRef>
+          <a:fontRef idx="minor">
+            <a:schemeClr val="lt1"/>
+          </a:fontRef>
+        </p:style>
+        <p:txBody>
+          <a:bodyPr/>
+          <a:lstStyle/>
+          <a:p>
+            <a:endParaRPr lang="en-US"/>
+          </a:p>
+        </p:txBody>
+      </p:sp>
+      <p:sp>
+        <p:nvSpPr>
+          <p:cNvPr id="99" name="Rectangle 98">
+            <a:extLst>
+              <a:ext uri="{FF2B5EF4-FFF2-40B4-BE49-F238E27FC236}">
+                <a16:creationId xmlns:a16="http://schemas.microsoft.com/office/drawing/2014/main" id="{80D02CAC-A533-4E24-84A6-B3171E16A274}"/>
+              </a:ext>
+              <a:ext uri="{C183D7F6-B498-43B3-948B-1728B52AA6E4}">
+                <adec:decorative xmlns:adec="http://schemas.microsoft.com/office/drawing/2017/decorative" val="1"/>
+              </a:ext>
+            </a:extLst>
+          </p:cNvPr>
+          <p:cNvSpPr>
+            <a:spLocks noGrp="1" noRot="1" noChangeAspect="1" noMove="1" noResize="1" noEditPoints="1" noAdjustHandles="1" noChangeArrowheads="1" noChangeShapeType="1" noTextEdit="1"/>
+          </p:cNvSpPr>
+          <p:nvPr>
+            <p:extLst>
+              <p:ext uri="{386F3935-93C4-4BCD-93E2-E3B085C9AB24}">
+                <p16:designElem xmlns:p16="http://schemas.microsoft.com/office/powerpoint/2015/main" val="1"/>
+              </p:ext>
+            </p:extLst>
+          </p:nvPr>
+        </p:nvSpPr>
+        <p:spPr>
+          <a:xfrm>
+            <a:off x="4241830" y="457200"/>
+            <a:ext cx="3703320" cy="91440"/>
+          </a:xfrm>
+          <a:prstGeom prst="rect">
+            <a:avLst/>
+          </a:prstGeom>
+          <a:solidFill>
+            <a:schemeClr val="accent1"/>
+          </a:solidFill>
+          <a:ln>
+            <a:noFill/>
+          </a:ln>
+          <a:effectLst/>
+        </p:spPr>
+        <p:style>
+          <a:lnRef idx="1">
+            <a:schemeClr val="accent1"/>
+          </a:lnRef>
+          <a:fillRef idx="3">
+            <a:schemeClr val="accent1"/>
+          </a:fillRef>
+          <a:effectRef idx="2">
+            <a:schemeClr val="accent1"/>
+          </a:effectRef>
+          <a:fontRef idx="minor">
+            <a:schemeClr val="lt1"/>
+          </a:fontRef>
+        </p:style>
+        <p:txBody>
+          <a:bodyPr/>
+          <a:lstStyle/>
+          <a:p>
+            <a:endParaRPr lang="en-US"/>
+          </a:p>
+        </p:txBody>
+      </p:sp>
+      <p:sp>
+        <p:nvSpPr>
+          <p:cNvPr id="101" name="Rectangle 100">
+            <a:extLst>
+              <a:ext uri="{FF2B5EF4-FFF2-40B4-BE49-F238E27FC236}">
+                <a16:creationId xmlns:a16="http://schemas.microsoft.com/office/drawing/2014/main" id="{44DBAF48-B17B-4AA7-9E99-4EC0C9905827}"/>
+              </a:ext>
+              <a:ext uri="{C183D7F6-B498-43B3-948B-1728B52AA6E4}">
+                <adec:decorative xmlns:adec="http://schemas.microsoft.com/office/drawing/2017/decorative" val="1"/>
+              </a:ext>
+            </a:extLst>
+          </p:cNvPr>
+          <p:cNvSpPr>
+            <a:spLocks noGrp="1" noRot="1" noChangeAspect="1" noMove="1" noResize="1" noEditPoints="1" noAdjustHandles="1" noChangeArrowheads="1" noChangeShapeType="1" noTextEdit="1"/>
+          </p:cNvSpPr>
+          <p:nvPr>
+            <p:extLst>
+              <p:ext uri="{386F3935-93C4-4BCD-93E2-E3B085C9AB24}">
+                <p16:designElem xmlns:p16="http://schemas.microsoft.com/office/powerpoint/2015/main" val="1"/>
+              </p:ext>
+            </p:extLst>
+          </p:nvPr>
+        </p:nvSpPr>
+        <p:spPr>
+          <a:xfrm>
+            <a:off x="446534" y="3085764"/>
+            <a:ext cx="11298932" cy="3338149"/>
+          </a:xfrm>
+          <a:prstGeom prst="rect">
+            <a:avLst/>
+          </a:prstGeom>
+          <a:solidFill>
+            <a:srgbClr val="465359"/>
+          </a:solidFill>
+          <a:ln>
+            <a:noFill/>
+          </a:ln>
+          <a:effectLst/>
+        </p:spPr>
+        <p:style>
+          <a:lnRef idx="1">
+            <a:schemeClr val="accent1"/>
+          </a:lnRef>
+          <a:fillRef idx="3">
+            <a:schemeClr val="accent1"/>
+          </a:fillRef>
+          <a:effectRef idx="2">
+            <a:schemeClr val="accent1"/>
+          </a:effectRef>
+          <a:fontRef idx="minor">
+            <a:schemeClr val="lt1"/>
+          </a:fontRef>
+        </p:style>
+        <p:txBody>
+          <a:bodyPr/>
+          <a:lstStyle/>
+          <a:p>
+            <a:endParaRPr lang="en-US"/>
+          </a:p>
+        </p:txBody>
+      </p:sp>
+      <p:pic>
+        <p:nvPicPr>
+          <p:cNvPr id="4" name="Picture 3" descr="A car parked in front of a building&#10;&#10;Description automatically generated">
+            <a:extLst>
+              <a:ext uri="{FF2B5EF4-FFF2-40B4-BE49-F238E27FC236}">
+                <a16:creationId xmlns:a16="http://schemas.microsoft.com/office/drawing/2014/main" id="{104FF15C-54D6-FC4B-8C06-AA2D0023696E}"/>
+              </a:ext>
+            </a:extLst>
+          </p:cNvPr>
+          <p:cNvPicPr>
+            <a:picLocks noChangeAspect="1"/>
+          </p:cNvPicPr>
+          <p:nvPr/>
+        </p:nvPicPr>
+        <p:blipFill>
+          <a:blip r:embed="rId3">
+            <a:extLst>
+              <a:ext uri="{28A0092B-C50C-407E-A947-70E740481C1C}">
+                <a14:useLocalDpi xmlns:a14="http://schemas.microsoft.com/office/drawing/2010/main" val="0"/>
+              </a:ext>
+            </a:extLst>
+          </a:blip>
+          <a:srcRect t="7760" r="-1" b="7968"/>
+          <a:stretch/>
+        </p:blipFill>
+        <p:spPr>
+          <a:xfrm>
+            <a:off x="1" y="-1"/>
+            <a:ext cx="12191695" cy="6858000"/>
+          </a:xfrm>
+          <a:prstGeom prst="rect">
+            <a:avLst/>
+          </a:prstGeom>
+        </p:spPr>
+      </p:pic>
+      <p:grpSp>
+        <p:nvGrpSpPr>
+          <p:cNvPr id="103" name="Group 102">
+            <a:extLst>
+              <a:ext uri="{FF2B5EF4-FFF2-40B4-BE49-F238E27FC236}">
+                <a16:creationId xmlns:a16="http://schemas.microsoft.com/office/drawing/2014/main" id="{3A852E5D-96B2-47B5-AB0F-426F231FBD41}"/>
+              </a:ext>
+              <a:ext uri="{C183D7F6-B498-43B3-948B-1728B52AA6E4}">
+                <adec:decorative xmlns:adec="http://schemas.microsoft.com/office/drawing/2017/decorative" val="1"/>
+              </a:ext>
+            </a:extLst>
+          </p:cNvPr>
+          <p:cNvGrpSpPr>
+            <a:grpSpLocks noGrp="1" noUngrp="1" noRot="1" noChangeAspect="1" noMove="1" noResize="1"/>
+          </p:cNvGrpSpPr>
+          <p:nvPr>
+            <p:extLst>
+              <p:ext uri="{386F3935-93C4-4BCD-93E2-E3B085C9AB24}">
+                <p16:designElem xmlns:p16="http://schemas.microsoft.com/office/powerpoint/2015/main" val="1"/>
+              </p:ext>
+            </p:extLst>
+          </p:nvPr>
+        </p:nvGrpSpPr>
+        <p:grpSpPr>
+          <a:xfrm>
+            <a:off x="438068" y="457201"/>
+            <a:ext cx="3703320" cy="5935131"/>
+            <a:chOff x="438068" y="457201"/>
+            <a:chExt cx="3703320" cy="5935131"/>
+          </a:xfrm>
+        </p:grpSpPr>
+        <p:sp>
+          <p:nvSpPr>
+            <p:cNvPr id="104" name="Rectangle 103">
+              <a:extLst>
+                <a:ext uri="{FF2B5EF4-FFF2-40B4-BE49-F238E27FC236}">
+                  <a16:creationId xmlns:a16="http://schemas.microsoft.com/office/drawing/2014/main" id="{FBEA2C8A-CA20-494E-8DAA-985E842EDB7F}"/>
+                </a:ext>
+                <a:ext uri="{C183D7F6-B498-43B3-948B-1728B52AA6E4}">
+                  <adec:decorative xmlns:adec="http://schemas.microsoft.com/office/drawing/2017/decorative" val="1"/>
+                </a:ext>
+              </a:extLst>
+            </p:cNvPr>
+            <p:cNvSpPr/>
+            <p:nvPr>
+              <p:extLst>
+                <p:ext uri="{386F3935-93C4-4BCD-93E2-E3B085C9AB24}">
+                  <p16:designElem xmlns:p16="http://schemas.microsoft.com/office/powerpoint/2015/main" val="1"/>
+                </p:ext>
+              </p:extLst>
+            </p:nvPr>
+          </p:nvSpPr>
+          <p:spPr>
+            <a:xfrm>
+              <a:off x="438068" y="641102"/>
+              <a:ext cx="3702134" cy="5751230"/>
+            </a:xfrm>
+            <a:prstGeom prst="rect">
+              <a:avLst/>
+            </a:prstGeom>
+            <a:solidFill>
+              <a:srgbClr val="465359">
+                <a:alpha val="97000"/>
+              </a:srgbClr>
+            </a:solidFill>
+            <a:ln w="6350" cmpd="sng">
+              <a:noFill/>
+            </a:ln>
+            <a:effectLst/>
+          </p:spPr>
+          <p:style>
+            <a:lnRef idx="1">
+              <a:schemeClr val="accent1"/>
+            </a:lnRef>
+            <a:fillRef idx="3">
+              <a:schemeClr val="accent1"/>
+            </a:fillRef>
+            <a:effectRef idx="2">
+              <a:schemeClr val="accent1"/>
+            </a:effectRef>
+            <a:fontRef idx="minor">
+              <a:schemeClr val="lt1"/>
+            </a:fontRef>
+          </p:style>
+          <p:txBody>
+            <a:bodyPr/>
+            <a:lstStyle/>
+            <a:p>
+              <a:endParaRPr lang="en-US"/>
+            </a:p>
+          </p:txBody>
+        </p:sp>
+        <p:sp>
+          <p:nvSpPr>
+            <p:cNvPr id="105" name="Rectangle 104">
+              <a:extLst>
+                <a:ext uri="{FF2B5EF4-FFF2-40B4-BE49-F238E27FC236}">
+                  <a16:creationId xmlns:a16="http://schemas.microsoft.com/office/drawing/2014/main" id="{DBAE429C-3A94-4C39-B88C-596F1E4C0AB0}"/>
+                </a:ext>
+                <a:ext uri="{C183D7F6-B498-43B3-948B-1728B52AA6E4}">
+                  <adec:decorative xmlns:adec="http://schemas.microsoft.com/office/drawing/2017/decorative" val="1"/>
+                </a:ext>
+              </a:extLst>
+            </p:cNvPr>
+            <p:cNvSpPr/>
+            <p:nvPr>
+              <p:extLst>
+                <p:ext uri="{386F3935-93C4-4BCD-93E2-E3B085C9AB24}">
+                  <p16:designElem xmlns:p16="http://schemas.microsoft.com/office/powerpoint/2015/main" val="1"/>
+                </p:ext>
+              </p:extLst>
+            </p:nvPr>
+          </p:nvSpPr>
+          <p:spPr>
+            <a:xfrm>
+              <a:off x="438068" y="457201"/>
+              <a:ext cx="3703320" cy="91440"/>
+            </a:xfrm>
+            <a:prstGeom prst="rect">
+              <a:avLst/>
+            </a:prstGeom>
+            <a:solidFill>
+              <a:srgbClr val="465359"/>
+            </a:solidFill>
+            <a:ln>
+              <a:noFill/>
+            </a:ln>
+            <a:effectLst/>
+          </p:spPr>
+          <p:style>
+            <a:lnRef idx="1">
+              <a:schemeClr val="accent1"/>
+            </a:lnRef>
+            <a:fillRef idx="3">
+              <a:schemeClr val="accent1"/>
+            </a:fillRef>
+            <a:effectRef idx="2">
+              <a:schemeClr val="accent1"/>
+            </a:effectRef>
+            <a:fontRef idx="minor">
+              <a:schemeClr val="lt1"/>
+            </a:fontRef>
+          </p:style>
+          <p:txBody>
+            <a:bodyPr/>
+            <a:lstStyle/>
+            <a:p>
+              <a:endParaRPr lang="en-US"/>
+            </a:p>
+          </p:txBody>
+        </p:sp>
+      </p:grpSp>
+      <p:sp>
+        <p:nvSpPr>
+          <p:cNvPr id="2" name="Title 1">
+            <a:extLst>
+              <a:ext uri="{FF2B5EF4-FFF2-40B4-BE49-F238E27FC236}">
+                <a16:creationId xmlns:a16="http://schemas.microsoft.com/office/drawing/2014/main" id="{CF6CCE37-37F1-2BEC-D69C-E6E3FC1E5B1F}"/>
+              </a:ext>
+            </a:extLst>
+          </p:cNvPr>
+          <p:cNvSpPr>
+            <a:spLocks noGrp="1"/>
+          </p:cNvSpPr>
+          <p:nvPr>
+            <p:ph type="title"/>
+          </p:nvPr>
+        </p:nvSpPr>
+        <p:spPr>
+          <a:xfrm>
+            <a:off x="584200" y="3316166"/>
+            <a:ext cx="3412067" cy="1797702"/>
+          </a:xfrm>
+        </p:spPr>
+        <p:txBody>
+          <a:bodyPr vert="horz" lIns="91440" tIns="45720" rIns="91440" bIns="45720" rtlCol="0" anchor="b">
+            <a:normAutofit/>
+          </a:bodyPr>
+          <a:lstStyle/>
+          <a:p>
+            <a:r>
+              <a:rPr lang="en-US" sz="3600">
+                <a:solidFill>
+                  <a:srgbClr val="FFFFFF"/>
+                </a:solidFill>
+              </a:rPr>
+              <a:t>Best Graduation Rates</a:t>
+            </a:r>
+          </a:p>
+        </p:txBody>
+      </p:sp>
+      <p:sp>
+        <p:nvSpPr>
+          <p:cNvPr id="36" name="Content Placeholder 35">
+            <a:extLst>
+              <a:ext uri="{FF2B5EF4-FFF2-40B4-BE49-F238E27FC236}">
+                <a16:creationId xmlns:a16="http://schemas.microsoft.com/office/drawing/2014/main" id="{E522A829-3712-6920-8620-1D3E0BA4A39F}"/>
+              </a:ext>
+            </a:extLst>
+          </p:cNvPr>
+          <p:cNvSpPr>
+            <a:spLocks noGrp="1"/>
+          </p:cNvSpPr>
+          <p:nvPr>
+            <p:ph idx="1"/>
+          </p:nvPr>
+        </p:nvSpPr>
+        <p:spPr>
+          <a:xfrm>
+            <a:off x="584200" y="5145513"/>
+            <a:ext cx="3412067" cy="738820"/>
+          </a:xfrm>
+        </p:spPr>
+        <p:txBody>
+          <a:bodyPr vert="horz" lIns="91440" tIns="45720" rIns="91440" bIns="45720" rtlCol="0" anchor="t">
+            <a:normAutofit/>
+          </a:bodyPr>
+          <a:lstStyle/>
+          <a:p>
+            <a:pPr marL="0" indent="0">
+              <a:buNone/>
+            </a:pPr>
+            <a:r>
+              <a:rPr lang="en-US" sz="1600" cap="all">
+                <a:solidFill>
+                  <a:srgbClr val="FFFFFF">
+                    <a:alpha val="75000"/>
+                  </a:srgbClr>
+                </a:solidFill>
+              </a:rPr>
+              <a:t>East Nashville Magnet High School</a:t>
+            </a:r>
+          </a:p>
+        </p:txBody>
+      </p:sp>
+      <p:pic>
+        <p:nvPicPr>
+          <p:cNvPr id="7" name="Picture 6" descr="A map of a city&#10;&#10;Description automatically generated">
+            <a:extLst>
+              <a:ext uri="{FF2B5EF4-FFF2-40B4-BE49-F238E27FC236}">
+                <a16:creationId xmlns:a16="http://schemas.microsoft.com/office/drawing/2014/main" id="{5178FBCE-C1F5-FEF7-DAE0-B2B18D362B37}"/>
+              </a:ext>
+            </a:extLst>
+          </p:cNvPr>
+          <p:cNvPicPr>
+            <a:picLocks noChangeAspect="1"/>
+          </p:cNvPicPr>
+          <p:nvPr/>
+        </p:nvPicPr>
+        <p:blipFill>
+          <a:blip r:embed="rId4">
+            <a:extLst>
+              <a:ext uri="{28A0092B-C50C-407E-A947-70E740481C1C}">
+                <a14:useLocalDpi xmlns:a14="http://schemas.microsoft.com/office/drawing/2010/main" val="0"/>
+              </a:ext>
+            </a:extLst>
+          </a:blip>
+          <a:srcRect t="9349" r="-5" b="-5"/>
+          <a:stretch/>
+        </p:blipFill>
+        <p:spPr>
+          <a:xfrm>
+            <a:off x="532463" y="731077"/>
+            <a:ext cx="3515763" cy="2119422"/>
+          </a:xfrm>
+          <a:prstGeom prst="rect">
+            <a:avLst/>
+          </a:prstGeom>
+        </p:spPr>
+      </p:pic>
+    </p:spTree>
+    <p:extLst>
+      <p:ext uri="{BB962C8B-B14F-4D97-AF65-F5344CB8AC3E}">
+        <p14:creationId xmlns:p14="http://schemas.microsoft.com/office/powerpoint/2010/main" val="3730987668"/>
+      </p:ext>
+    </p:extLst>
+  </p:cSld>
+  <p:clrMapOvr>
+    <a:overrideClrMapping bg1="dk1" tx1="lt1" bg2="dk2" tx2="lt2" accent1="accent1" accent2="accent2" accent3="accent3" accent4="accent4" accent5="accent5" accent6="accent6" hlink="hlink" folHlink="folHlink"/>
+  </p:clrMapOvr>
+  <p:timing>
+    <p:tnLst>
+      <p:par>
+        <p:cTn id="1" dur="indefinite" restart="never" nodeType="tmRoot">
+          <p:childTnLst>
+            <p:seq concurrent="1" nextAc="seek">
+              <p:cTn id="2" dur="indefinite" nodeType="mainSeq">
+                <p:childTnLst>
+                  <p:par>
+                    <p:cTn id="3" fill="hold">
+                      <p:stCondLst>
+                        <p:cond delay="indefinite"/>
+                        <p:cond evt="onBegin" delay="0">
+                          <p:tn val="2"/>
+                        </p:cond>
+                      </p:stCondLst>
+                      <p:childTnLst>
+                        <p:par>
+                          <p:cTn id="4" fill="hold">
+                            <p:stCondLst>
+                              <p:cond delay="0"/>
+                            </p:stCondLst>
+                            <p:childTnLst>
+                              <p:par>
+                                <p:cTn id="5" presetID="10" presetClass="entr" presetSubtype="0" fill="hold" grpId="0" nodeType="withEffect">
+                                  <p:stCondLst>
+                                    <p:cond delay="1000"/>
+                                  </p:stCondLst>
+                                  <p:iterate type="lt">
+                                    <p:tmPct val="10000"/>
+                                  </p:iterate>
+                                  <p:childTnLst>
+                                    <p:set>
+                                      <p:cBhvr>
+                                        <p:cTn id="6" dur="1" fill="hold">
+                                          <p:stCondLst>
+                                            <p:cond delay="0"/>
+                                          </p:stCondLst>
+                                        </p:cTn>
+                                        <p:tgtEl>
+                                          <p:spTgt spid="2"/>
+                                        </p:tgtEl>
+                                        <p:attrNameLst>
+                                          <p:attrName>style.visibility</p:attrName>
+                                        </p:attrNameLst>
+                                      </p:cBhvr>
+                                      <p:to>
+                                        <p:strVal val="visible"/>
+                                      </p:to>
+                                    </p:set>
+                                    <p:animEffect transition="in" filter="fade">
+                                      <p:cBhvr>
+                                        <p:cTn id="7" dur="400"/>
                                         <p:tgtEl>
                                           <p:spTgt spid="2"/>
                                         </p:tgtEl>
